--- a/MTech-Project_Review3_PPT_Anandam_Paul_T8635.pptx
+++ b/MTech-Project_Review3_PPT_Anandam_Paul_T8635.pptx
@@ -25,8 +25,6 @@
     <p:sldId id="2147470502" r:id="rId19"/>
     <p:sldId id="2147470511" r:id="rId20"/>
     <p:sldId id="2147470510" r:id="rId21"/>
-    <p:sldId id="2147470503" r:id="rId22"/>
-    <p:sldId id="2147470512" r:id="rId23"/>
   </p:sldIdLst>
   <p:sldSz cx="12192000" cy="6858000"/>
   <p:notesSz cx="6858000" cy="9144000"/>
@@ -5112,13 +5110,13 @@
   <p:clrMapOvr>
     <a:masterClrMapping/>
   </p:clrMapOvr>
-  <mc:AlternateContent xmlns:mc="http://schemas.openxmlformats.org/markup-compatibility/2006">
-    <mc:Choice xmlns:p14="http://schemas.microsoft.com/office/powerpoint/2010/main" Requires="p14">
+  <mc:AlternateContent xmlns:mc="http://schemas.openxmlformats.org/markup-compatibility/2006" xmlns:p14="http://schemas.microsoft.com/office/powerpoint/2010/main">
+    <mc:Choice Requires="p14">
       <p:transition spd="med" p14:dur="700">
         <p:fade/>
       </p:transition>
     </mc:Choice>
-    <mc:Fallback>
+    <mc:Fallback xmlns="">
       <p:transition spd="med">
         <p:fade/>
       </p:transition>
@@ -5488,13 +5486,13 @@
   <p:clrMapOvr>
     <a:masterClrMapping/>
   </p:clrMapOvr>
-  <mc:AlternateContent xmlns:mc="http://schemas.openxmlformats.org/markup-compatibility/2006">
-    <mc:Choice xmlns:p14="http://schemas.microsoft.com/office/powerpoint/2010/main" Requires="p14">
+  <mc:AlternateContent xmlns:mc="http://schemas.openxmlformats.org/markup-compatibility/2006" xmlns:p14="http://schemas.microsoft.com/office/powerpoint/2010/main">
+    <mc:Choice Requires="p14">
       <p:transition spd="med" p14:dur="700">
         <p:fade/>
       </p:transition>
     </mc:Choice>
-    <mc:Fallback>
+    <mc:Fallback xmlns="">
       <p:transition spd="med">
         <p:fade/>
       </p:transition>
@@ -5943,13 +5941,13 @@
   <p:clrMapOvr>
     <a:masterClrMapping/>
   </p:clrMapOvr>
-  <mc:AlternateContent xmlns:mc="http://schemas.openxmlformats.org/markup-compatibility/2006">
-    <mc:Choice xmlns:p14="http://schemas.microsoft.com/office/powerpoint/2010/main" Requires="p14">
+  <mc:AlternateContent xmlns:mc="http://schemas.openxmlformats.org/markup-compatibility/2006" xmlns:p14="http://schemas.microsoft.com/office/powerpoint/2010/main">
+    <mc:Choice Requires="p14">
       <p:transition spd="med" p14:dur="700">
         <p:fade/>
       </p:transition>
     </mc:Choice>
-    <mc:Fallback>
+    <mc:Fallback xmlns="">
       <p:transition spd="med">
         <p:fade/>
       </p:transition>
@@ -6429,13 +6427,13 @@
   <p:clrMapOvr>
     <a:masterClrMapping/>
   </p:clrMapOvr>
-  <mc:AlternateContent xmlns:mc="http://schemas.openxmlformats.org/markup-compatibility/2006">
-    <mc:Choice xmlns:p14="http://schemas.microsoft.com/office/powerpoint/2010/main" Requires="p14">
+  <mc:AlternateContent xmlns:mc="http://schemas.openxmlformats.org/markup-compatibility/2006" xmlns:p14="http://schemas.microsoft.com/office/powerpoint/2010/main">
+    <mc:Choice Requires="p14">
       <p:transition spd="med" p14:dur="700">
         <p:fade/>
       </p:transition>
     </mc:Choice>
-    <mc:Fallback>
+    <mc:Fallback xmlns="">
       <p:transition spd="med">
         <p:fade/>
       </p:transition>
@@ -6802,13 +6800,13 @@
   <p:clrMapOvr>
     <a:masterClrMapping/>
   </p:clrMapOvr>
-  <mc:AlternateContent xmlns:mc="http://schemas.openxmlformats.org/markup-compatibility/2006">
-    <mc:Choice xmlns:p14="http://schemas.microsoft.com/office/powerpoint/2010/main" Requires="p14">
+  <mc:AlternateContent xmlns:mc="http://schemas.openxmlformats.org/markup-compatibility/2006" xmlns:p14="http://schemas.microsoft.com/office/powerpoint/2010/main">
+    <mc:Choice Requires="p14">
       <p:transition spd="med" p14:dur="700">
         <p:fade/>
       </p:transition>
     </mc:Choice>
-    <mc:Fallback>
+    <mc:Fallback xmlns="">
       <p:transition spd="med">
         <p:fade/>
       </p:transition>
@@ -7175,13 +7173,13 @@
   <p:clrMapOvr>
     <a:masterClrMapping/>
   </p:clrMapOvr>
-  <mc:AlternateContent xmlns:mc="http://schemas.openxmlformats.org/markup-compatibility/2006">
-    <mc:Choice xmlns:p14="http://schemas.microsoft.com/office/powerpoint/2010/main" Requires="p14">
+  <mc:AlternateContent xmlns:mc="http://schemas.openxmlformats.org/markup-compatibility/2006" xmlns:p14="http://schemas.microsoft.com/office/powerpoint/2010/main">
+    <mc:Choice Requires="p14">
       <p:transition spd="med" p14:dur="700">
         <p:fade/>
       </p:transition>
     </mc:Choice>
-    <mc:Fallback>
+    <mc:Fallback xmlns="">
       <p:transition spd="med">
         <p:fade/>
       </p:transition>
@@ -9924,1087 +9922,6 @@
 </p:sld>
 </file>
 
-<file path=ppt/slides/slide21.xml><?xml version="1.0" encoding="utf-8"?>
-<p:sld xmlns:a="http://schemas.openxmlformats.org/drawingml/2006/main" xmlns:r="http://schemas.openxmlformats.org/officeDocument/2006/relationships" xmlns:p="http://schemas.openxmlformats.org/presentationml/2006/main">
-  <p:cSld>
-    <p:spTree>
-      <p:nvGrpSpPr>
-        <p:cNvPr id="1" name="">
-          <a:extLst>
-            <a:ext uri="{FF2B5EF4-FFF2-40B4-BE49-F238E27FC236}">
-              <a16:creationId xmlns:a16="http://schemas.microsoft.com/office/drawing/2014/main" id="{1EEC1BA9-EED8-0553-15DB-7AC5ADC07E05}"/>
-            </a:ext>
-          </a:extLst>
-        </p:cNvPr>
-        <p:cNvGrpSpPr/>
-        <p:nvPr/>
-      </p:nvGrpSpPr>
-      <p:grpSpPr>
-        <a:xfrm>
-          <a:off x="0" y="0"/>
-          <a:ext cx="0" cy="0"/>
-          <a:chOff x="0" y="0"/>
-          <a:chExt cx="0" cy="0"/>
-        </a:xfrm>
-      </p:grpSpPr>
-      <p:sp>
-        <p:nvSpPr>
-          <p:cNvPr id="2" name="Text Placeholder 1">
-            <a:extLst>
-              <a:ext uri="{FF2B5EF4-FFF2-40B4-BE49-F238E27FC236}">
-                <a16:creationId xmlns:a16="http://schemas.microsoft.com/office/drawing/2014/main" id="{31E11D5E-73A6-DACE-A314-51CBCF3D39FA}"/>
-              </a:ext>
-            </a:extLst>
-          </p:cNvPr>
-          <p:cNvSpPr>
-            <a:spLocks noGrp="1"/>
-          </p:cNvSpPr>
-          <p:nvPr>
-            <p:ph type="body" sz="quarter" idx="13"/>
-          </p:nvPr>
-        </p:nvSpPr>
-        <p:spPr>
-          <a:xfrm>
-            <a:off x="564108" y="1310975"/>
-            <a:ext cx="10865891" cy="4692260"/>
-          </a:xfrm>
-        </p:spPr>
-        <p:txBody>
-          <a:bodyPr/>
-          <a:lstStyle/>
-          <a:p>
-            <a:pPr marL="0" indent="0">
-              <a:lnSpc>
-                <a:spcPct val="150000"/>
-              </a:lnSpc>
-              <a:buNone/>
-            </a:pPr>
-            <a:r>
-              <a:rPr lang="en-US" sz="2400" b="0" dirty="0">
-                <a:solidFill>
-                  <a:srgbClr val="5583D1"/>
-                </a:solidFill>
-                <a:latin typeface="+mn-lt"/>
-              </a:rPr>
-              <a:t>Zheng et al., 2025 – Computer Vision in Football Videos. Reviews state-of-the-art CV techniques for analyzing football matches, including tracking, detection, and event recognition.</a:t>
-            </a:r>
-          </a:p>
-          <a:p>
-            <a:pPr marL="0" indent="0">
-              <a:lnSpc>
-                <a:spcPct val="150000"/>
-              </a:lnSpc>
-              <a:buNone/>
-            </a:pPr>
-            <a:r>
-              <a:rPr lang="en-US" sz="2400" b="0" dirty="0">
-                <a:solidFill>
-                  <a:srgbClr val="5583D1"/>
-                </a:solidFill>
-                <a:latin typeface="+mn-lt"/>
-              </a:rPr>
-              <a:t>Seweryn et al., 2024 – Super-Resolution for Football Object Detection. Improves detection quality by applying super-resolution techniques to football video frames before detection.</a:t>
-            </a:r>
-          </a:p>
-          <a:p>
-            <a:pPr marL="0" indent="0">
-              <a:lnSpc>
-                <a:spcPct val="150000"/>
-              </a:lnSpc>
-              <a:buNone/>
-            </a:pPr>
-            <a:r>
-              <a:rPr lang="en-US" sz="2400" b="0" dirty="0">
-                <a:solidFill>
-                  <a:srgbClr val="5583D1"/>
-                </a:solidFill>
-              </a:rPr>
-              <a:t>Dosovitskiy et al., 2021 – Vision Transformers. Proposes the Transformer architecture</a:t>
-            </a:r>
-          </a:p>
-          <a:p>
-            <a:pPr marL="0" indent="0">
-              <a:lnSpc>
-                <a:spcPct val="150000"/>
-              </a:lnSpc>
-              <a:buNone/>
-            </a:pPr>
-            <a:r>
-              <a:rPr lang="en-US" sz="2400" b="0" dirty="0">
-                <a:solidFill>
-                  <a:srgbClr val="5583D1"/>
-                </a:solidFill>
-              </a:rPr>
-              <a:t>for image recognition, treating images as sequences of patches for high accuracy.</a:t>
-            </a:r>
-          </a:p>
-          <a:p>
-            <a:pPr marL="0" indent="0">
-              <a:lnSpc>
-                <a:spcPct val="150000"/>
-              </a:lnSpc>
-              <a:buNone/>
-            </a:pPr>
-            <a:endParaRPr lang="en-US" sz="2400" b="0" dirty="0">
-              <a:solidFill>
-                <a:srgbClr val="5583D1"/>
-              </a:solidFill>
-              <a:latin typeface="+mn-lt"/>
-            </a:endParaRPr>
-          </a:p>
-          <a:p>
-            <a:pPr marL="0" indent="0">
-              <a:lnSpc>
-                <a:spcPct val="150000"/>
-              </a:lnSpc>
-              <a:buNone/>
-            </a:pPr>
-            <a:r>
-              <a:rPr lang="en-US" sz="2400" b="0" dirty="0">
-                <a:solidFill>
-                  <a:srgbClr val="5583D1"/>
-                </a:solidFill>
-                <a:latin typeface="+mn-lt"/>
-              </a:rPr>
-              <a:t> </a:t>
-            </a:r>
-            <a:endParaRPr lang="en-US" sz="2400" b="0" dirty="0">
-              <a:solidFill>
-                <a:srgbClr val="5583D1"/>
-              </a:solidFill>
-            </a:endParaRPr>
-          </a:p>
-        </p:txBody>
-      </p:sp>
-      <p:sp>
-        <p:nvSpPr>
-          <p:cNvPr id="3" name="TextBox 2">
-            <a:extLst>
-              <a:ext uri="{FF2B5EF4-FFF2-40B4-BE49-F238E27FC236}">
-                <a16:creationId xmlns:a16="http://schemas.microsoft.com/office/drawing/2014/main" id="{776CD0F3-77A2-E482-9F59-462941CA9EFC}"/>
-              </a:ext>
-            </a:extLst>
-          </p:cNvPr>
-          <p:cNvSpPr txBox="1"/>
-          <p:nvPr/>
-        </p:nvSpPr>
-        <p:spPr>
-          <a:xfrm>
-            <a:off x="554170" y="373337"/>
-            <a:ext cx="10624338" cy="646331"/>
-          </a:xfrm>
-          <a:prstGeom prst="rect">
-            <a:avLst/>
-          </a:prstGeom>
-          <a:noFill/>
-        </p:spPr>
-        <p:txBody>
-          <a:bodyPr wrap="square" rtlCol="0">
-            <a:spAutoFit/>
-          </a:bodyPr>
-          <a:lstStyle/>
-          <a:p>
-            <a:pPr lvl="0">
-              <a:defRPr/>
-            </a:pPr>
-            <a:r>
-              <a:rPr lang="fr-FR" sz="3600" b="1" dirty="0">
-                <a:solidFill>
-                  <a:srgbClr val="5B9BD5">
-                    <a:lumMod val="50000"/>
-                  </a:srgbClr>
-                </a:solidFill>
-              </a:rPr>
-              <a:t>Reference… </a:t>
-            </a:r>
-            <a:endParaRPr kumimoji="0" lang="en-US" sz="3600" b="1" i="0" u="none" strike="noStrike" kern="1200" cap="none" spc="0" normalizeH="0" baseline="0" noProof="0" dirty="0">
-              <a:ln>
-                <a:noFill/>
-              </a:ln>
-              <a:solidFill>
-                <a:srgbClr val="5B9BD5">
-                  <a:lumMod val="50000"/>
-                </a:srgbClr>
-              </a:solidFill>
-              <a:effectLst/>
-              <a:uLnTx/>
-              <a:uFillTx/>
-              <a:latin typeface="Calibri" panose="020F0502020204030204"/>
-              <a:ea typeface="+mn-ea"/>
-              <a:cs typeface="+mn-cs"/>
-            </a:endParaRPr>
-          </a:p>
-        </p:txBody>
-      </p:sp>
-      <p:cxnSp>
-        <p:nvCxnSpPr>
-          <p:cNvPr id="5" name="Straight Connector 4">
-            <a:extLst>
-              <a:ext uri="{FF2B5EF4-FFF2-40B4-BE49-F238E27FC236}">
-                <a16:creationId xmlns:a16="http://schemas.microsoft.com/office/drawing/2014/main" id="{0EF328B9-B5B2-A4C8-C436-49616B481A74}"/>
-              </a:ext>
-            </a:extLst>
-          </p:cNvPr>
-          <p:cNvCxnSpPr>
-            <a:cxnSpLocks/>
-          </p:cNvCxnSpPr>
-          <p:nvPr/>
-        </p:nvCxnSpPr>
-        <p:spPr>
-          <a:xfrm>
-            <a:off x="638718" y="1201695"/>
-            <a:ext cx="7305799" cy="0"/>
-          </a:xfrm>
-          <a:prstGeom prst="line">
-            <a:avLst/>
-          </a:prstGeom>
-          <a:ln w="28575">
-            <a:solidFill>
-              <a:schemeClr val="accent6"/>
-            </a:solidFill>
-          </a:ln>
-        </p:spPr>
-        <p:style>
-          <a:lnRef idx="1">
-            <a:schemeClr val="accent1"/>
-          </a:lnRef>
-          <a:fillRef idx="0">
-            <a:schemeClr val="accent1"/>
-          </a:fillRef>
-          <a:effectRef idx="0">
-            <a:schemeClr val="accent1"/>
-          </a:effectRef>
-          <a:fontRef idx="minor">
-            <a:schemeClr val="tx1"/>
-          </a:fontRef>
-        </p:style>
-      </p:cxnSp>
-      <p:sp>
-        <p:nvSpPr>
-          <p:cNvPr id="4" name="TextBox 3">
-            <a:extLst>
-              <a:ext uri="{FF2B5EF4-FFF2-40B4-BE49-F238E27FC236}">
-                <a16:creationId xmlns:a16="http://schemas.microsoft.com/office/drawing/2014/main" id="{E9E96C34-B06E-814D-72EC-EF1F6BBFAAF7}"/>
-              </a:ext>
-            </a:extLst>
-          </p:cNvPr>
-          <p:cNvSpPr txBox="1"/>
-          <p:nvPr/>
-        </p:nvSpPr>
-        <p:spPr>
-          <a:xfrm>
-            <a:off x="6093893" y="57036"/>
-            <a:ext cx="6098107" cy="646331"/>
-          </a:xfrm>
-          <a:prstGeom prst="rect">
-            <a:avLst/>
-          </a:prstGeom>
-          <a:noFill/>
-        </p:spPr>
-        <p:txBody>
-          <a:bodyPr wrap="square" rtlCol="0">
-            <a:spAutoFit/>
-          </a:bodyPr>
-          <a:lstStyle/>
-          <a:p>
-            <a:pPr algn="r"/>
-            <a:r>
-              <a:rPr lang="en-US" sz="1800" b="1" i="1" dirty="0">
-                <a:solidFill>
-                  <a:srgbClr val="FFFFFF"/>
-                </a:solidFill>
-              </a:rPr>
-              <a:t>Project Title -  Calibri body 18</a:t>
-            </a:r>
-          </a:p>
-          <a:p>
-            <a:pPr algn="r"/>
-            <a:endParaRPr lang="en-US" dirty="0"/>
-          </a:p>
-        </p:txBody>
-      </p:sp>
-    </p:spTree>
-    <p:extLst>
-      <p:ext uri="{BB962C8B-B14F-4D97-AF65-F5344CB8AC3E}">
-        <p14:creationId xmlns:p14="http://schemas.microsoft.com/office/powerpoint/2010/main" val="1659890165"/>
-      </p:ext>
-    </p:extLst>
-  </p:cSld>
-  <p:clrMapOvr>
-    <a:masterClrMapping/>
-  </p:clrMapOvr>
-  <mc:AlternateContent xmlns:mc="http://schemas.openxmlformats.org/markup-compatibility/2006" xmlns:p14="http://schemas.microsoft.com/office/powerpoint/2010/main">
-    <mc:Choice Requires="p14">
-      <p:transition spd="med" p14:dur="700">
-        <p:fade/>
-      </p:transition>
-    </mc:Choice>
-    <mc:Fallback xmlns="">
-      <p:transition spd="med">
-        <p:fade/>
-      </p:transition>
-    </mc:Fallback>
-  </mc:AlternateContent>
-  <p:timing>
-    <p:tnLst>
-      <p:par>
-        <p:cTn id="1" dur="indefinite" restart="never" nodeType="tmRoot">
-          <p:childTnLst>
-            <p:seq concurrent="1" nextAc="seek">
-              <p:cTn id="2" dur="indefinite" nodeType="mainSeq">
-                <p:childTnLst>
-                  <p:par>
-                    <p:cTn id="3" fill="hold">
-                      <p:stCondLst>
-                        <p:cond delay="indefinite"/>
-                      </p:stCondLst>
-                      <p:childTnLst>
-                        <p:par>
-                          <p:cTn id="4" fill="hold">
-                            <p:stCondLst>
-                              <p:cond delay="0"/>
-                            </p:stCondLst>
-                            <p:childTnLst>
-                              <p:par>
-                                <p:cTn id="5" presetID="1" presetClass="entr" presetSubtype="0" fill="hold" grpId="0" nodeType="clickEffect">
-                                  <p:stCondLst>
-                                    <p:cond delay="0"/>
-                                  </p:stCondLst>
-                                  <p:childTnLst>
-                                    <p:set>
-                                      <p:cBhvr>
-                                        <p:cTn id="6" dur="1" fill="hold">
-                                          <p:stCondLst>
-                                            <p:cond delay="0"/>
-                                          </p:stCondLst>
-                                        </p:cTn>
-                                        <p:tgtEl>
-                                          <p:spTgt spid="2">
-                                            <p:txEl>
-                                              <p:pRg st="0" end="0"/>
-                                            </p:txEl>
-                                          </p:spTgt>
-                                        </p:tgtEl>
-                                        <p:attrNameLst>
-                                          <p:attrName>style.visibility</p:attrName>
-                                        </p:attrNameLst>
-                                      </p:cBhvr>
-                                      <p:to>
-                                        <p:strVal val="visible"/>
-                                      </p:to>
-                                    </p:set>
-                                  </p:childTnLst>
-                                </p:cTn>
-                              </p:par>
-                            </p:childTnLst>
-                          </p:cTn>
-                        </p:par>
-                      </p:childTnLst>
-                    </p:cTn>
-                  </p:par>
-                  <p:par>
-                    <p:cTn id="7" fill="hold">
-                      <p:stCondLst>
-                        <p:cond delay="indefinite"/>
-                      </p:stCondLst>
-                      <p:childTnLst>
-                        <p:par>
-                          <p:cTn id="8" fill="hold">
-                            <p:stCondLst>
-                              <p:cond delay="0"/>
-                            </p:stCondLst>
-                            <p:childTnLst>
-                              <p:par>
-                                <p:cTn id="9" presetID="1" presetClass="entr" presetSubtype="0" fill="hold" grpId="0" nodeType="clickEffect">
-                                  <p:stCondLst>
-                                    <p:cond delay="0"/>
-                                  </p:stCondLst>
-                                  <p:childTnLst>
-                                    <p:set>
-                                      <p:cBhvr>
-                                        <p:cTn id="10" dur="1" fill="hold">
-                                          <p:stCondLst>
-                                            <p:cond delay="0"/>
-                                          </p:stCondLst>
-                                        </p:cTn>
-                                        <p:tgtEl>
-                                          <p:spTgt spid="2">
-                                            <p:txEl>
-                                              <p:pRg st="1" end="1"/>
-                                            </p:txEl>
-                                          </p:spTgt>
-                                        </p:tgtEl>
-                                        <p:attrNameLst>
-                                          <p:attrName>style.visibility</p:attrName>
-                                        </p:attrNameLst>
-                                      </p:cBhvr>
-                                      <p:to>
-                                        <p:strVal val="visible"/>
-                                      </p:to>
-                                    </p:set>
-                                  </p:childTnLst>
-                                </p:cTn>
-                              </p:par>
-                            </p:childTnLst>
-                          </p:cTn>
-                        </p:par>
-                      </p:childTnLst>
-                    </p:cTn>
-                  </p:par>
-                  <p:par>
-                    <p:cTn id="11" fill="hold">
-                      <p:stCondLst>
-                        <p:cond delay="indefinite"/>
-                      </p:stCondLst>
-                      <p:childTnLst>
-                        <p:par>
-                          <p:cTn id="12" fill="hold">
-                            <p:stCondLst>
-                              <p:cond delay="0"/>
-                            </p:stCondLst>
-                            <p:childTnLst>
-                              <p:par>
-                                <p:cTn id="13" presetID="1" presetClass="entr" presetSubtype="0" fill="hold" grpId="0" nodeType="clickEffect">
-                                  <p:stCondLst>
-                                    <p:cond delay="0"/>
-                                  </p:stCondLst>
-                                  <p:childTnLst>
-                                    <p:set>
-                                      <p:cBhvr>
-                                        <p:cTn id="14" dur="1" fill="hold">
-                                          <p:stCondLst>
-                                            <p:cond delay="0"/>
-                                          </p:stCondLst>
-                                        </p:cTn>
-                                        <p:tgtEl>
-                                          <p:spTgt spid="2">
-                                            <p:txEl>
-                                              <p:pRg st="2" end="2"/>
-                                            </p:txEl>
-                                          </p:spTgt>
-                                        </p:tgtEl>
-                                        <p:attrNameLst>
-                                          <p:attrName>style.visibility</p:attrName>
-                                        </p:attrNameLst>
-                                      </p:cBhvr>
-                                      <p:to>
-                                        <p:strVal val="visible"/>
-                                      </p:to>
-                                    </p:set>
-                                  </p:childTnLst>
-                                </p:cTn>
-                              </p:par>
-                            </p:childTnLst>
-                          </p:cTn>
-                        </p:par>
-                      </p:childTnLst>
-                    </p:cTn>
-                  </p:par>
-                  <p:par>
-                    <p:cTn id="15" fill="hold">
-                      <p:stCondLst>
-                        <p:cond delay="indefinite"/>
-                      </p:stCondLst>
-                      <p:childTnLst>
-                        <p:par>
-                          <p:cTn id="16" fill="hold">
-                            <p:stCondLst>
-                              <p:cond delay="0"/>
-                            </p:stCondLst>
-                            <p:childTnLst>
-                              <p:par>
-                                <p:cTn id="17" presetID="1" presetClass="entr" presetSubtype="0" fill="hold" grpId="0" nodeType="clickEffect">
-                                  <p:stCondLst>
-                                    <p:cond delay="0"/>
-                                  </p:stCondLst>
-                                  <p:childTnLst>
-                                    <p:set>
-                                      <p:cBhvr>
-                                        <p:cTn id="18" dur="1" fill="hold">
-                                          <p:stCondLst>
-                                            <p:cond delay="0"/>
-                                          </p:stCondLst>
-                                        </p:cTn>
-                                        <p:tgtEl>
-                                          <p:spTgt spid="2">
-                                            <p:txEl>
-                                              <p:pRg st="3" end="3"/>
-                                            </p:txEl>
-                                          </p:spTgt>
-                                        </p:tgtEl>
-                                        <p:attrNameLst>
-                                          <p:attrName>style.visibility</p:attrName>
-                                        </p:attrNameLst>
-                                      </p:cBhvr>
-                                      <p:to>
-                                        <p:strVal val="visible"/>
-                                      </p:to>
-                                    </p:set>
-                                  </p:childTnLst>
-                                </p:cTn>
-                              </p:par>
-                            </p:childTnLst>
-                          </p:cTn>
-                        </p:par>
-                      </p:childTnLst>
-                    </p:cTn>
-                  </p:par>
-                  <p:par>
-                    <p:cTn id="19" fill="hold">
-                      <p:stCondLst>
-                        <p:cond delay="indefinite"/>
-                      </p:stCondLst>
-                      <p:childTnLst>
-                        <p:par>
-                          <p:cTn id="20" fill="hold">
-                            <p:stCondLst>
-                              <p:cond delay="0"/>
-                            </p:stCondLst>
-                            <p:childTnLst>
-                              <p:par>
-                                <p:cTn id="21" presetID="1" presetClass="entr" presetSubtype="0" fill="hold" grpId="0" nodeType="clickEffect">
-                                  <p:stCondLst>
-                                    <p:cond delay="0"/>
-                                  </p:stCondLst>
-                                  <p:childTnLst>
-                                    <p:set>
-                                      <p:cBhvr>
-                                        <p:cTn id="22" dur="1" fill="hold">
-                                          <p:stCondLst>
-                                            <p:cond delay="0"/>
-                                          </p:stCondLst>
-                                        </p:cTn>
-                                        <p:tgtEl>
-                                          <p:spTgt spid="2">
-                                            <p:txEl>
-                                              <p:pRg st="5" end="5"/>
-                                            </p:txEl>
-                                          </p:spTgt>
-                                        </p:tgtEl>
-                                        <p:attrNameLst>
-                                          <p:attrName>style.visibility</p:attrName>
-                                        </p:attrNameLst>
-                                      </p:cBhvr>
-                                      <p:to>
-                                        <p:strVal val="visible"/>
-                                      </p:to>
-                                    </p:set>
-                                  </p:childTnLst>
-                                </p:cTn>
-                              </p:par>
-                            </p:childTnLst>
-                          </p:cTn>
-                        </p:par>
-                      </p:childTnLst>
-                    </p:cTn>
-                  </p:par>
-                </p:childTnLst>
-              </p:cTn>
-              <p:prevCondLst>
-                <p:cond evt="onPrev" delay="0">
-                  <p:tgtEl>
-                    <p:sldTgt/>
-                  </p:tgtEl>
-                </p:cond>
-              </p:prevCondLst>
-              <p:nextCondLst>
-                <p:cond evt="onNext" delay="0">
-                  <p:tgtEl>
-                    <p:sldTgt/>
-                  </p:tgtEl>
-                </p:cond>
-              </p:nextCondLst>
-            </p:seq>
-          </p:childTnLst>
-        </p:cTn>
-      </p:par>
-    </p:tnLst>
-    <p:bldLst>
-      <p:bldP spid="2" grpId="0" uiExpand="1" build="p"/>
-    </p:bldLst>
-  </p:timing>
-</p:sld>
-</file>
-
-<file path=ppt/slides/slide22.xml><?xml version="1.0" encoding="utf-8"?>
-<p:sld xmlns:a="http://schemas.openxmlformats.org/drawingml/2006/main" xmlns:r="http://schemas.openxmlformats.org/officeDocument/2006/relationships" xmlns:p="http://schemas.openxmlformats.org/presentationml/2006/main">
-  <p:cSld>
-    <p:spTree>
-      <p:nvGrpSpPr>
-        <p:cNvPr id="1" name="">
-          <a:extLst>
-            <a:ext uri="{FF2B5EF4-FFF2-40B4-BE49-F238E27FC236}">
-              <a16:creationId xmlns:a16="http://schemas.microsoft.com/office/drawing/2014/main" id="{A42BC4C1-B9C6-6B7A-D86C-4FC99433B862}"/>
-            </a:ext>
-          </a:extLst>
-        </p:cNvPr>
-        <p:cNvGrpSpPr/>
-        <p:nvPr/>
-      </p:nvGrpSpPr>
-      <p:grpSpPr>
-        <a:xfrm>
-          <a:off x="0" y="0"/>
-          <a:ext cx="0" cy="0"/>
-          <a:chOff x="0" y="0"/>
-          <a:chExt cx="0" cy="0"/>
-        </a:xfrm>
-      </p:grpSpPr>
-      <p:sp>
-        <p:nvSpPr>
-          <p:cNvPr id="2" name="Text Placeholder 1">
-            <a:extLst>
-              <a:ext uri="{FF2B5EF4-FFF2-40B4-BE49-F238E27FC236}">
-                <a16:creationId xmlns:a16="http://schemas.microsoft.com/office/drawing/2014/main" id="{406F7A55-476D-0F9D-3CC3-4DBFA18075C7}"/>
-              </a:ext>
-            </a:extLst>
-          </p:cNvPr>
-          <p:cNvSpPr>
-            <a:spLocks noGrp="1"/>
-          </p:cNvSpPr>
-          <p:nvPr>
-            <p:ph type="body" sz="quarter" idx="13"/>
-          </p:nvPr>
-        </p:nvSpPr>
-        <p:spPr>
-          <a:xfrm>
-            <a:off x="255996" y="1271219"/>
-            <a:ext cx="10624338" cy="4142989"/>
-          </a:xfrm>
-        </p:spPr>
-        <p:txBody>
-          <a:bodyPr/>
-          <a:lstStyle/>
-          <a:p>
-            <a:pPr marL="0" indent="0">
-              <a:lnSpc>
-                <a:spcPct val="150000"/>
-              </a:lnSpc>
-              <a:buNone/>
-            </a:pPr>
-            <a:r>
-              <a:rPr lang="en-US" sz="2400" b="0" dirty="0">
-                <a:solidFill>
-                  <a:srgbClr val="5583D1"/>
-                </a:solidFill>
-                <a:latin typeface="+mn-lt"/>
-              </a:rPr>
-              <a:t>Husein et al., 2023 – Two-Stage Mask R-CNN for Player Tracking. Uses a two-stage Mask R-CNN to detect and track football players accurately in video footage.</a:t>
-            </a:r>
-          </a:p>
-          <a:p>
-            <a:pPr marL="0" indent="0">
-              <a:lnSpc>
-                <a:spcPct val="150000"/>
-              </a:lnSpc>
-              <a:buNone/>
-            </a:pPr>
-            <a:r>
-              <a:rPr lang="en-US" sz="2400" b="0" dirty="0">
-                <a:solidFill>
-                  <a:srgbClr val="5583D1"/>
-                </a:solidFill>
-                <a:latin typeface="+mn-lt"/>
-              </a:rPr>
-              <a:t>Wang et al., 2024 – </a:t>
-            </a:r>
-            <a:r>
-              <a:rPr lang="en-US" sz="2400" b="0" dirty="0" err="1">
-                <a:solidFill>
-                  <a:srgbClr val="5583D1"/>
-                </a:solidFill>
-                <a:latin typeface="+mn-lt"/>
-              </a:rPr>
-              <a:t>CoSportsMetrics</a:t>
-            </a:r>
-            <a:r>
-              <a:rPr lang="en-US" sz="2400" b="0" dirty="0">
-                <a:solidFill>
-                  <a:srgbClr val="5583D1"/>
-                </a:solidFill>
-                <a:latin typeface="+mn-lt"/>
-              </a:rPr>
-              <a:t>. Explores how combining text and numerical sports data improves information fusion in large language models.</a:t>
-            </a:r>
-          </a:p>
-          <a:p>
-            <a:pPr marL="0" indent="0">
-              <a:lnSpc>
-                <a:spcPct val="150000"/>
-              </a:lnSpc>
-              <a:buNone/>
-            </a:pPr>
-            <a:r>
-              <a:rPr lang="en-US" sz="2400" b="0" dirty="0">
-                <a:solidFill>
-                  <a:srgbClr val="5583D1"/>
-                </a:solidFill>
-                <a:latin typeface="+mn-lt"/>
-              </a:rPr>
-              <a:t>Xia et al., 2024 – SPORTU Benchmark. Introduces a multimodal dataset to evaluate sports understanding in large language models using text, images, and video</a:t>
-            </a:r>
-            <a:endParaRPr lang="en-US" sz="2400" b="0" dirty="0">
-              <a:solidFill>
-                <a:srgbClr val="5583D1"/>
-              </a:solidFill>
-            </a:endParaRPr>
-          </a:p>
-        </p:txBody>
-      </p:sp>
-      <p:sp>
-        <p:nvSpPr>
-          <p:cNvPr id="3" name="TextBox 2">
-            <a:extLst>
-              <a:ext uri="{FF2B5EF4-FFF2-40B4-BE49-F238E27FC236}">
-                <a16:creationId xmlns:a16="http://schemas.microsoft.com/office/drawing/2014/main" id="{E07BD06F-0138-DB51-FBD6-CD47E148F392}"/>
-              </a:ext>
-            </a:extLst>
-          </p:cNvPr>
-          <p:cNvSpPr txBox="1"/>
-          <p:nvPr/>
-        </p:nvSpPr>
-        <p:spPr>
-          <a:xfrm>
-            <a:off x="255996" y="502545"/>
-            <a:ext cx="10624338" cy="646331"/>
-          </a:xfrm>
-          <a:prstGeom prst="rect">
-            <a:avLst/>
-          </a:prstGeom>
-          <a:noFill/>
-        </p:spPr>
-        <p:txBody>
-          <a:bodyPr wrap="square" rtlCol="0">
-            <a:spAutoFit/>
-          </a:bodyPr>
-          <a:lstStyle/>
-          <a:p>
-            <a:pPr lvl="0">
-              <a:defRPr/>
-            </a:pPr>
-            <a:r>
-              <a:rPr lang="fr-FR" sz="3600" b="1" dirty="0">
-                <a:solidFill>
-                  <a:srgbClr val="5B9BD5">
-                    <a:lumMod val="50000"/>
-                  </a:srgbClr>
-                </a:solidFill>
-              </a:rPr>
-              <a:t>Reference… </a:t>
-            </a:r>
-            <a:r>
-              <a:rPr kumimoji="0" lang="en-US" sz="3600" b="1" i="0" u="none" strike="noStrike" kern="1200" cap="none" spc="0" normalizeH="0" baseline="0" noProof="0" dirty="0">
-                <a:ln>
-                  <a:noFill/>
-                </a:ln>
-                <a:solidFill>
-                  <a:srgbClr val="5B9BD5">
-                    <a:lumMod val="50000"/>
-                  </a:srgbClr>
-                </a:solidFill>
-                <a:effectLst/>
-                <a:uLnTx/>
-                <a:uFillTx/>
-                <a:latin typeface="Calibri" panose="020F0502020204030204"/>
-                <a:ea typeface="+mn-ea"/>
-                <a:cs typeface="+mn-cs"/>
-              </a:rPr>
-              <a:t>Calibri body -36</a:t>
-            </a:r>
-          </a:p>
-        </p:txBody>
-      </p:sp>
-      <p:cxnSp>
-        <p:nvCxnSpPr>
-          <p:cNvPr id="5" name="Straight Connector 4">
-            <a:extLst>
-              <a:ext uri="{FF2B5EF4-FFF2-40B4-BE49-F238E27FC236}">
-                <a16:creationId xmlns:a16="http://schemas.microsoft.com/office/drawing/2014/main" id="{8FA5A259-8E64-664D-3068-4CA141D5242E}"/>
-              </a:ext>
-            </a:extLst>
-          </p:cNvPr>
-          <p:cNvCxnSpPr>
-            <a:cxnSpLocks/>
-          </p:cNvCxnSpPr>
-          <p:nvPr/>
-        </p:nvCxnSpPr>
-        <p:spPr>
-          <a:xfrm>
-            <a:off x="221274" y="1191756"/>
-            <a:ext cx="7305799" cy="0"/>
-          </a:xfrm>
-          <a:prstGeom prst="line">
-            <a:avLst/>
-          </a:prstGeom>
-          <a:ln w="28575">
-            <a:solidFill>
-              <a:schemeClr val="accent6"/>
-            </a:solidFill>
-          </a:ln>
-        </p:spPr>
-        <p:style>
-          <a:lnRef idx="1">
-            <a:schemeClr val="accent1"/>
-          </a:lnRef>
-          <a:fillRef idx="0">
-            <a:schemeClr val="accent1"/>
-          </a:fillRef>
-          <a:effectRef idx="0">
-            <a:schemeClr val="accent1"/>
-          </a:effectRef>
-          <a:fontRef idx="minor">
-            <a:schemeClr val="tx1"/>
-          </a:fontRef>
-        </p:style>
-      </p:cxnSp>
-      <p:sp>
-        <p:nvSpPr>
-          <p:cNvPr id="4" name="TextBox 3">
-            <a:extLst>
-              <a:ext uri="{FF2B5EF4-FFF2-40B4-BE49-F238E27FC236}">
-                <a16:creationId xmlns:a16="http://schemas.microsoft.com/office/drawing/2014/main" id="{A81BCD3D-260A-4C35-5C7A-B1F6CEA20C48}"/>
-              </a:ext>
-            </a:extLst>
-          </p:cNvPr>
-          <p:cNvSpPr txBox="1"/>
-          <p:nvPr/>
-        </p:nvSpPr>
-        <p:spPr>
-          <a:xfrm>
-            <a:off x="6093893" y="57036"/>
-            <a:ext cx="6098107" cy="646331"/>
-          </a:xfrm>
-          <a:prstGeom prst="rect">
-            <a:avLst/>
-          </a:prstGeom>
-          <a:noFill/>
-        </p:spPr>
-        <p:txBody>
-          <a:bodyPr wrap="square" rtlCol="0">
-            <a:spAutoFit/>
-          </a:bodyPr>
-          <a:lstStyle/>
-          <a:p>
-            <a:pPr algn="r"/>
-            <a:r>
-              <a:rPr lang="en-US" sz="1800" b="1" i="1" dirty="0">
-                <a:solidFill>
-                  <a:srgbClr val="FFFFFF"/>
-                </a:solidFill>
-              </a:rPr>
-              <a:t>Project Title -  Calibri body 18</a:t>
-            </a:r>
-          </a:p>
-          <a:p>
-            <a:pPr algn="r"/>
-            <a:endParaRPr lang="en-US" dirty="0"/>
-          </a:p>
-        </p:txBody>
-      </p:sp>
-    </p:spTree>
-    <p:extLst>
-      <p:ext uri="{BB962C8B-B14F-4D97-AF65-F5344CB8AC3E}">
-        <p14:creationId xmlns:p14="http://schemas.microsoft.com/office/powerpoint/2010/main" val="4082314285"/>
-      </p:ext>
-    </p:extLst>
-  </p:cSld>
-  <p:clrMapOvr>
-    <a:masterClrMapping/>
-  </p:clrMapOvr>
-  <mc:AlternateContent xmlns:mc="http://schemas.openxmlformats.org/markup-compatibility/2006" xmlns:p14="http://schemas.microsoft.com/office/powerpoint/2010/main">
-    <mc:Choice Requires="p14">
-      <p:transition spd="med" p14:dur="700">
-        <p:fade/>
-      </p:transition>
-    </mc:Choice>
-    <mc:Fallback xmlns="">
-      <p:transition spd="med">
-        <p:fade/>
-      </p:transition>
-    </mc:Fallback>
-  </mc:AlternateContent>
-  <p:timing>
-    <p:tnLst>
-      <p:par>
-        <p:cTn id="1" dur="indefinite" restart="never" nodeType="tmRoot">
-          <p:childTnLst>
-            <p:seq concurrent="1" nextAc="seek">
-              <p:cTn id="2" dur="indefinite" nodeType="mainSeq">
-                <p:childTnLst>
-                  <p:par>
-                    <p:cTn id="3" fill="hold">
-                      <p:stCondLst>
-                        <p:cond delay="indefinite"/>
-                      </p:stCondLst>
-                      <p:childTnLst>
-                        <p:par>
-                          <p:cTn id="4" fill="hold">
-                            <p:stCondLst>
-                              <p:cond delay="0"/>
-                            </p:stCondLst>
-                            <p:childTnLst>
-                              <p:par>
-                                <p:cTn id="5" presetID="1" presetClass="entr" presetSubtype="0" fill="hold" grpId="0" nodeType="clickEffect">
-                                  <p:stCondLst>
-                                    <p:cond delay="0"/>
-                                  </p:stCondLst>
-                                  <p:childTnLst>
-                                    <p:set>
-                                      <p:cBhvr>
-                                        <p:cTn id="6" dur="1" fill="hold">
-                                          <p:stCondLst>
-                                            <p:cond delay="0"/>
-                                          </p:stCondLst>
-                                        </p:cTn>
-                                        <p:tgtEl>
-                                          <p:spTgt spid="2">
-                                            <p:txEl>
-                                              <p:pRg st="0" end="0"/>
-                                            </p:txEl>
-                                          </p:spTgt>
-                                        </p:tgtEl>
-                                        <p:attrNameLst>
-                                          <p:attrName>style.visibility</p:attrName>
-                                        </p:attrNameLst>
-                                      </p:cBhvr>
-                                      <p:to>
-                                        <p:strVal val="visible"/>
-                                      </p:to>
-                                    </p:set>
-                                  </p:childTnLst>
-                                </p:cTn>
-                              </p:par>
-                            </p:childTnLst>
-                          </p:cTn>
-                        </p:par>
-                      </p:childTnLst>
-                    </p:cTn>
-                  </p:par>
-                  <p:par>
-                    <p:cTn id="7" fill="hold">
-                      <p:stCondLst>
-                        <p:cond delay="indefinite"/>
-                      </p:stCondLst>
-                      <p:childTnLst>
-                        <p:par>
-                          <p:cTn id="8" fill="hold">
-                            <p:stCondLst>
-                              <p:cond delay="0"/>
-                            </p:stCondLst>
-                            <p:childTnLst>
-                              <p:par>
-                                <p:cTn id="9" presetID="1" presetClass="entr" presetSubtype="0" fill="hold" grpId="0" nodeType="clickEffect">
-                                  <p:stCondLst>
-                                    <p:cond delay="0"/>
-                                  </p:stCondLst>
-                                  <p:childTnLst>
-                                    <p:set>
-                                      <p:cBhvr>
-                                        <p:cTn id="10" dur="1" fill="hold">
-                                          <p:stCondLst>
-                                            <p:cond delay="0"/>
-                                          </p:stCondLst>
-                                        </p:cTn>
-                                        <p:tgtEl>
-                                          <p:spTgt spid="2">
-                                            <p:txEl>
-                                              <p:pRg st="1" end="1"/>
-                                            </p:txEl>
-                                          </p:spTgt>
-                                        </p:tgtEl>
-                                        <p:attrNameLst>
-                                          <p:attrName>style.visibility</p:attrName>
-                                        </p:attrNameLst>
-                                      </p:cBhvr>
-                                      <p:to>
-                                        <p:strVal val="visible"/>
-                                      </p:to>
-                                    </p:set>
-                                  </p:childTnLst>
-                                </p:cTn>
-                              </p:par>
-                            </p:childTnLst>
-                          </p:cTn>
-                        </p:par>
-                      </p:childTnLst>
-                    </p:cTn>
-                  </p:par>
-                  <p:par>
-                    <p:cTn id="11" fill="hold">
-                      <p:stCondLst>
-                        <p:cond delay="indefinite"/>
-                      </p:stCondLst>
-                      <p:childTnLst>
-                        <p:par>
-                          <p:cTn id="12" fill="hold">
-                            <p:stCondLst>
-                              <p:cond delay="0"/>
-                            </p:stCondLst>
-                            <p:childTnLst>
-                              <p:par>
-                                <p:cTn id="13" presetID="1" presetClass="entr" presetSubtype="0" fill="hold" grpId="0" nodeType="clickEffect">
-                                  <p:stCondLst>
-                                    <p:cond delay="0"/>
-                                  </p:stCondLst>
-                                  <p:childTnLst>
-                                    <p:set>
-                                      <p:cBhvr>
-                                        <p:cTn id="14" dur="1" fill="hold">
-                                          <p:stCondLst>
-                                            <p:cond delay="0"/>
-                                          </p:stCondLst>
-                                        </p:cTn>
-                                        <p:tgtEl>
-                                          <p:spTgt spid="2">
-                                            <p:txEl>
-                                              <p:pRg st="2" end="2"/>
-                                            </p:txEl>
-                                          </p:spTgt>
-                                        </p:tgtEl>
-                                        <p:attrNameLst>
-                                          <p:attrName>style.visibility</p:attrName>
-                                        </p:attrNameLst>
-                                      </p:cBhvr>
-                                      <p:to>
-                                        <p:strVal val="visible"/>
-                                      </p:to>
-                                    </p:set>
-                                  </p:childTnLst>
-                                </p:cTn>
-                              </p:par>
-                            </p:childTnLst>
-                          </p:cTn>
-                        </p:par>
-                      </p:childTnLst>
-                    </p:cTn>
-                  </p:par>
-                </p:childTnLst>
-              </p:cTn>
-              <p:prevCondLst>
-                <p:cond evt="onPrev" delay="0">
-                  <p:tgtEl>
-                    <p:sldTgt/>
-                  </p:tgtEl>
-                </p:cond>
-              </p:prevCondLst>
-              <p:nextCondLst>
-                <p:cond evt="onNext" delay="0">
-                  <p:tgtEl>
-                    <p:sldTgt/>
-                  </p:tgtEl>
-                </p:cond>
-              </p:nextCondLst>
-            </p:seq>
-          </p:childTnLst>
-        </p:cTn>
-      </p:par>
-    </p:tnLst>
-    <p:bldLst>
-      <p:bldP spid="2" grpId="0" uiExpand="1" build="p"/>
-    </p:bldLst>
-  </p:timing>
-</p:sld>
-</file>
-
 <file path=ppt/slides/slide3.xml><?xml version="1.0" encoding="utf-8"?>
 <p:sld xmlns:a="http://schemas.openxmlformats.org/drawingml/2006/main" xmlns:r="http://schemas.openxmlformats.org/officeDocument/2006/relationships" xmlns:p="http://schemas.openxmlformats.org/presentationml/2006/main">
   <p:cSld>
@@ -12835,7 +11752,7 @@
         <p:spPr>
           <a:xfrm>
             <a:off x="255996" y="1271219"/>
-            <a:ext cx="10624338" cy="4142989"/>
+            <a:ext cx="10624338" cy="4748576"/>
           </a:xfrm>
         </p:spPr>
         <p:txBody>
@@ -12872,7 +11789,7 @@
                 </a:solidFill>
                 <a:latin typeface="+mn-lt"/>
               </a:rPr>
-              <a:t>Football Image Segmentation dataset from Kaggle.</a:t>
+              <a:t>A custom dataset was built comprising 7 distinct football event classes.</a:t>
             </a:r>
           </a:p>
           <a:p>
@@ -12889,7 +11806,24 @@
                 </a:solidFill>
                 <a:latin typeface="+mn-lt"/>
               </a:rPr>
-              <a:t>Images annotated with masks for players, ball, and field regions.</a:t>
+              <a:t>Images were sourced from multiple datasets.</a:t>
+            </a:r>
+          </a:p>
+          <a:p>
+            <a:pPr marL="0" indent="0">
+              <a:lnSpc>
+                <a:spcPct val="150000"/>
+              </a:lnSpc>
+              <a:buNone/>
+            </a:pPr>
+            <a:r>
+              <a:rPr lang="en-US" sz="2400" b="0" dirty="0">
+                <a:solidFill>
+                  <a:srgbClr val="5583D1"/>
+                </a:solidFill>
+                <a:latin typeface="+mn-lt"/>
+              </a:rPr>
+              <a:t>Each class contains approximately 500–600 images.</a:t>
             </a:r>
           </a:p>
           <a:p>
@@ -13104,675 +12038,6 @@
     <p:extLst>
       <p:ext uri="{BB962C8B-B14F-4D97-AF65-F5344CB8AC3E}">
         <p14:creationId xmlns:p14="http://schemas.microsoft.com/office/powerpoint/2010/main" val="3339909403"/>
-      </p:ext>
-    </p:extLst>
-  </p:cSld>
-  <p:clrMapOvr>
-    <a:masterClrMapping/>
-  </p:clrMapOvr>
-  <mc:AlternateContent xmlns:mc="http://schemas.openxmlformats.org/markup-compatibility/2006" xmlns:p14="http://schemas.microsoft.com/office/powerpoint/2010/main">
-    <mc:Choice Requires="p14">
-      <p:transition spd="med" p14:dur="700">
-        <p:fade/>
-      </p:transition>
-    </mc:Choice>
-    <mc:Fallback xmlns="">
-      <p:transition spd="med">
-        <p:fade/>
-      </p:transition>
-    </mc:Fallback>
-  </mc:AlternateContent>
-  <p:timing>
-    <p:tnLst>
-      <p:par>
-        <p:cTn id="1" dur="indefinite" restart="never" nodeType="tmRoot">
-          <p:childTnLst>
-            <p:seq concurrent="1" nextAc="seek">
-              <p:cTn id="2" dur="indefinite" nodeType="mainSeq">
-                <p:childTnLst>
-                  <p:par>
-                    <p:cTn id="3" fill="hold">
-                      <p:stCondLst>
-                        <p:cond delay="indefinite"/>
-                      </p:stCondLst>
-                      <p:childTnLst>
-                        <p:par>
-                          <p:cTn id="4" fill="hold">
-                            <p:stCondLst>
-                              <p:cond delay="0"/>
-                            </p:stCondLst>
-                            <p:childTnLst>
-                              <p:par>
-                                <p:cTn id="5" presetID="1" presetClass="entr" presetSubtype="0" fill="hold" grpId="0" nodeType="clickEffect">
-                                  <p:stCondLst>
-                                    <p:cond delay="0"/>
-                                  </p:stCondLst>
-                                  <p:childTnLst>
-                                    <p:set>
-                                      <p:cBhvr>
-                                        <p:cTn id="6" dur="1" fill="hold">
-                                          <p:stCondLst>
-                                            <p:cond delay="0"/>
-                                          </p:stCondLst>
-                                        </p:cTn>
-                                        <p:tgtEl>
-                                          <p:spTgt spid="2">
-                                            <p:txEl>
-                                              <p:pRg st="0" end="0"/>
-                                            </p:txEl>
-                                          </p:spTgt>
-                                        </p:tgtEl>
-                                        <p:attrNameLst>
-                                          <p:attrName>style.visibility</p:attrName>
-                                        </p:attrNameLst>
-                                      </p:cBhvr>
-                                      <p:to>
-                                        <p:strVal val="visible"/>
-                                      </p:to>
-                                    </p:set>
-                                  </p:childTnLst>
-                                </p:cTn>
-                              </p:par>
-                            </p:childTnLst>
-                          </p:cTn>
-                        </p:par>
-                      </p:childTnLst>
-                    </p:cTn>
-                  </p:par>
-                  <p:par>
-                    <p:cTn id="7" fill="hold">
-                      <p:stCondLst>
-                        <p:cond delay="indefinite"/>
-                      </p:stCondLst>
-                      <p:childTnLst>
-                        <p:par>
-                          <p:cTn id="8" fill="hold">
-                            <p:stCondLst>
-                              <p:cond delay="0"/>
-                            </p:stCondLst>
-                            <p:childTnLst>
-                              <p:par>
-                                <p:cTn id="9" presetID="1" presetClass="entr" presetSubtype="0" fill="hold" grpId="0" nodeType="clickEffect">
-                                  <p:stCondLst>
-                                    <p:cond delay="0"/>
-                                  </p:stCondLst>
-                                  <p:childTnLst>
-                                    <p:set>
-                                      <p:cBhvr>
-                                        <p:cTn id="10" dur="1" fill="hold">
-                                          <p:stCondLst>
-                                            <p:cond delay="0"/>
-                                          </p:stCondLst>
-                                        </p:cTn>
-                                        <p:tgtEl>
-                                          <p:spTgt spid="2">
-                                            <p:txEl>
-                                              <p:pRg st="1" end="1"/>
-                                            </p:txEl>
-                                          </p:spTgt>
-                                        </p:tgtEl>
-                                        <p:attrNameLst>
-                                          <p:attrName>style.visibility</p:attrName>
-                                        </p:attrNameLst>
-                                      </p:cBhvr>
-                                      <p:to>
-                                        <p:strVal val="visible"/>
-                                      </p:to>
-                                    </p:set>
-                                  </p:childTnLst>
-                                </p:cTn>
-                              </p:par>
-                            </p:childTnLst>
-                          </p:cTn>
-                        </p:par>
-                      </p:childTnLst>
-                    </p:cTn>
-                  </p:par>
-                  <p:par>
-                    <p:cTn id="11" fill="hold">
-                      <p:stCondLst>
-                        <p:cond delay="indefinite"/>
-                      </p:stCondLst>
-                      <p:childTnLst>
-                        <p:par>
-                          <p:cTn id="12" fill="hold">
-                            <p:stCondLst>
-                              <p:cond delay="0"/>
-                            </p:stCondLst>
-                            <p:childTnLst>
-                              <p:par>
-                                <p:cTn id="13" presetID="1" presetClass="entr" presetSubtype="0" fill="hold" grpId="0" nodeType="clickEffect">
-                                  <p:stCondLst>
-                                    <p:cond delay="0"/>
-                                  </p:stCondLst>
-                                  <p:childTnLst>
-                                    <p:set>
-                                      <p:cBhvr>
-                                        <p:cTn id="14" dur="1" fill="hold">
-                                          <p:stCondLst>
-                                            <p:cond delay="0"/>
-                                          </p:stCondLst>
-                                        </p:cTn>
-                                        <p:tgtEl>
-                                          <p:spTgt spid="2">
-                                            <p:txEl>
-                                              <p:pRg st="2" end="2"/>
-                                            </p:txEl>
-                                          </p:spTgt>
-                                        </p:tgtEl>
-                                        <p:attrNameLst>
-                                          <p:attrName>style.visibility</p:attrName>
-                                        </p:attrNameLst>
-                                      </p:cBhvr>
-                                      <p:to>
-                                        <p:strVal val="visible"/>
-                                      </p:to>
-                                    </p:set>
-                                  </p:childTnLst>
-                                </p:cTn>
-                              </p:par>
-                            </p:childTnLst>
-                          </p:cTn>
-                        </p:par>
-                      </p:childTnLst>
-                    </p:cTn>
-                  </p:par>
-                  <p:par>
-                    <p:cTn id="15" fill="hold">
-                      <p:stCondLst>
-                        <p:cond delay="indefinite"/>
-                      </p:stCondLst>
-                      <p:childTnLst>
-                        <p:par>
-                          <p:cTn id="16" fill="hold">
-                            <p:stCondLst>
-                              <p:cond delay="0"/>
-                            </p:stCondLst>
-                            <p:childTnLst>
-                              <p:par>
-                                <p:cTn id="17" presetID="1" presetClass="entr" presetSubtype="0" fill="hold" grpId="0" nodeType="clickEffect">
-                                  <p:stCondLst>
-                                    <p:cond delay="0"/>
-                                  </p:stCondLst>
-                                  <p:childTnLst>
-                                    <p:set>
-                                      <p:cBhvr>
-                                        <p:cTn id="18" dur="1" fill="hold">
-                                          <p:stCondLst>
-                                            <p:cond delay="0"/>
-                                          </p:stCondLst>
-                                        </p:cTn>
-                                        <p:tgtEl>
-                                          <p:spTgt spid="2">
-                                            <p:txEl>
-                                              <p:pRg st="3" end="3"/>
-                                            </p:txEl>
-                                          </p:spTgt>
-                                        </p:tgtEl>
-                                        <p:attrNameLst>
-                                          <p:attrName>style.visibility</p:attrName>
-                                        </p:attrNameLst>
-                                      </p:cBhvr>
-                                      <p:to>
-                                        <p:strVal val="visible"/>
-                                      </p:to>
-                                    </p:set>
-                                  </p:childTnLst>
-                                </p:cTn>
-                              </p:par>
-                            </p:childTnLst>
-                          </p:cTn>
-                        </p:par>
-                      </p:childTnLst>
-                    </p:cTn>
-                  </p:par>
-                  <p:par>
-                    <p:cTn id="19" fill="hold">
-                      <p:stCondLst>
-                        <p:cond delay="indefinite"/>
-                      </p:stCondLst>
-                      <p:childTnLst>
-                        <p:par>
-                          <p:cTn id="20" fill="hold">
-                            <p:stCondLst>
-                              <p:cond delay="0"/>
-                            </p:stCondLst>
-                            <p:childTnLst>
-                              <p:par>
-                                <p:cTn id="21" presetID="1" presetClass="entr" presetSubtype="0" fill="hold" grpId="0" nodeType="clickEffect">
-                                  <p:stCondLst>
-                                    <p:cond delay="0"/>
-                                  </p:stCondLst>
-                                  <p:childTnLst>
-                                    <p:set>
-                                      <p:cBhvr>
-                                        <p:cTn id="22" dur="1" fill="hold">
-                                          <p:stCondLst>
-                                            <p:cond delay="0"/>
-                                          </p:stCondLst>
-                                        </p:cTn>
-                                        <p:tgtEl>
-                                          <p:spTgt spid="2">
-                                            <p:txEl>
-                                              <p:pRg st="4" end="4"/>
-                                            </p:txEl>
-                                          </p:spTgt>
-                                        </p:tgtEl>
-                                        <p:attrNameLst>
-                                          <p:attrName>style.visibility</p:attrName>
-                                        </p:attrNameLst>
-                                      </p:cBhvr>
-                                      <p:to>
-                                        <p:strVal val="visible"/>
-                                      </p:to>
-                                    </p:set>
-                                  </p:childTnLst>
-                                </p:cTn>
-                              </p:par>
-                            </p:childTnLst>
-                          </p:cTn>
-                        </p:par>
-                      </p:childTnLst>
-                    </p:cTn>
-                  </p:par>
-                  <p:par>
-                    <p:cTn id="23" fill="hold">
-                      <p:stCondLst>
-                        <p:cond delay="indefinite"/>
-                      </p:stCondLst>
-                      <p:childTnLst>
-                        <p:par>
-                          <p:cTn id="24" fill="hold">
-                            <p:stCondLst>
-                              <p:cond delay="0"/>
-                            </p:stCondLst>
-                            <p:childTnLst>
-                              <p:par>
-                                <p:cTn id="25" presetID="1" presetClass="entr" presetSubtype="0" fill="hold" grpId="0" nodeType="clickEffect">
-                                  <p:stCondLst>
-                                    <p:cond delay="0"/>
-                                  </p:stCondLst>
-                                  <p:childTnLst>
-                                    <p:set>
-                                      <p:cBhvr>
-                                        <p:cTn id="26" dur="1" fill="hold">
-                                          <p:stCondLst>
-                                            <p:cond delay="0"/>
-                                          </p:stCondLst>
-                                        </p:cTn>
-                                        <p:tgtEl>
-                                          <p:spTgt spid="2">
-                                            <p:txEl>
-                                              <p:pRg st="5" end="5"/>
-                                            </p:txEl>
-                                          </p:spTgt>
-                                        </p:tgtEl>
-                                        <p:attrNameLst>
-                                          <p:attrName>style.visibility</p:attrName>
-                                        </p:attrNameLst>
-                                      </p:cBhvr>
-                                      <p:to>
-                                        <p:strVal val="visible"/>
-                                      </p:to>
-                                    </p:set>
-                                  </p:childTnLst>
-                                </p:cTn>
-                              </p:par>
-                            </p:childTnLst>
-                          </p:cTn>
-                        </p:par>
-                      </p:childTnLst>
-                    </p:cTn>
-                  </p:par>
-                </p:childTnLst>
-              </p:cTn>
-              <p:prevCondLst>
-                <p:cond evt="onPrev" delay="0">
-                  <p:tgtEl>
-                    <p:sldTgt/>
-                  </p:tgtEl>
-                </p:cond>
-              </p:prevCondLst>
-              <p:nextCondLst>
-                <p:cond evt="onNext" delay="0">
-                  <p:tgtEl>
-                    <p:sldTgt/>
-                  </p:tgtEl>
-                </p:cond>
-              </p:nextCondLst>
-            </p:seq>
-          </p:childTnLst>
-        </p:cTn>
-      </p:par>
-    </p:tnLst>
-    <p:bldLst>
-      <p:bldP spid="2" grpId="0" uiExpand="1" build="p"/>
-    </p:bldLst>
-  </p:timing>
-</p:sld>
-</file>
-
-<file path=ppt/slides/slide7.xml><?xml version="1.0" encoding="utf-8"?>
-<p:sld xmlns:a="http://schemas.openxmlformats.org/drawingml/2006/main" xmlns:r="http://schemas.openxmlformats.org/officeDocument/2006/relationships" xmlns:p="http://schemas.openxmlformats.org/presentationml/2006/main">
-  <p:cSld>
-    <p:spTree>
-      <p:nvGrpSpPr>
-        <p:cNvPr id="1" name="">
-          <a:extLst>
-            <a:ext uri="{FF2B5EF4-FFF2-40B4-BE49-F238E27FC236}">
-              <a16:creationId xmlns:a16="http://schemas.microsoft.com/office/drawing/2014/main" id="{64370637-64B7-8784-2291-CB3DADAB599A}"/>
-            </a:ext>
-          </a:extLst>
-        </p:cNvPr>
-        <p:cNvGrpSpPr/>
-        <p:nvPr/>
-      </p:nvGrpSpPr>
-      <p:grpSpPr>
-        <a:xfrm>
-          <a:off x="0" y="0"/>
-          <a:ext cx="0" cy="0"/>
-          <a:chOff x="0" y="0"/>
-          <a:chExt cx="0" cy="0"/>
-        </a:xfrm>
-      </p:grpSpPr>
-      <p:sp>
-        <p:nvSpPr>
-          <p:cNvPr id="2" name="Text Placeholder 1">
-            <a:extLst>
-              <a:ext uri="{FF2B5EF4-FFF2-40B4-BE49-F238E27FC236}">
-                <a16:creationId xmlns:a16="http://schemas.microsoft.com/office/drawing/2014/main" id="{D36EAE88-26D2-7E45-8994-936DBB9A70CC}"/>
-              </a:ext>
-            </a:extLst>
-          </p:cNvPr>
-          <p:cNvSpPr>
-            <a:spLocks noGrp="1"/>
-          </p:cNvSpPr>
-          <p:nvPr>
-            <p:ph type="body" sz="quarter" idx="13"/>
-          </p:nvPr>
-        </p:nvSpPr>
-        <p:spPr>
-          <a:xfrm>
-            <a:off x="255996" y="1271218"/>
-            <a:ext cx="10624338" cy="4722077"/>
-          </a:xfrm>
-        </p:spPr>
-        <p:txBody>
-          <a:bodyPr/>
-          <a:lstStyle/>
-          <a:p>
-            <a:pPr marL="0" indent="0">
-              <a:lnSpc>
-                <a:spcPct val="150000"/>
-              </a:lnSpc>
-              <a:buNone/>
-            </a:pPr>
-            <a:r>
-              <a:rPr lang="en-US" sz="2400" dirty="0">
-                <a:solidFill>
-                  <a:srgbClr val="5583D1"/>
-                </a:solidFill>
-              </a:rPr>
-              <a:t>Model Development</a:t>
-            </a:r>
-          </a:p>
-          <a:p>
-            <a:pPr marL="0" indent="0">
-              <a:lnSpc>
-                <a:spcPct val="150000"/>
-              </a:lnSpc>
-              <a:buNone/>
-            </a:pPr>
-            <a:r>
-              <a:rPr lang="en-US" sz="2400" b="0" dirty="0">
-                <a:solidFill>
-                  <a:srgbClr val="5583D1"/>
-                </a:solidFill>
-              </a:rPr>
-              <a:t>Baseline: CNN for initial event detection.</a:t>
-            </a:r>
-          </a:p>
-          <a:p>
-            <a:pPr marL="0" indent="0">
-              <a:lnSpc>
-                <a:spcPct val="150000"/>
-              </a:lnSpc>
-              <a:buNone/>
-            </a:pPr>
-            <a:r>
-              <a:rPr lang="en-US" sz="2400" b="0" dirty="0">
-                <a:solidFill>
-                  <a:srgbClr val="5583D1"/>
-                </a:solidFill>
-              </a:rPr>
-              <a:t>Advanced: CNN + Vision Transformer (ViT) hybrid → best accuracy.</a:t>
-            </a:r>
-          </a:p>
-          <a:p>
-            <a:pPr marL="0" indent="0">
-              <a:lnSpc>
-                <a:spcPct val="150000"/>
-              </a:lnSpc>
-              <a:buNone/>
-            </a:pPr>
-            <a:r>
-              <a:rPr lang="en-US" sz="2400" b="0" dirty="0">
-                <a:solidFill>
-                  <a:srgbClr val="5583D1"/>
-                </a:solidFill>
-              </a:rPr>
-              <a:t>Experimental: CNN + ViT + RNN for sequence-based event analysis.</a:t>
-            </a:r>
-          </a:p>
-          <a:p>
-            <a:pPr marL="0" indent="0">
-              <a:lnSpc>
-                <a:spcPct val="150000"/>
-              </a:lnSpc>
-              <a:buNone/>
-            </a:pPr>
-            <a:r>
-              <a:rPr lang="en-US" sz="2400" dirty="0">
-                <a:solidFill>
-                  <a:srgbClr val="5583D1"/>
-                </a:solidFill>
-              </a:rPr>
-              <a:t>Reporting &amp; Insights</a:t>
-            </a:r>
-          </a:p>
-          <a:p>
-            <a:pPr marL="0" indent="0">
-              <a:lnSpc>
-                <a:spcPct val="150000"/>
-              </a:lnSpc>
-              <a:buNone/>
-            </a:pPr>
-            <a:r>
-              <a:rPr lang="en-US" sz="2400" b="0" dirty="0">
-                <a:solidFill>
-                  <a:srgbClr val="5583D1"/>
-                </a:solidFill>
-              </a:rPr>
-              <a:t>Lightweight LLM integration to generate match summaries.</a:t>
-            </a:r>
-          </a:p>
-          <a:p>
-            <a:pPr marL="0" indent="0">
-              <a:lnSpc>
-                <a:spcPct val="150000"/>
-              </a:lnSpc>
-              <a:buNone/>
-            </a:pPr>
-            <a:r>
-              <a:rPr lang="en-US" sz="2400" b="0" dirty="0">
-                <a:solidFill>
-                  <a:srgbClr val="5583D1"/>
-                </a:solidFill>
-              </a:rPr>
-              <a:t>Highlight team strengths, weaknesses, and key match events.</a:t>
-            </a:r>
-          </a:p>
-        </p:txBody>
-      </p:sp>
-      <p:sp>
-        <p:nvSpPr>
-          <p:cNvPr id="3" name="TextBox 2">
-            <a:extLst>
-              <a:ext uri="{FF2B5EF4-FFF2-40B4-BE49-F238E27FC236}">
-                <a16:creationId xmlns:a16="http://schemas.microsoft.com/office/drawing/2014/main" id="{E4BB43C1-08F8-4679-7F2F-B0A9CB82451B}"/>
-              </a:ext>
-            </a:extLst>
-          </p:cNvPr>
-          <p:cNvSpPr txBox="1"/>
-          <p:nvPr/>
-        </p:nvSpPr>
-        <p:spPr>
-          <a:xfrm>
-            <a:off x="255996" y="502545"/>
-            <a:ext cx="10624338" cy="646331"/>
-          </a:xfrm>
-          <a:prstGeom prst="rect">
-            <a:avLst/>
-          </a:prstGeom>
-          <a:noFill/>
-        </p:spPr>
-        <p:txBody>
-          <a:bodyPr wrap="square" rtlCol="0">
-            <a:spAutoFit/>
-          </a:bodyPr>
-          <a:lstStyle/>
-          <a:p>
-            <a:pPr lvl="0">
-              <a:defRPr/>
-            </a:pPr>
-            <a:r>
-              <a:rPr lang="en-US" sz="3600" b="1" dirty="0">
-                <a:solidFill>
-                  <a:srgbClr val="5B9BD5">
-                    <a:lumMod val="50000"/>
-                  </a:srgbClr>
-                </a:solidFill>
-              </a:rPr>
-              <a:t>Methodology</a:t>
-            </a:r>
-            <a:endParaRPr kumimoji="0" lang="en-US" sz="3600" b="1" i="0" u="none" strike="noStrike" kern="1200" cap="none" spc="0" normalizeH="0" baseline="0" noProof="0" dirty="0">
-              <a:ln>
-                <a:noFill/>
-              </a:ln>
-              <a:solidFill>
-                <a:srgbClr val="5B9BD5">
-                  <a:lumMod val="50000"/>
-                </a:srgbClr>
-              </a:solidFill>
-              <a:effectLst/>
-              <a:uLnTx/>
-              <a:uFillTx/>
-              <a:latin typeface="Calibri" panose="020F0502020204030204"/>
-              <a:ea typeface="+mn-ea"/>
-              <a:cs typeface="+mn-cs"/>
-            </a:endParaRPr>
-          </a:p>
-        </p:txBody>
-      </p:sp>
-      <p:cxnSp>
-        <p:nvCxnSpPr>
-          <p:cNvPr id="5" name="Straight Connector 4">
-            <a:extLst>
-              <a:ext uri="{FF2B5EF4-FFF2-40B4-BE49-F238E27FC236}">
-                <a16:creationId xmlns:a16="http://schemas.microsoft.com/office/drawing/2014/main" id="{526DC2A4-EC31-D0E7-B2E0-5E020A19F735}"/>
-              </a:ext>
-            </a:extLst>
-          </p:cNvPr>
-          <p:cNvCxnSpPr>
-            <a:cxnSpLocks/>
-          </p:cNvCxnSpPr>
-          <p:nvPr/>
-        </p:nvCxnSpPr>
-        <p:spPr>
-          <a:xfrm>
-            <a:off x="221274" y="1191756"/>
-            <a:ext cx="7305799" cy="0"/>
-          </a:xfrm>
-          <a:prstGeom prst="line">
-            <a:avLst/>
-          </a:prstGeom>
-          <a:ln w="28575">
-            <a:solidFill>
-              <a:schemeClr val="accent6"/>
-            </a:solidFill>
-          </a:ln>
-        </p:spPr>
-        <p:style>
-          <a:lnRef idx="1">
-            <a:schemeClr val="accent1"/>
-          </a:lnRef>
-          <a:fillRef idx="0">
-            <a:schemeClr val="accent1"/>
-          </a:fillRef>
-          <a:effectRef idx="0">
-            <a:schemeClr val="accent1"/>
-          </a:effectRef>
-          <a:fontRef idx="minor">
-            <a:schemeClr val="tx1"/>
-          </a:fontRef>
-        </p:style>
-      </p:cxnSp>
-      <p:sp>
-        <p:nvSpPr>
-          <p:cNvPr id="4" name="TextBox 3">
-            <a:extLst>
-              <a:ext uri="{FF2B5EF4-FFF2-40B4-BE49-F238E27FC236}">
-                <a16:creationId xmlns:a16="http://schemas.microsoft.com/office/drawing/2014/main" id="{46DC9F4A-9FB4-5575-CD90-9BBD0E72CFAF}"/>
-              </a:ext>
-            </a:extLst>
-          </p:cNvPr>
-          <p:cNvSpPr txBox="1"/>
-          <p:nvPr/>
-        </p:nvSpPr>
-        <p:spPr>
-          <a:xfrm>
-            <a:off x="2196548" y="57036"/>
-            <a:ext cx="9995453" cy="646331"/>
-          </a:xfrm>
-          <a:prstGeom prst="rect">
-            <a:avLst/>
-          </a:prstGeom>
-          <a:noFill/>
-        </p:spPr>
-        <p:txBody>
-          <a:bodyPr wrap="square" rtlCol="0">
-            <a:spAutoFit/>
-          </a:bodyPr>
-          <a:lstStyle/>
-          <a:p>
-            <a:pPr algn="r"/>
-            <a:r>
-              <a:rPr lang="en-US" b="1" i="1" dirty="0">
-                <a:solidFill>
-                  <a:srgbClr val="FFFFFF"/>
-                </a:solidFill>
-              </a:rPr>
-              <a:t>V</a:t>
-            </a:r>
-            <a:r>
-              <a:rPr lang="en-US" sz="1800" b="1" i="1" dirty="0">
-                <a:solidFill>
-                  <a:srgbClr val="FFFFFF"/>
-                </a:solidFill>
-              </a:rPr>
-              <a:t>isual Intelligence for football: Deep learning based image analysis with automated reporting</a:t>
-            </a:r>
-          </a:p>
-          <a:p>
-            <a:pPr algn="r"/>
-            <a:endParaRPr lang="en-US" dirty="0"/>
-          </a:p>
-        </p:txBody>
-      </p:sp>
-    </p:spTree>
-    <p:extLst>
-      <p:ext uri="{BB962C8B-B14F-4D97-AF65-F5344CB8AC3E}">
-        <p14:creationId xmlns:p14="http://schemas.microsoft.com/office/powerpoint/2010/main" val="2027021559"/>
       </p:ext>
     </p:extLst>
   </p:cSld>
@@ -14170,6 +12435,691 @@
 </p:sld>
 </file>
 
+<file path=ppt/slides/slide7.xml><?xml version="1.0" encoding="utf-8"?>
+<p:sld xmlns:a="http://schemas.openxmlformats.org/drawingml/2006/main" xmlns:r="http://schemas.openxmlformats.org/officeDocument/2006/relationships" xmlns:p="http://schemas.openxmlformats.org/presentationml/2006/main">
+  <p:cSld>
+    <p:spTree>
+      <p:nvGrpSpPr>
+        <p:cNvPr id="1" name="">
+          <a:extLst>
+            <a:ext uri="{FF2B5EF4-FFF2-40B4-BE49-F238E27FC236}">
+              <a16:creationId xmlns:a16="http://schemas.microsoft.com/office/drawing/2014/main" id="{64370637-64B7-8784-2291-CB3DADAB599A}"/>
+            </a:ext>
+          </a:extLst>
+        </p:cNvPr>
+        <p:cNvGrpSpPr/>
+        <p:nvPr/>
+      </p:nvGrpSpPr>
+      <p:grpSpPr>
+        <a:xfrm>
+          <a:off x="0" y="0"/>
+          <a:ext cx="0" cy="0"/>
+          <a:chOff x="0" y="0"/>
+          <a:chExt cx="0" cy="0"/>
+        </a:xfrm>
+      </p:grpSpPr>
+      <p:sp>
+        <p:nvSpPr>
+          <p:cNvPr id="2" name="Text Placeholder 1">
+            <a:extLst>
+              <a:ext uri="{FF2B5EF4-FFF2-40B4-BE49-F238E27FC236}">
+                <a16:creationId xmlns:a16="http://schemas.microsoft.com/office/drawing/2014/main" id="{D36EAE88-26D2-7E45-8994-936DBB9A70CC}"/>
+              </a:ext>
+            </a:extLst>
+          </p:cNvPr>
+          <p:cNvSpPr>
+            <a:spLocks noGrp="1"/>
+          </p:cNvSpPr>
+          <p:nvPr>
+            <p:ph type="body" sz="quarter" idx="13"/>
+          </p:nvPr>
+        </p:nvSpPr>
+        <p:spPr>
+          <a:xfrm>
+            <a:off x="255996" y="1271218"/>
+            <a:ext cx="10624338" cy="4722077"/>
+          </a:xfrm>
+        </p:spPr>
+        <p:txBody>
+          <a:bodyPr/>
+          <a:lstStyle/>
+          <a:p>
+            <a:pPr marL="0" indent="0">
+              <a:lnSpc>
+                <a:spcPct val="150000"/>
+              </a:lnSpc>
+              <a:buNone/>
+            </a:pPr>
+            <a:r>
+              <a:rPr lang="en-US" sz="2400" dirty="0">
+                <a:solidFill>
+                  <a:srgbClr val="5583D1"/>
+                </a:solidFill>
+              </a:rPr>
+              <a:t>Model Development</a:t>
+            </a:r>
+          </a:p>
+          <a:p>
+            <a:pPr marL="0" indent="0">
+              <a:lnSpc>
+                <a:spcPct val="150000"/>
+              </a:lnSpc>
+              <a:buNone/>
+            </a:pPr>
+            <a:r>
+              <a:rPr lang="en-US" sz="2400" b="0" dirty="0">
+                <a:solidFill>
+                  <a:srgbClr val="5583D1"/>
+                </a:solidFill>
+              </a:rPr>
+              <a:t>A hybrid deep learning model was developed combining:</a:t>
+            </a:r>
+          </a:p>
+          <a:p>
+            <a:pPr marL="0" indent="0">
+              <a:lnSpc>
+                <a:spcPct val="150000"/>
+              </a:lnSpc>
+              <a:buNone/>
+            </a:pPr>
+            <a:r>
+              <a:rPr lang="en-US" sz="2400" dirty="0">
+                <a:solidFill>
+                  <a:srgbClr val="5583D1"/>
+                </a:solidFill>
+              </a:rPr>
+              <a:t>CNN</a:t>
+            </a:r>
+            <a:r>
+              <a:rPr lang="en-US" sz="2400" b="0" dirty="0">
+                <a:solidFill>
+                  <a:srgbClr val="5583D1"/>
+                </a:solidFill>
+              </a:rPr>
+              <a:t> (Convolutional Neural Network) for spatial feature extraction.</a:t>
+            </a:r>
+          </a:p>
+          <a:p>
+            <a:pPr marL="0" indent="0">
+              <a:lnSpc>
+                <a:spcPct val="150000"/>
+              </a:lnSpc>
+              <a:buNone/>
+            </a:pPr>
+            <a:r>
+              <a:rPr lang="en-US" sz="2400" dirty="0">
+                <a:solidFill>
+                  <a:srgbClr val="5583D1"/>
+                </a:solidFill>
+              </a:rPr>
+              <a:t> </a:t>
+            </a:r>
+            <a:r>
+              <a:rPr lang="en-US" sz="2400" dirty="0" err="1">
+                <a:solidFill>
+                  <a:srgbClr val="5583D1"/>
+                </a:solidFill>
+              </a:rPr>
+              <a:t>ViT</a:t>
+            </a:r>
+            <a:r>
+              <a:rPr lang="en-US" sz="2400" b="0" dirty="0">
+                <a:solidFill>
+                  <a:srgbClr val="5583D1"/>
+                </a:solidFill>
+              </a:rPr>
+              <a:t> (Vision Transformer) for capturing global context.</a:t>
+            </a:r>
+          </a:p>
+          <a:p>
+            <a:pPr marL="0" indent="0">
+              <a:lnSpc>
+                <a:spcPct val="150000"/>
+              </a:lnSpc>
+              <a:buNone/>
+            </a:pPr>
+            <a:r>
+              <a:rPr lang="en-US" sz="2400" dirty="0">
+                <a:solidFill>
+                  <a:srgbClr val="5583D1"/>
+                </a:solidFill>
+              </a:rPr>
+              <a:t>RNN </a:t>
+            </a:r>
+            <a:r>
+              <a:rPr lang="en-US" sz="2400" b="0" dirty="0">
+                <a:solidFill>
+                  <a:srgbClr val="5583D1"/>
+                </a:solidFill>
+              </a:rPr>
+              <a:t>(Recurrent Neural Network) for modeling temporal dependencies across image sequences.</a:t>
+            </a:r>
+          </a:p>
+          <a:p>
+            <a:pPr marL="0" indent="0">
+              <a:lnSpc>
+                <a:spcPct val="150000"/>
+              </a:lnSpc>
+              <a:buNone/>
+            </a:pPr>
+            <a:r>
+              <a:rPr lang="en-US" sz="2400" b="0" dirty="0">
+                <a:solidFill>
+                  <a:srgbClr val="5583D1"/>
+                </a:solidFill>
+              </a:rPr>
+              <a:t>Model weights were saved post-training for deployment.</a:t>
+            </a:r>
+          </a:p>
+        </p:txBody>
+      </p:sp>
+      <p:sp>
+        <p:nvSpPr>
+          <p:cNvPr id="3" name="TextBox 2">
+            <a:extLst>
+              <a:ext uri="{FF2B5EF4-FFF2-40B4-BE49-F238E27FC236}">
+                <a16:creationId xmlns:a16="http://schemas.microsoft.com/office/drawing/2014/main" id="{E4BB43C1-08F8-4679-7F2F-B0A9CB82451B}"/>
+              </a:ext>
+            </a:extLst>
+          </p:cNvPr>
+          <p:cNvSpPr txBox="1"/>
+          <p:nvPr/>
+        </p:nvSpPr>
+        <p:spPr>
+          <a:xfrm>
+            <a:off x="255996" y="502545"/>
+            <a:ext cx="10624338" cy="646331"/>
+          </a:xfrm>
+          <a:prstGeom prst="rect">
+            <a:avLst/>
+          </a:prstGeom>
+          <a:noFill/>
+        </p:spPr>
+        <p:txBody>
+          <a:bodyPr wrap="square" rtlCol="0">
+            <a:spAutoFit/>
+          </a:bodyPr>
+          <a:lstStyle/>
+          <a:p>
+            <a:pPr lvl="0">
+              <a:defRPr/>
+            </a:pPr>
+            <a:r>
+              <a:rPr lang="en-US" sz="3600" b="1" dirty="0">
+                <a:solidFill>
+                  <a:srgbClr val="5B9BD5">
+                    <a:lumMod val="50000"/>
+                  </a:srgbClr>
+                </a:solidFill>
+              </a:rPr>
+              <a:t>Methodology</a:t>
+            </a:r>
+            <a:endParaRPr kumimoji="0" lang="en-US" sz="3600" b="1" i="0" u="none" strike="noStrike" kern="1200" cap="none" spc="0" normalizeH="0" baseline="0" noProof="0" dirty="0">
+              <a:ln>
+                <a:noFill/>
+              </a:ln>
+              <a:solidFill>
+                <a:srgbClr val="5B9BD5">
+                  <a:lumMod val="50000"/>
+                </a:srgbClr>
+              </a:solidFill>
+              <a:effectLst/>
+              <a:uLnTx/>
+              <a:uFillTx/>
+              <a:latin typeface="Calibri" panose="020F0502020204030204"/>
+              <a:ea typeface="+mn-ea"/>
+              <a:cs typeface="+mn-cs"/>
+            </a:endParaRPr>
+          </a:p>
+        </p:txBody>
+      </p:sp>
+      <p:cxnSp>
+        <p:nvCxnSpPr>
+          <p:cNvPr id="5" name="Straight Connector 4">
+            <a:extLst>
+              <a:ext uri="{FF2B5EF4-FFF2-40B4-BE49-F238E27FC236}">
+                <a16:creationId xmlns:a16="http://schemas.microsoft.com/office/drawing/2014/main" id="{526DC2A4-EC31-D0E7-B2E0-5E020A19F735}"/>
+              </a:ext>
+            </a:extLst>
+          </p:cNvPr>
+          <p:cNvCxnSpPr>
+            <a:cxnSpLocks/>
+          </p:cNvCxnSpPr>
+          <p:nvPr/>
+        </p:nvCxnSpPr>
+        <p:spPr>
+          <a:xfrm>
+            <a:off x="221274" y="1191756"/>
+            <a:ext cx="7305799" cy="0"/>
+          </a:xfrm>
+          <a:prstGeom prst="line">
+            <a:avLst/>
+          </a:prstGeom>
+          <a:ln w="28575">
+            <a:solidFill>
+              <a:schemeClr val="accent6"/>
+            </a:solidFill>
+          </a:ln>
+        </p:spPr>
+        <p:style>
+          <a:lnRef idx="1">
+            <a:schemeClr val="accent1"/>
+          </a:lnRef>
+          <a:fillRef idx="0">
+            <a:schemeClr val="accent1"/>
+          </a:fillRef>
+          <a:effectRef idx="0">
+            <a:schemeClr val="accent1"/>
+          </a:effectRef>
+          <a:fontRef idx="minor">
+            <a:schemeClr val="tx1"/>
+          </a:fontRef>
+        </p:style>
+      </p:cxnSp>
+      <p:sp>
+        <p:nvSpPr>
+          <p:cNvPr id="4" name="TextBox 3">
+            <a:extLst>
+              <a:ext uri="{FF2B5EF4-FFF2-40B4-BE49-F238E27FC236}">
+                <a16:creationId xmlns:a16="http://schemas.microsoft.com/office/drawing/2014/main" id="{46DC9F4A-9FB4-5575-CD90-9BBD0E72CFAF}"/>
+              </a:ext>
+            </a:extLst>
+          </p:cNvPr>
+          <p:cNvSpPr txBox="1"/>
+          <p:nvPr/>
+        </p:nvSpPr>
+        <p:spPr>
+          <a:xfrm>
+            <a:off x="2196548" y="57036"/>
+            <a:ext cx="9995453" cy="646331"/>
+          </a:xfrm>
+          <a:prstGeom prst="rect">
+            <a:avLst/>
+          </a:prstGeom>
+          <a:noFill/>
+        </p:spPr>
+        <p:txBody>
+          <a:bodyPr wrap="square" rtlCol="0">
+            <a:spAutoFit/>
+          </a:bodyPr>
+          <a:lstStyle/>
+          <a:p>
+            <a:pPr algn="r"/>
+            <a:r>
+              <a:rPr lang="en-US" b="1" i="1" dirty="0">
+                <a:solidFill>
+                  <a:srgbClr val="FFFFFF"/>
+                </a:solidFill>
+              </a:rPr>
+              <a:t>V</a:t>
+            </a:r>
+            <a:r>
+              <a:rPr lang="en-US" sz="1800" b="1" i="1" dirty="0">
+                <a:solidFill>
+                  <a:srgbClr val="FFFFFF"/>
+                </a:solidFill>
+              </a:rPr>
+              <a:t>isual Intelligence for football: Deep learning based image analysis with automated reporting</a:t>
+            </a:r>
+          </a:p>
+          <a:p>
+            <a:pPr algn="r"/>
+            <a:endParaRPr lang="en-US" dirty="0"/>
+          </a:p>
+        </p:txBody>
+      </p:sp>
+    </p:spTree>
+    <p:extLst>
+      <p:ext uri="{BB962C8B-B14F-4D97-AF65-F5344CB8AC3E}">
+        <p14:creationId xmlns:p14="http://schemas.microsoft.com/office/powerpoint/2010/main" val="2027021559"/>
+      </p:ext>
+    </p:extLst>
+  </p:cSld>
+  <p:clrMapOvr>
+    <a:masterClrMapping/>
+  </p:clrMapOvr>
+  <mc:AlternateContent xmlns:mc="http://schemas.openxmlformats.org/markup-compatibility/2006" xmlns:p14="http://schemas.microsoft.com/office/powerpoint/2010/main">
+    <mc:Choice Requires="p14">
+      <p:transition spd="med" p14:dur="700">
+        <p:fade/>
+      </p:transition>
+    </mc:Choice>
+    <mc:Fallback xmlns="">
+      <p:transition spd="med">
+        <p:fade/>
+      </p:transition>
+    </mc:Fallback>
+  </mc:AlternateContent>
+  <p:timing>
+    <p:tnLst>
+      <p:par>
+        <p:cTn id="1" dur="indefinite" restart="never" nodeType="tmRoot">
+          <p:childTnLst>
+            <p:seq concurrent="1" nextAc="seek">
+              <p:cTn id="2" dur="indefinite" nodeType="mainSeq">
+                <p:childTnLst>
+                  <p:par>
+                    <p:cTn id="3" fill="hold">
+                      <p:stCondLst>
+                        <p:cond delay="indefinite"/>
+                      </p:stCondLst>
+                      <p:childTnLst>
+                        <p:par>
+                          <p:cTn id="4" fill="hold">
+                            <p:stCondLst>
+                              <p:cond delay="0"/>
+                            </p:stCondLst>
+                            <p:childTnLst>
+                              <p:par>
+                                <p:cTn id="5" presetID="1" presetClass="entr" presetSubtype="0" fill="hold" grpId="0" nodeType="clickEffect">
+                                  <p:stCondLst>
+                                    <p:cond delay="0"/>
+                                  </p:stCondLst>
+                                  <p:childTnLst>
+                                    <p:set>
+                                      <p:cBhvr>
+                                        <p:cTn id="6" dur="1" fill="hold">
+                                          <p:stCondLst>
+                                            <p:cond delay="0"/>
+                                          </p:stCondLst>
+                                        </p:cTn>
+                                        <p:tgtEl>
+                                          <p:spTgt spid="2">
+                                            <p:txEl>
+                                              <p:pRg st="0" end="0"/>
+                                            </p:txEl>
+                                          </p:spTgt>
+                                        </p:tgtEl>
+                                        <p:attrNameLst>
+                                          <p:attrName>style.visibility</p:attrName>
+                                        </p:attrNameLst>
+                                      </p:cBhvr>
+                                      <p:to>
+                                        <p:strVal val="visible"/>
+                                      </p:to>
+                                    </p:set>
+                                  </p:childTnLst>
+                                </p:cTn>
+                              </p:par>
+                            </p:childTnLst>
+                          </p:cTn>
+                        </p:par>
+                      </p:childTnLst>
+                    </p:cTn>
+                  </p:par>
+                  <p:par>
+                    <p:cTn id="7" fill="hold">
+                      <p:stCondLst>
+                        <p:cond delay="indefinite"/>
+                      </p:stCondLst>
+                      <p:childTnLst>
+                        <p:par>
+                          <p:cTn id="8" fill="hold">
+                            <p:stCondLst>
+                              <p:cond delay="0"/>
+                            </p:stCondLst>
+                            <p:childTnLst>
+                              <p:par>
+                                <p:cTn id="9" presetID="1" presetClass="entr" presetSubtype="0" fill="hold" grpId="0" nodeType="clickEffect">
+                                  <p:stCondLst>
+                                    <p:cond delay="0"/>
+                                  </p:stCondLst>
+                                  <p:childTnLst>
+                                    <p:set>
+                                      <p:cBhvr>
+                                        <p:cTn id="10" dur="1" fill="hold">
+                                          <p:stCondLst>
+                                            <p:cond delay="0"/>
+                                          </p:stCondLst>
+                                        </p:cTn>
+                                        <p:tgtEl>
+                                          <p:spTgt spid="2">
+                                            <p:txEl>
+                                              <p:pRg st="1" end="1"/>
+                                            </p:txEl>
+                                          </p:spTgt>
+                                        </p:tgtEl>
+                                        <p:attrNameLst>
+                                          <p:attrName>style.visibility</p:attrName>
+                                        </p:attrNameLst>
+                                      </p:cBhvr>
+                                      <p:to>
+                                        <p:strVal val="visible"/>
+                                      </p:to>
+                                    </p:set>
+                                  </p:childTnLst>
+                                </p:cTn>
+                              </p:par>
+                            </p:childTnLst>
+                          </p:cTn>
+                        </p:par>
+                      </p:childTnLst>
+                    </p:cTn>
+                  </p:par>
+                  <p:par>
+                    <p:cTn id="11" fill="hold">
+                      <p:stCondLst>
+                        <p:cond delay="indefinite"/>
+                      </p:stCondLst>
+                      <p:childTnLst>
+                        <p:par>
+                          <p:cTn id="12" fill="hold">
+                            <p:stCondLst>
+                              <p:cond delay="0"/>
+                            </p:stCondLst>
+                            <p:childTnLst>
+                              <p:par>
+                                <p:cTn id="13" presetID="1" presetClass="entr" presetSubtype="0" fill="hold" grpId="0" nodeType="clickEffect">
+                                  <p:stCondLst>
+                                    <p:cond delay="0"/>
+                                  </p:stCondLst>
+                                  <p:childTnLst>
+                                    <p:set>
+                                      <p:cBhvr>
+                                        <p:cTn id="14" dur="1" fill="hold">
+                                          <p:stCondLst>
+                                            <p:cond delay="0"/>
+                                          </p:stCondLst>
+                                        </p:cTn>
+                                        <p:tgtEl>
+                                          <p:spTgt spid="2">
+                                            <p:txEl>
+                                              <p:pRg st="2" end="2"/>
+                                            </p:txEl>
+                                          </p:spTgt>
+                                        </p:tgtEl>
+                                        <p:attrNameLst>
+                                          <p:attrName>style.visibility</p:attrName>
+                                        </p:attrNameLst>
+                                      </p:cBhvr>
+                                      <p:to>
+                                        <p:strVal val="visible"/>
+                                      </p:to>
+                                    </p:set>
+                                  </p:childTnLst>
+                                </p:cTn>
+                              </p:par>
+                            </p:childTnLst>
+                          </p:cTn>
+                        </p:par>
+                      </p:childTnLst>
+                    </p:cTn>
+                  </p:par>
+                  <p:par>
+                    <p:cTn id="15" fill="hold">
+                      <p:stCondLst>
+                        <p:cond delay="indefinite"/>
+                      </p:stCondLst>
+                      <p:childTnLst>
+                        <p:par>
+                          <p:cTn id="16" fill="hold">
+                            <p:stCondLst>
+                              <p:cond delay="0"/>
+                            </p:stCondLst>
+                            <p:childTnLst>
+                              <p:par>
+                                <p:cTn id="17" presetID="1" presetClass="entr" presetSubtype="0" fill="hold" grpId="0" nodeType="clickEffect">
+                                  <p:stCondLst>
+                                    <p:cond delay="0"/>
+                                  </p:stCondLst>
+                                  <p:childTnLst>
+                                    <p:set>
+                                      <p:cBhvr>
+                                        <p:cTn id="18" dur="1" fill="hold">
+                                          <p:stCondLst>
+                                            <p:cond delay="0"/>
+                                          </p:stCondLst>
+                                        </p:cTn>
+                                        <p:tgtEl>
+                                          <p:spTgt spid="2">
+                                            <p:txEl>
+                                              <p:pRg st="3" end="3"/>
+                                            </p:txEl>
+                                          </p:spTgt>
+                                        </p:tgtEl>
+                                        <p:attrNameLst>
+                                          <p:attrName>style.visibility</p:attrName>
+                                        </p:attrNameLst>
+                                      </p:cBhvr>
+                                      <p:to>
+                                        <p:strVal val="visible"/>
+                                      </p:to>
+                                    </p:set>
+                                  </p:childTnLst>
+                                </p:cTn>
+                              </p:par>
+                            </p:childTnLst>
+                          </p:cTn>
+                        </p:par>
+                      </p:childTnLst>
+                    </p:cTn>
+                  </p:par>
+                  <p:par>
+                    <p:cTn id="19" fill="hold">
+                      <p:stCondLst>
+                        <p:cond delay="indefinite"/>
+                      </p:stCondLst>
+                      <p:childTnLst>
+                        <p:par>
+                          <p:cTn id="20" fill="hold">
+                            <p:stCondLst>
+                              <p:cond delay="0"/>
+                            </p:stCondLst>
+                            <p:childTnLst>
+                              <p:par>
+                                <p:cTn id="21" presetID="1" presetClass="entr" presetSubtype="0" fill="hold" grpId="0" nodeType="clickEffect">
+                                  <p:stCondLst>
+                                    <p:cond delay="0"/>
+                                  </p:stCondLst>
+                                  <p:childTnLst>
+                                    <p:set>
+                                      <p:cBhvr>
+                                        <p:cTn id="22" dur="1" fill="hold">
+                                          <p:stCondLst>
+                                            <p:cond delay="0"/>
+                                          </p:stCondLst>
+                                        </p:cTn>
+                                        <p:tgtEl>
+                                          <p:spTgt spid="2">
+                                            <p:txEl>
+                                              <p:pRg st="4" end="4"/>
+                                            </p:txEl>
+                                          </p:spTgt>
+                                        </p:tgtEl>
+                                        <p:attrNameLst>
+                                          <p:attrName>style.visibility</p:attrName>
+                                        </p:attrNameLst>
+                                      </p:cBhvr>
+                                      <p:to>
+                                        <p:strVal val="visible"/>
+                                      </p:to>
+                                    </p:set>
+                                  </p:childTnLst>
+                                </p:cTn>
+                              </p:par>
+                            </p:childTnLst>
+                          </p:cTn>
+                        </p:par>
+                      </p:childTnLst>
+                    </p:cTn>
+                  </p:par>
+                  <p:par>
+                    <p:cTn id="23" fill="hold">
+                      <p:stCondLst>
+                        <p:cond delay="indefinite"/>
+                      </p:stCondLst>
+                      <p:childTnLst>
+                        <p:par>
+                          <p:cTn id="24" fill="hold">
+                            <p:stCondLst>
+                              <p:cond delay="0"/>
+                            </p:stCondLst>
+                            <p:childTnLst>
+                              <p:par>
+                                <p:cTn id="25" presetID="1" presetClass="entr" presetSubtype="0" fill="hold" grpId="0" nodeType="clickEffect">
+                                  <p:stCondLst>
+                                    <p:cond delay="0"/>
+                                  </p:stCondLst>
+                                  <p:childTnLst>
+                                    <p:set>
+                                      <p:cBhvr>
+                                        <p:cTn id="26" dur="1" fill="hold">
+                                          <p:stCondLst>
+                                            <p:cond delay="0"/>
+                                          </p:stCondLst>
+                                        </p:cTn>
+                                        <p:tgtEl>
+                                          <p:spTgt spid="2">
+                                            <p:txEl>
+                                              <p:pRg st="5" end="5"/>
+                                            </p:txEl>
+                                          </p:spTgt>
+                                        </p:tgtEl>
+                                        <p:attrNameLst>
+                                          <p:attrName>style.visibility</p:attrName>
+                                        </p:attrNameLst>
+                                      </p:cBhvr>
+                                      <p:to>
+                                        <p:strVal val="visible"/>
+                                      </p:to>
+                                    </p:set>
+                                  </p:childTnLst>
+                                </p:cTn>
+                              </p:par>
+                            </p:childTnLst>
+                          </p:cTn>
+                        </p:par>
+                      </p:childTnLst>
+                    </p:cTn>
+                  </p:par>
+                </p:childTnLst>
+              </p:cTn>
+              <p:prevCondLst>
+                <p:cond evt="onPrev" delay="0">
+                  <p:tgtEl>
+                    <p:sldTgt/>
+                  </p:tgtEl>
+                </p:cond>
+              </p:prevCondLst>
+              <p:nextCondLst>
+                <p:cond evt="onNext" delay="0">
+                  <p:tgtEl>
+                    <p:sldTgt/>
+                  </p:tgtEl>
+                </p:cond>
+              </p:nextCondLst>
+            </p:seq>
+          </p:childTnLst>
+        </p:cTn>
+      </p:par>
+    </p:tnLst>
+    <p:bldLst>
+      <p:bldP spid="2" grpId="0" uiExpand="1" build="p"/>
+    </p:bldLst>
+  </p:timing>
+</p:sld>
+</file>
+
 <file path=ppt/slides/slide8.xml><?xml version="1.0" encoding="utf-8"?>
 <p:sld xmlns:a="http://schemas.openxmlformats.org/drawingml/2006/main" xmlns:r="http://schemas.openxmlformats.org/officeDocument/2006/relationships" xmlns:p="http://schemas.openxmlformats.org/presentationml/2006/main">
   <p:cSld>
@@ -14212,12 +13162,60 @@
         <p:spPr>
           <a:xfrm>
             <a:off x="265936" y="1281157"/>
-            <a:ext cx="10624338" cy="4672381"/>
+            <a:ext cx="10772178" cy="4672381"/>
           </a:xfrm>
         </p:spPr>
         <p:txBody>
           <a:bodyPr/>
           <a:lstStyle/>
+          <a:p>
+            <a:pPr marL="0" indent="0">
+              <a:lnSpc>
+                <a:spcPct val="150000"/>
+              </a:lnSpc>
+              <a:buNone/>
+            </a:pPr>
+            <a:r>
+              <a:rPr lang="en-US" sz="2400" dirty="0">
+                <a:solidFill>
+                  <a:srgbClr val="5583D1"/>
+                </a:solidFill>
+              </a:rPr>
+              <a:t>Reporting &amp; Insights</a:t>
+            </a:r>
+          </a:p>
+          <a:p>
+            <a:pPr marL="0" indent="0">
+              <a:lnSpc>
+                <a:spcPct val="150000"/>
+              </a:lnSpc>
+              <a:buNone/>
+            </a:pPr>
+            <a:r>
+              <a:rPr lang="en-US" sz="2400" b="0" dirty="0">
+                <a:solidFill>
+                  <a:srgbClr val="5583D1"/>
+                </a:solidFill>
+              </a:rPr>
+              <a:t>The output class from the trained model is passed to Gemini, a large language model.</a:t>
+            </a:r>
+          </a:p>
+          <a:p>
+            <a:pPr marL="0" indent="0">
+              <a:lnSpc>
+                <a:spcPct val="150000"/>
+              </a:lnSpc>
+              <a:buNone/>
+            </a:pPr>
+            <a:r>
+              <a:rPr lang="en-US" sz="2400" b="0" dirty="0">
+                <a:solidFill>
+                  <a:srgbClr val="5583D1"/>
+                </a:solidFill>
+              </a:rPr>
+              <a:t>Gemini generates human-readable match reports based on the detected event class.</a:t>
+            </a:r>
+          </a:p>
           <a:p>
             <a:pPr marL="0" indent="0">
               <a:lnSpc>
@@ -14630,6 +13628,153 @@
                       </p:childTnLst>
                     </p:cTn>
                   </p:par>
+                  <p:par>
+                    <p:cTn id="15" fill="hold">
+                      <p:stCondLst>
+                        <p:cond delay="indefinite"/>
+                      </p:stCondLst>
+                      <p:childTnLst>
+                        <p:par>
+                          <p:cTn id="16" fill="hold">
+                            <p:stCondLst>
+                              <p:cond delay="0"/>
+                            </p:stCondLst>
+                            <p:childTnLst>
+                              <p:par>
+                                <p:cTn id="17" presetID="1" presetClass="entr" presetSubtype="0" fill="hold" grpId="0" nodeType="clickEffect">
+                                  <p:stCondLst>
+                                    <p:cond delay="0"/>
+                                  </p:stCondLst>
+                                  <p:childTnLst>
+                                    <p:set>
+                                      <p:cBhvr>
+                                        <p:cTn id="18" dur="1" fill="hold">
+                                          <p:stCondLst>
+                                            <p:cond delay="0"/>
+                                          </p:stCondLst>
+                                        </p:cTn>
+                                        <p:tgtEl>
+                                          <p:spTgt spid="2">
+                                            <p:txEl>
+                                              <p:pRg st="3" end="3"/>
+                                            </p:txEl>
+                                          </p:spTgt>
+                                        </p:tgtEl>
+                                        <p:attrNameLst>
+                                          <p:attrName>style.visibility</p:attrName>
+                                        </p:attrNameLst>
+                                      </p:cBhvr>
+                                      <p:to>
+                                        <p:strVal val="visible"/>
+                                      </p:to>
+                                    </p:set>
+                                  </p:childTnLst>
+                                </p:cTn>
+                              </p:par>
+                            </p:childTnLst>
+                          </p:cTn>
+                        </p:par>
+                      </p:childTnLst>
+                    </p:cTn>
+                  </p:par>
+                  <p:par>
+                    <p:cTn id="19" fill="hold">
+                      <p:stCondLst>
+                        <p:cond delay="indefinite"/>
+                      </p:stCondLst>
+                      <p:childTnLst>
+                        <p:par>
+                          <p:cTn id="20" fill="hold">
+                            <p:stCondLst>
+                              <p:cond delay="0"/>
+                            </p:stCondLst>
+                            <p:childTnLst>
+                              <p:par>
+                                <p:cTn id="21" presetID="1" presetClass="entr" presetSubtype="0" fill="hold" grpId="0" nodeType="clickEffect">
+                                  <p:stCondLst>
+                                    <p:cond delay="0"/>
+                                  </p:stCondLst>
+                                  <p:childTnLst>
+                                    <p:set>
+                                      <p:cBhvr>
+                                        <p:cTn id="22" dur="1" fill="hold">
+                                          <p:stCondLst>
+                                            <p:cond delay="0"/>
+                                          </p:stCondLst>
+                                        </p:cTn>
+                                        <p:tgtEl>
+                                          <p:spTgt spid="2">
+                                            <p:txEl>
+                                              <p:pRg st="4" end="4"/>
+                                            </p:txEl>
+                                          </p:spTgt>
+                                        </p:tgtEl>
+                                        <p:attrNameLst>
+                                          <p:attrName>style.visibility</p:attrName>
+                                        </p:attrNameLst>
+                                      </p:cBhvr>
+                                      <p:to>
+                                        <p:strVal val="visible"/>
+                                      </p:to>
+                                    </p:set>
+                                  </p:childTnLst>
+                                </p:cTn>
+                              </p:par>
+                            </p:childTnLst>
+                          </p:cTn>
+                        </p:par>
+                      </p:childTnLst>
+                    </p:cTn>
+                  </p:par>
+                  <p:par>
+                    <p:cTn id="23" fill="hold">
+                      <p:stCondLst>
+                        <p:cond delay="indefinite"/>
+                      </p:stCondLst>
+                      <p:childTnLst>
+                        <p:par>
+                          <p:cTn id="24" fill="hold">
+                            <p:stCondLst>
+                              <p:cond delay="0"/>
+                            </p:stCondLst>
+                            <p:childTnLst>
+                              <p:par>
+                                <p:cTn id="25" presetID="1" presetClass="entr" presetSubtype="0" fill="hold" grpId="0" nodeType="clickEffect">
+                                  <p:stCondLst>
+                                    <p:cond delay="0"/>
+                                  </p:stCondLst>
+                                  <p:childTnLst>
+                                    <p:set>
+                                      <p:cBhvr>
+                                        <p:cTn id="26" dur="1" fill="hold">
+                                          <p:stCondLst>
+                                            <p:cond delay="0"/>
+                                          </p:stCondLst>
+                                        </p:cTn>
+                                        <p:tgtEl>
+                                          <p:spTgt spid="2">
+                                            <p:txEl>
+                                              <p:pRg st="5" end="5"/>
+                                            </p:txEl>
+                                          </p:spTgt>
+                                        </p:tgtEl>
+                                        <p:attrNameLst>
+                                          <p:attrName>style.visibility</p:attrName>
+                                        </p:attrNameLst>
+                                      </p:cBhvr>
+                                      <p:to>
+                                        <p:strVal val="visible"/>
+                                      </p:to>
+                                    </p:set>
+                                  </p:childTnLst>
+                                </p:cTn>
+                              </p:par>
+                            </p:childTnLst>
+                          </p:cTn>
+                        </p:par>
+                      </p:childTnLst>
+                    </p:cTn>
+                  </p:par>
                 </p:childTnLst>
               </p:cTn>
               <p:prevCondLst>
@@ -14717,36 +13862,29 @@
                 </a:solidFill>
                 <a:latin typeface="+mn-lt"/>
               </a:rPr>
-              <a:t> Algorithms: </a:t>
+              <a:t> </a:t>
+            </a:r>
+            <a:r>
+              <a:rPr lang="en-US" sz="2400" dirty="0">
+                <a:solidFill>
+                  <a:srgbClr val="5583D1"/>
+                </a:solidFill>
+                <a:latin typeface="+mn-lt"/>
+              </a:rPr>
+              <a:t>Algorithms: </a:t>
             </a:r>
             <a:endParaRPr lang="en-IN" sz="2400" dirty="0"/>
           </a:p>
           <a:p>
             <a:r>
               <a:rPr lang="en-IN" sz="2400" b="0" dirty="0"/>
-              <a:t>CNN (</a:t>
-            </a:r>
-            <a:r>
-              <a:rPr lang="en-IN" sz="2400" b="0" dirty="0" err="1"/>
-              <a:t>ResNet</a:t>
-            </a:r>
+              <a:t>CNN (ResNet): Extract spatial features from images</a:t>
+            </a:r>
+          </a:p>
+          <a:p>
             <a:r>
               <a:rPr lang="en-IN" sz="2400" b="0" dirty="0"/>
-              <a:t>): Extract spatial features from images</a:t>
-            </a:r>
-          </a:p>
-          <a:p>
-            <a:r>
-              <a:rPr lang="en-IN" sz="2400" b="0" dirty="0"/>
-              <a:t>Vision Transformer (</a:t>
-            </a:r>
-            <a:r>
-              <a:rPr lang="en-IN" sz="2400" b="0" dirty="0" err="1"/>
-              <a:t>ViT</a:t>
-            </a:r>
-            <a:r>
-              <a:rPr lang="en-IN" sz="2400" b="0" dirty="0"/>
-              <a:t>): Capture global context</a:t>
+              <a:t>Vision Transformer (VIT): Capture global context</a:t>
             </a:r>
           </a:p>
           <a:p>
@@ -14763,7 +13901,7 @@
               <a:buNone/>
             </a:pPr>
             <a:r>
-              <a:rPr lang="en-US" sz="2400" b="0" dirty="0">
+              <a:rPr lang="en-US" sz="2400" dirty="0">
                 <a:solidFill>
                   <a:srgbClr val="5583D1"/>
                 </a:solidFill>
@@ -14774,30 +13912,14 @@
           </a:p>
           <a:p>
             <a:r>
-              <a:rPr lang="en-IN" sz="2400" b="0" dirty="0" err="1"/>
-              <a:t>Streamlit</a:t>
-            </a:r>
-            <a:r>
               <a:rPr lang="en-IN" sz="2400" b="0" dirty="0"/>
-              <a:t>: Interactive UI for uploading images &amp; reports</a:t>
-            </a:r>
-          </a:p>
-          <a:p>
-            <a:r>
-              <a:rPr lang="en-IN" sz="2400" b="0" dirty="0" err="1"/>
-              <a:t>PyTorch</a:t>
-            </a:r>
+              <a:t>Streamlit: Interactive UI for uploading images &amp; reports</a:t>
+            </a:r>
+          </a:p>
+          <a:p>
             <a:r>
               <a:rPr lang="en-IN" sz="2400" b="0" dirty="0"/>
-              <a:t> / </a:t>
-            </a:r>
-            <a:r>
-              <a:rPr lang="en-IN" sz="2400" b="0" dirty="0" err="1"/>
-              <a:t>Torchvision</a:t>
-            </a:r>
-            <a:r>
-              <a:rPr lang="en-IN" sz="2400" b="0" dirty="0"/>
-              <a:t>: Model training</a:t>
+              <a:t>PyTorch / Torch vision: Model training</a:t>
             </a:r>
           </a:p>
           <a:p>
@@ -14809,13 +13931,8 @@
           <a:p>
             <a:r>
               <a:rPr lang="en-IN" sz="2400" b="0" dirty="0"/>
-              <a:t>NumPy, Pandas: Data handling &amp; </a:t>
-            </a:r>
-            <a:r>
-              <a:rPr lang="en-IN" sz="2400" b="0" dirty="0" err="1"/>
-              <a:t>preprocessinng</a:t>
-            </a:r>
-            <a:endParaRPr lang="en-IN" sz="2400" b="0" dirty="0"/>
+              <a:t>NumPy, Pandas: Data handling &amp; preprocessing</a:t>
+            </a:r>
           </a:p>
         </p:txBody>
       </p:sp>

--- a/MTech-Project_Review3_PPT_Anandam_Paul_T8635.pptx
+++ b/MTech-Project_Review3_PPT_Anandam_Paul_T8635.pptx
@@ -25,6 +25,8 @@
     <p:sldId id="2147470502" r:id="rId19"/>
     <p:sldId id="2147470511" r:id="rId20"/>
     <p:sldId id="2147470510" r:id="rId21"/>
+    <p:sldId id="2147470503" r:id="rId22"/>
+    <p:sldId id="2147470512" r:id="rId23"/>
   </p:sldIdLst>
   <p:sldSz cx="12192000" cy="6858000"/>
   <p:notesSz cx="6858000" cy="9144000"/>
@@ -5110,13 +5112,13 @@
   <p:clrMapOvr>
     <a:masterClrMapping/>
   </p:clrMapOvr>
-  <mc:AlternateContent xmlns:mc="http://schemas.openxmlformats.org/markup-compatibility/2006" xmlns:p14="http://schemas.microsoft.com/office/powerpoint/2010/main">
-    <mc:Choice Requires="p14">
+  <mc:AlternateContent xmlns:mc="http://schemas.openxmlformats.org/markup-compatibility/2006">
+    <mc:Choice xmlns:p14="http://schemas.microsoft.com/office/powerpoint/2010/main" Requires="p14">
       <p:transition spd="med" p14:dur="700">
         <p:fade/>
       </p:transition>
     </mc:Choice>
-    <mc:Fallback xmlns="">
+    <mc:Fallback>
       <p:transition spd="med">
         <p:fade/>
       </p:transition>
@@ -5486,13 +5488,13 @@
   <p:clrMapOvr>
     <a:masterClrMapping/>
   </p:clrMapOvr>
-  <mc:AlternateContent xmlns:mc="http://schemas.openxmlformats.org/markup-compatibility/2006" xmlns:p14="http://schemas.microsoft.com/office/powerpoint/2010/main">
-    <mc:Choice Requires="p14">
+  <mc:AlternateContent xmlns:mc="http://schemas.openxmlformats.org/markup-compatibility/2006">
+    <mc:Choice xmlns:p14="http://schemas.microsoft.com/office/powerpoint/2010/main" Requires="p14">
       <p:transition spd="med" p14:dur="700">
         <p:fade/>
       </p:transition>
     </mc:Choice>
-    <mc:Fallback xmlns="">
+    <mc:Fallback>
       <p:transition spd="med">
         <p:fade/>
       </p:transition>
@@ -5941,13 +5943,13 @@
   <p:clrMapOvr>
     <a:masterClrMapping/>
   </p:clrMapOvr>
-  <mc:AlternateContent xmlns:mc="http://schemas.openxmlformats.org/markup-compatibility/2006" xmlns:p14="http://schemas.microsoft.com/office/powerpoint/2010/main">
-    <mc:Choice Requires="p14">
+  <mc:AlternateContent xmlns:mc="http://schemas.openxmlformats.org/markup-compatibility/2006">
+    <mc:Choice xmlns:p14="http://schemas.microsoft.com/office/powerpoint/2010/main" Requires="p14">
       <p:transition spd="med" p14:dur="700">
         <p:fade/>
       </p:transition>
     </mc:Choice>
-    <mc:Fallback xmlns="">
+    <mc:Fallback>
       <p:transition spd="med">
         <p:fade/>
       </p:transition>
@@ -6427,13 +6429,13 @@
   <p:clrMapOvr>
     <a:masterClrMapping/>
   </p:clrMapOvr>
-  <mc:AlternateContent xmlns:mc="http://schemas.openxmlformats.org/markup-compatibility/2006" xmlns:p14="http://schemas.microsoft.com/office/powerpoint/2010/main">
-    <mc:Choice Requires="p14">
+  <mc:AlternateContent xmlns:mc="http://schemas.openxmlformats.org/markup-compatibility/2006">
+    <mc:Choice xmlns:p14="http://schemas.microsoft.com/office/powerpoint/2010/main" Requires="p14">
       <p:transition spd="med" p14:dur="700">
         <p:fade/>
       </p:transition>
     </mc:Choice>
-    <mc:Fallback xmlns="">
+    <mc:Fallback>
       <p:transition spd="med">
         <p:fade/>
       </p:transition>
@@ -6800,13 +6802,13 @@
   <p:clrMapOvr>
     <a:masterClrMapping/>
   </p:clrMapOvr>
-  <mc:AlternateContent xmlns:mc="http://schemas.openxmlformats.org/markup-compatibility/2006" xmlns:p14="http://schemas.microsoft.com/office/powerpoint/2010/main">
-    <mc:Choice Requires="p14">
+  <mc:AlternateContent xmlns:mc="http://schemas.openxmlformats.org/markup-compatibility/2006">
+    <mc:Choice xmlns:p14="http://schemas.microsoft.com/office/powerpoint/2010/main" Requires="p14">
       <p:transition spd="med" p14:dur="700">
         <p:fade/>
       </p:transition>
     </mc:Choice>
-    <mc:Fallback xmlns="">
+    <mc:Fallback>
       <p:transition spd="med">
         <p:fade/>
       </p:transition>
@@ -7173,13 +7175,13 @@
   <p:clrMapOvr>
     <a:masterClrMapping/>
   </p:clrMapOvr>
-  <mc:AlternateContent xmlns:mc="http://schemas.openxmlformats.org/markup-compatibility/2006" xmlns:p14="http://schemas.microsoft.com/office/powerpoint/2010/main">
-    <mc:Choice Requires="p14">
+  <mc:AlternateContent xmlns:mc="http://schemas.openxmlformats.org/markup-compatibility/2006">
+    <mc:Choice xmlns:p14="http://schemas.microsoft.com/office/powerpoint/2010/main" Requires="p14">
       <p:transition spd="med" p14:dur="700">
         <p:fade/>
       </p:transition>
     </mc:Choice>
-    <mc:Fallback xmlns="">
+    <mc:Fallback>
       <p:transition spd="med">
         <p:fade/>
       </p:transition>
@@ -9922,6 +9924,1087 @@
 </p:sld>
 </file>
 
+<file path=ppt/slides/slide21.xml><?xml version="1.0" encoding="utf-8"?>
+<p:sld xmlns:a="http://schemas.openxmlformats.org/drawingml/2006/main" xmlns:r="http://schemas.openxmlformats.org/officeDocument/2006/relationships" xmlns:p="http://schemas.openxmlformats.org/presentationml/2006/main">
+  <p:cSld>
+    <p:spTree>
+      <p:nvGrpSpPr>
+        <p:cNvPr id="1" name="">
+          <a:extLst>
+            <a:ext uri="{FF2B5EF4-FFF2-40B4-BE49-F238E27FC236}">
+              <a16:creationId xmlns:a16="http://schemas.microsoft.com/office/drawing/2014/main" id="{1EEC1BA9-EED8-0553-15DB-7AC5ADC07E05}"/>
+            </a:ext>
+          </a:extLst>
+        </p:cNvPr>
+        <p:cNvGrpSpPr/>
+        <p:nvPr/>
+      </p:nvGrpSpPr>
+      <p:grpSpPr>
+        <a:xfrm>
+          <a:off x="0" y="0"/>
+          <a:ext cx="0" cy="0"/>
+          <a:chOff x="0" y="0"/>
+          <a:chExt cx="0" cy="0"/>
+        </a:xfrm>
+      </p:grpSpPr>
+      <p:sp>
+        <p:nvSpPr>
+          <p:cNvPr id="2" name="Text Placeholder 1">
+            <a:extLst>
+              <a:ext uri="{FF2B5EF4-FFF2-40B4-BE49-F238E27FC236}">
+                <a16:creationId xmlns:a16="http://schemas.microsoft.com/office/drawing/2014/main" id="{31E11D5E-73A6-DACE-A314-51CBCF3D39FA}"/>
+              </a:ext>
+            </a:extLst>
+          </p:cNvPr>
+          <p:cNvSpPr>
+            <a:spLocks noGrp="1"/>
+          </p:cNvSpPr>
+          <p:nvPr>
+            <p:ph type="body" sz="quarter" idx="13"/>
+          </p:nvPr>
+        </p:nvSpPr>
+        <p:spPr>
+          <a:xfrm>
+            <a:off x="564108" y="1310975"/>
+            <a:ext cx="10865891" cy="4692260"/>
+          </a:xfrm>
+        </p:spPr>
+        <p:txBody>
+          <a:bodyPr/>
+          <a:lstStyle/>
+          <a:p>
+            <a:pPr marL="0" indent="0">
+              <a:lnSpc>
+                <a:spcPct val="150000"/>
+              </a:lnSpc>
+              <a:buNone/>
+            </a:pPr>
+            <a:r>
+              <a:rPr lang="en-US" sz="2400" b="0" dirty="0">
+                <a:solidFill>
+                  <a:srgbClr val="5583D1"/>
+                </a:solidFill>
+                <a:latin typeface="+mn-lt"/>
+              </a:rPr>
+              <a:t>Zheng et al., 2025 – Computer Vision in Football Videos. Reviews state-of-the-art CV techniques for analyzing football matches, including tracking, detection, and event recognition.</a:t>
+            </a:r>
+          </a:p>
+          <a:p>
+            <a:pPr marL="0" indent="0">
+              <a:lnSpc>
+                <a:spcPct val="150000"/>
+              </a:lnSpc>
+              <a:buNone/>
+            </a:pPr>
+            <a:r>
+              <a:rPr lang="en-US" sz="2400" b="0" dirty="0">
+                <a:solidFill>
+                  <a:srgbClr val="5583D1"/>
+                </a:solidFill>
+                <a:latin typeface="+mn-lt"/>
+              </a:rPr>
+              <a:t>Seweryn et al., 2024 – Super-Resolution for Football Object Detection. Improves detection quality by applying super-resolution techniques to football video frames before detection.</a:t>
+            </a:r>
+          </a:p>
+          <a:p>
+            <a:pPr marL="0" indent="0">
+              <a:lnSpc>
+                <a:spcPct val="150000"/>
+              </a:lnSpc>
+              <a:buNone/>
+            </a:pPr>
+            <a:r>
+              <a:rPr lang="en-US" sz="2400" b="0" dirty="0">
+                <a:solidFill>
+                  <a:srgbClr val="5583D1"/>
+                </a:solidFill>
+              </a:rPr>
+              <a:t>Dosovitskiy et al., 2021 – Vision Transformers. Proposes the Transformer architecture</a:t>
+            </a:r>
+          </a:p>
+          <a:p>
+            <a:pPr marL="0" indent="0">
+              <a:lnSpc>
+                <a:spcPct val="150000"/>
+              </a:lnSpc>
+              <a:buNone/>
+            </a:pPr>
+            <a:r>
+              <a:rPr lang="en-US" sz="2400" b="0" dirty="0">
+                <a:solidFill>
+                  <a:srgbClr val="5583D1"/>
+                </a:solidFill>
+              </a:rPr>
+              <a:t>for image recognition, treating images as sequences of patches for high accuracy.</a:t>
+            </a:r>
+          </a:p>
+          <a:p>
+            <a:pPr marL="0" indent="0">
+              <a:lnSpc>
+                <a:spcPct val="150000"/>
+              </a:lnSpc>
+              <a:buNone/>
+            </a:pPr>
+            <a:endParaRPr lang="en-US" sz="2400" b="0" dirty="0">
+              <a:solidFill>
+                <a:srgbClr val="5583D1"/>
+              </a:solidFill>
+              <a:latin typeface="+mn-lt"/>
+            </a:endParaRPr>
+          </a:p>
+          <a:p>
+            <a:pPr marL="0" indent="0">
+              <a:lnSpc>
+                <a:spcPct val="150000"/>
+              </a:lnSpc>
+              <a:buNone/>
+            </a:pPr>
+            <a:r>
+              <a:rPr lang="en-US" sz="2400" b="0" dirty="0">
+                <a:solidFill>
+                  <a:srgbClr val="5583D1"/>
+                </a:solidFill>
+                <a:latin typeface="+mn-lt"/>
+              </a:rPr>
+              <a:t> </a:t>
+            </a:r>
+            <a:endParaRPr lang="en-US" sz="2400" b="0" dirty="0">
+              <a:solidFill>
+                <a:srgbClr val="5583D1"/>
+              </a:solidFill>
+            </a:endParaRPr>
+          </a:p>
+        </p:txBody>
+      </p:sp>
+      <p:sp>
+        <p:nvSpPr>
+          <p:cNvPr id="3" name="TextBox 2">
+            <a:extLst>
+              <a:ext uri="{FF2B5EF4-FFF2-40B4-BE49-F238E27FC236}">
+                <a16:creationId xmlns:a16="http://schemas.microsoft.com/office/drawing/2014/main" id="{776CD0F3-77A2-E482-9F59-462941CA9EFC}"/>
+              </a:ext>
+            </a:extLst>
+          </p:cNvPr>
+          <p:cNvSpPr txBox="1"/>
+          <p:nvPr/>
+        </p:nvSpPr>
+        <p:spPr>
+          <a:xfrm>
+            <a:off x="554170" y="373337"/>
+            <a:ext cx="10624338" cy="646331"/>
+          </a:xfrm>
+          <a:prstGeom prst="rect">
+            <a:avLst/>
+          </a:prstGeom>
+          <a:noFill/>
+        </p:spPr>
+        <p:txBody>
+          <a:bodyPr wrap="square" rtlCol="0">
+            <a:spAutoFit/>
+          </a:bodyPr>
+          <a:lstStyle/>
+          <a:p>
+            <a:pPr lvl="0">
+              <a:defRPr/>
+            </a:pPr>
+            <a:r>
+              <a:rPr lang="fr-FR" sz="3600" b="1" dirty="0">
+                <a:solidFill>
+                  <a:srgbClr val="5B9BD5">
+                    <a:lumMod val="50000"/>
+                  </a:srgbClr>
+                </a:solidFill>
+              </a:rPr>
+              <a:t>Reference… </a:t>
+            </a:r>
+            <a:endParaRPr kumimoji="0" lang="en-US" sz="3600" b="1" i="0" u="none" strike="noStrike" kern="1200" cap="none" spc="0" normalizeH="0" baseline="0" noProof="0" dirty="0">
+              <a:ln>
+                <a:noFill/>
+              </a:ln>
+              <a:solidFill>
+                <a:srgbClr val="5B9BD5">
+                  <a:lumMod val="50000"/>
+                </a:srgbClr>
+              </a:solidFill>
+              <a:effectLst/>
+              <a:uLnTx/>
+              <a:uFillTx/>
+              <a:latin typeface="Calibri" panose="020F0502020204030204"/>
+              <a:ea typeface="+mn-ea"/>
+              <a:cs typeface="+mn-cs"/>
+            </a:endParaRPr>
+          </a:p>
+        </p:txBody>
+      </p:sp>
+      <p:cxnSp>
+        <p:nvCxnSpPr>
+          <p:cNvPr id="5" name="Straight Connector 4">
+            <a:extLst>
+              <a:ext uri="{FF2B5EF4-FFF2-40B4-BE49-F238E27FC236}">
+                <a16:creationId xmlns:a16="http://schemas.microsoft.com/office/drawing/2014/main" id="{0EF328B9-B5B2-A4C8-C436-49616B481A74}"/>
+              </a:ext>
+            </a:extLst>
+          </p:cNvPr>
+          <p:cNvCxnSpPr>
+            <a:cxnSpLocks/>
+          </p:cNvCxnSpPr>
+          <p:nvPr/>
+        </p:nvCxnSpPr>
+        <p:spPr>
+          <a:xfrm>
+            <a:off x="638718" y="1201695"/>
+            <a:ext cx="7305799" cy="0"/>
+          </a:xfrm>
+          <a:prstGeom prst="line">
+            <a:avLst/>
+          </a:prstGeom>
+          <a:ln w="28575">
+            <a:solidFill>
+              <a:schemeClr val="accent6"/>
+            </a:solidFill>
+          </a:ln>
+        </p:spPr>
+        <p:style>
+          <a:lnRef idx="1">
+            <a:schemeClr val="accent1"/>
+          </a:lnRef>
+          <a:fillRef idx="0">
+            <a:schemeClr val="accent1"/>
+          </a:fillRef>
+          <a:effectRef idx="0">
+            <a:schemeClr val="accent1"/>
+          </a:effectRef>
+          <a:fontRef idx="minor">
+            <a:schemeClr val="tx1"/>
+          </a:fontRef>
+        </p:style>
+      </p:cxnSp>
+      <p:sp>
+        <p:nvSpPr>
+          <p:cNvPr id="4" name="TextBox 3">
+            <a:extLst>
+              <a:ext uri="{FF2B5EF4-FFF2-40B4-BE49-F238E27FC236}">
+                <a16:creationId xmlns:a16="http://schemas.microsoft.com/office/drawing/2014/main" id="{E9E96C34-B06E-814D-72EC-EF1F6BBFAAF7}"/>
+              </a:ext>
+            </a:extLst>
+          </p:cNvPr>
+          <p:cNvSpPr txBox="1"/>
+          <p:nvPr/>
+        </p:nvSpPr>
+        <p:spPr>
+          <a:xfrm>
+            <a:off x="6093893" y="57036"/>
+            <a:ext cx="6098107" cy="646331"/>
+          </a:xfrm>
+          <a:prstGeom prst="rect">
+            <a:avLst/>
+          </a:prstGeom>
+          <a:noFill/>
+        </p:spPr>
+        <p:txBody>
+          <a:bodyPr wrap="square" rtlCol="0">
+            <a:spAutoFit/>
+          </a:bodyPr>
+          <a:lstStyle/>
+          <a:p>
+            <a:pPr algn="r"/>
+            <a:r>
+              <a:rPr lang="en-US" sz="1800" b="1" i="1" dirty="0">
+                <a:solidFill>
+                  <a:srgbClr val="FFFFFF"/>
+                </a:solidFill>
+              </a:rPr>
+              <a:t>Project Title -  Calibri body 18</a:t>
+            </a:r>
+          </a:p>
+          <a:p>
+            <a:pPr algn="r"/>
+            <a:endParaRPr lang="en-US" dirty="0"/>
+          </a:p>
+        </p:txBody>
+      </p:sp>
+    </p:spTree>
+    <p:extLst>
+      <p:ext uri="{BB962C8B-B14F-4D97-AF65-F5344CB8AC3E}">
+        <p14:creationId xmlns:p14="http://schemas.microsoft.com/office/powerpoint/2010/main" val="1659890165"/>
+      </p:ext>
+    </p:extLst>
+  </p:cSld>
+  <p:clrMapOvr>
+    <a:masterClrMapping/>
+  </p:clrMapOvr>
+  <mc:AlternateContent xmlns:mc="http://schemas.openxmlformats.org/markup-compatibility/2006" xmlns:p14="http://schemas.microsoft.com/office/powerpoint/2010/main">
+    <mc:Choice Requires="p14">
+      <p:transition spd="med" p14:dur="700">
+        <p:fade/>
+      </p:transition>
+    </mc:Choice>
+    <mc:Fallback xmlns="">
+      <p:transition spd="med">
+        <p:fade/>
+      </p:transition>
+    </mc:Fallback>
+  </mc:AlternateContent>
+  <p:timing>
+    <p:tnLst>
+      <p:par>
+        <p:cTn id="1" dur="indefinite" restart="never" nodeType="tmRoot">
+          <p:childTnLst>
+            <p:seq concurrent="1" nextAc="seek">
+              <p:cTn id="2" dur="indefinite" nodeType="mainSeq">
+                <p:childTnLst>
+                  <p:par>
+                    <p:cTn id="3" fill="hold">
+                      <p:stCondLst>
+                        <p:cond delay="indefinite"/>
+                      </p:stCondLst>
+                      <p:childTnLst>
+                        <p:par>
+                          <p:cTn id="4" fill="hold">
+                            <p:stCondLst>
+                              <p:cond delay="0"/>
+                            </p:stCondLst>
+                            <p:childTnLst>
+                              <p:par>
+                                <p:cTn id="5" presetID="1" presetClass="entr" presetSubtype="0" fill="hold" grpId="0" nodeType="clickEffect">
+                                  <p:stCondLst>
+                                    <p:cond delay="0"/>
+                                  </p:stCondLst>
+                                  <p:childTnLst>
+                                    <p:set>
+                                      <p:cBhvr>
+                                        <p:cTn id="6" dur="1" fill="hold">
+                                          <p:stCondLst>
+                                            <p:cond delay="0"/>
+                                          </p:stCondLst>
+                                        </p:cTn>
+                                        <p:tgtEl>
+                                          <p:spTgt spid="2">
+                                            <p:txEl>
+                                              <p:pRg st="0" end="0"/>
+                                            </p:txEl>
+                                          </p:spTgt>
+                                        </p:tgtEl>
+                                        <p:attrNameLst>
+                                          <p:attrName>style.visibility</p:attrName>
+                                        </p:attrNameLst>
+                                      </p:cBhvr>
+                                      <p:to>
+                                        <p:strVal val="visible"/>
+                                      </p:to>
+                                    </p:set>
+                                  </p:childTnLst>
+                                </p:cTn>
+                              </p:par>
+                            </p:childTnLst>
+                          </p:cTn>
+                        </p:par>
+                      </p:childTnLst>
+                    </p:cTn>
+                  </p:par>
+                  <p:par>
+                    <p:cTn id="7" fill="hold">
+                      <p:stCondLst>
+                        <p:cond delay="indefinite"/>
+                      </p:stCondLst>
+                      <p:childTnLst>
+                        <p:par>
+                          <p:cTn id="8" fill="hold">
+                            <p:stCondLst>
+                              <p:cond delay="0"/>
+                            </p:stCondLst>
+                            <p:childTnLst>
+                              <p:par>
+                                <p:cTn id="9" presetID="1" presetClass="entr" presetSubtype="0" fill="hold" grpId="0" nodeType="clickEffect">
+                                  <p:stCondLst>
+                                    <p:cond delay="0"/>
+                                  </p:stCondLst>
+                                  <p:childTnLst>
+                                    <p:set>
+                                      <p:cBhvr>
+                                        <p:cTn id="10" dur="1" fill="hold">
+                                          <p:stCondLst>
+                                            <p:cond delay="0"/>
+                                          </p:stCondLst>
+                                        </p:cTn>
+                                        <p:tgtEl>
+                                          <p:spTgt spid="2">
+                                            <p:txEl>
+                                              <p:pRg st="1" end="1"/>
+                                            </p:txEl>
+                                          </p:spTgt>
+                                        </p:tgtEl>
+                                        <p:attrNameLst>
+                                          <p:attrName>style.visibility</p:attrName>
+                                        </p:attrNameLst>
+                                      </p:cBhvr>
+                                      <p:to>
+                                        <p:strVal val="visible"/>
+                                      </p:to>
+                                    </p:set>
+                                  </p:childTnLst>
+                                </p:cTn>
+                              </p:par>
+                            </p:childTnLst>
+                          </p:cTn>
+                        </p:par>
+                      </p:childTnLst>
+                    </p:cTn>
+                  </p:par>
+                  <p:par>
+                    <p:cTn id="11" fill="hold">
+                      <p:stCondLst>
+                        <p:cond delay="indefinite"/>
+                      </p:stCondLst>
+                      <p:childTnLst>
+                        <p:par>
+                          <p:cTn id="12" fill="hold">
+                            <p:stCondLst>
+                              <p:cond delay="0"/>
+                            </p:stCondLst>
+                            <p:childTnLst>
+                              <p:par>
+                                <p:cTn id="13" presetID="1" presetClass="entr" presetSubtype="0" fill="hold" grpId="0" nodeType="clickEffect">
+                                  <p:stCondLst>
+                                    <p:cond delay="0"/>
+                                  </p:stCondLst>
+                                  <p:childTnLst>
+                                    <p:set>
+                                      <p:cBhvr>
+                                        <p:cTn id="14" dur="1" fill="hold">
+                                          <p:stCondLst>
+                                            <p:cond delay="0"/>
+                                          </p:stCondLst>
+                                        </p:cTn>
+                                        <p:tgtEl>
+                                          <p:spTgt spid="2">
+                                            <p:txEl>
+                                              <p:pRg st="2" end="2"/>
+                                            </p:txEl>
+                                          </p:spTgt>
+                                        </p:tgtEl>
+                                        <p:attrNameLst>
+                                          <p:attrName>style.visibility</p:attrName>
+                                        </p:attrNameLst>
+                                      </p:cBhvr>
+                                      <p:to>
+                                        <p:strVal val="visible"/>
+                                      </p:to>
+                                    </p:set>
+                                  </p:childTnLst>
+                                </p:cTn>
+                              </p:par>
+                            </p:childTnLst>
+                          </p:cTn>
+                        </p:par>
+                      </p:childTnLst>
+                    </p:cTn>
+                  </p:par>
+                  <p:par>
+                    <p:cTn id="15" fill="hold">
+                      <p:stCondLst>
+                        <p:cond delay="indefinite"/>
+                      </p:stCondLst>
+                      <p:childTnLst>
+                        <p:par>
+                          <p:cTn id="16" fill="hold">
+                            <p:stCondLst>
+                              <p:cond delay="0"/>
+                            </p:stCondLst>
+                            <p:childTnLst>
+                              <p:par>
+                                <p:cTn id="17" presetID="1" presetClass="entr" presetSubtype="0" fill="hold" grpId="0" nodeType="clickEffect">
+                                  <p:stCondLst>
+                                    <p:cond delay="0"/>
+                                  </p:stCondLst>
+                                  <p:childTnLst>
+                                    <p:set>
+                                      <p:cBhvr>
+                                        <p:cTn id="18" dur="1" fill="hold">
+                                          <p:stCondLst>
+                                            <p:cond delay="0"/>
+                                          </p:stCondLst>
+                                        </p:cTn>
+                                        <p:tgtEl>
+                                          <p:spTgt spid="2">
+                                            <p:txEl>
+                                              <p:pRg st="3" end="3"/>
+                                            </p:txEl>
+                                          </p:spTgt>
+                                        </p:tgtEl>
+                                        <p:attrNameLst>
+                                          <p:attrName>style.visibility</p:attrName>
+                                        </p:attrNameLst>
+                                      </p:cBhvr>
+                                      <p:to>
+                                        <p:strVal val="visible"/>
+                                      </p:to>
+                                    </p:set>
+                                  </p:childTnLst>
+                                </p:cTn>
+                              </p:par>
+                            </p:childTnLst>
+                          </p:cTn>
+                        </p:par>
+                      </p:childTnLst>
+                    </p:cTn>
+                  </p:par>
+                  <p:par>
+                    <p:cTn id="19" fill="hold">
+                      <p:stCondLst>
+                        <p:cond delay="indefinite"/>
+                      </p:stCondLst>
+                      <p:childTnLst>
+                        <p:par>
+                          <p:cTn id="20" fill="hold">
+                            <p:stCondLst>
+                              <p:cond delay="0"/>
+                            </p:stCondLst>
+                            <p:childTnLst>
+                              <p:par>
+                                <p:cTn id="21" presetID="1" presetClass="entr" presetSubtype="0" fill="hold" grpId="0" nodeType="clickEffect">
+                                  <p:stCondLst>
+                                    <p:cond delay="0"/>
+                                  </p:stCondLst>
+                                  <p:childTnLst>
+                                    <p:set>
+                                      <p:cBhvr>
+                                        <p:cTn id="22" dur="1" fill="hold">
+                                          <p:stCondLst>
+                                            <p:cond delay="0"/>
+                                          </p:stCondLst>
+                                        </p:cTn>
+                                        <p:tgtEl>
+                                          <p:spTgt spid="2">
+                                            <p:txEl>
+                                              <p:pRg st="5" end="5"/>
+                                            </p:txEl>
+                                          </p:spTgt>
+                                        </p:tgtEl>
+                                        <p:attrNameLst>
+                                          <p:attrName>style.visibility</p:attrName>
+                                        </p:attrNameLst>
+                                      </p:cBhvr>
+                                      <p:to>
+                                        <p:strVal val="visible"/>
+                                      </p:to>
+                                    </p:set>
+                                  </p:childTnLst>
+                                </p:cTn>
+                              </p:par>
+                            </p:childTnLst>
+                          </p:cTn>
+                        </p:par>
+                      </p:childTnLst>
+                    </p:cTn>
+                  </p:par>
+                </p:childTnLst>
+              </p:cTn>
+              <p:prevCondLst>
+                <p:cond evt="onPrev" delay="0">
+                  <p:tgtEl>
+                    <p:sldTgt/>
+                  </p:tgtEl>
+                </p:cond>
+              </p:prevCondLst>
+              <p:nextCondLst>
+                <p:cond evt="onNext" delay="0">
+                  <p:tgtEl>
+                    <p:sldTgt/>
+                  </p:tgtEl>
+                </p:cond>
+              </p:nextCondLst>
+            </p:seq>
+          </p:childTnLst>
+        </p:cTn>
+      </p:par>
+    </p:tnLst>
+    <p:bldLst>
+      <p:bldP spid="2" grpId="0" uiExpand="1" build="p"/>
+    </p:bldLst>
+  </p:timing>
+</p:sld>
+</file>
+
+<file path=ppt/slides/slide22.xml><?xml version="1.0" encoding="utf-8"?>
+<p:sld xmlns:a="http://schemas.openxmlformats.org/drawingml/2006/main" xmlns:r="http://schemas.openxmlformats.org/officeDocument/2006/relationships" xmlns:p="http://schemas.openxmlformats.org/presentationml/2006/main">
+  <p:cSld>
+    <p:spTree>
+      <p:nvGrpSpPr>
+        <p:cNvPr id="1" name="">
+          <a:extLst>
+            <a:ext uri="{FF2B5EF4-FFF2-40B4-BE49-F238E27FC236}">
+              <a16:creationId xmlns:a16="http://schemas.microsoft.com/office/drawing/2014/main" id="{A42BC4C1-B9C6-6B7A-D86C-4FC99433B862}"/>
+            </a:ext>
+          </a:extLst>
+        </p:cNvPr>
+        <p:cNvGrpSpPr/>
+        <p:nvPr/>
+      </p:nvGrpSpPr>
+      <p:grpSpPr>
+        <a:xfrm>
+          <a:off x="0" y="0"/>
+          <a:ext cx="0" cy="0"/>
+          <a:chOff x="0" y="0"/>
+          <a:chExt cx="0" cy="0"/>
+        </a:xfrm>
+      </p:grpSpPr>
+      <p:sp>
+        <p:nvSpPr>
+          <p:cNvPr id="2" name="Text Placeholder 1">
+            <a:extLst>
+              <a:ext uri="{FF2B5EF4-FFF2-40B4-BE49-F238E27FC236}">
+                <a16:creationId xmlns:a16="http://schemas.microsoft.com/office/drawing/2014/main" id="{406F7A55-476D-0F9D-3CC3-4DBFA18075C7}"/>
+              </a:ext>
+            </a:extLst>
+          </p:cNvPr>
+          <p:cNvSpPr>
+            <a:spLocks noGrp="1"/>
+          </p:cNvSpPr>
+          <p:nvPr>
+            <p:ph type="body" sz="quarter" idx="13"/>
+          </p:nvPr>
+        </p:nvSpPr>
+        <p:spPr>
+          <a:xfrm>
+            <a:off x="255996" y="1271219"/>
+            <a:ext cx="10624338" cy="4142989"/>
+          </a:xfrm>
+        </p:spPr>
+        <p:txBody>
+          <a:bodyPr/>
+          <a:lstStyle/>
+          <a:p>
+            <a:pPr marL="0" indent="0">
+              <a:lnSpc>
+                <a:spcPct val="150000"/>
+              </a:lnSpc>
+              <a:buNone/>
+            </a:pPr>
+            <a:r>
+              <a:rPr lang="en-US" sz="2400" b="0" dirty="0">
+                <a:solidFill>
+                  <a:srgbClr val="5583D1"/>
+                </a:solidFill>
+                <a:latin typeface="+mn-lt"/>
+              </a:rPr>
+              <a:t>Husein et al., 2023 – Two-Stage Mask R-CNN for Player Tracking. Uses a two-stage Mask R-CNN to detect and track football players accurately in video footage.</a:t>
+            </a:r>
+          </a:p>
+          <a:p>
+            <a:pPr marL="0" indent="0">
+              <a:lnSpc>
+                <a:spcPct val="150000"/>
+              </a:lnSpc>
+              <a:buNone/>
+            </a:pPr>
+            <a:r>
+              <a:rPr lang="en-US" sz="2400" b="0" dirty="0">
+                <a:solidFill>
+                  <a:srgbClr val="5583D1"/>
+                </a:solidFill>
+                <a:latin typeface="+mn-lt"/>
+              </a:rPr>
+              <a:t>Wang et al., 2024 – </a:t>
+            </a:r>
+            <a:r>
+              <a:rPr lang="en-US" sz="2400" b="0" dirty="0" err="1">
+                <a:solidFill>
+                  <a:srgbClr val="5583D1"/>
+                </a:solidFill>
+                <a:latin typeface="+mn-lt"/>
+              </a:rPr>
+              <a:t>CoSportsMetrics</a:t>
+            </a:r>
+            <a:r>
+              <a:rPr lang="en-US" sz="2400" b="0" dirty="0">
+                <a:solidFill>
+                  <a:srgbClr val="5583D1"/>
+                </a:solidFill>
+                <a:latin typeface="+mn-lt"/>
+              </a:rPr>
+              <a:t>. Explores how combining text and numerical sports data improves information fusion in large language models.</a:t>
+            </a:r>
+          </a:p>
+          <a:p>
+            <a:pPr marL="0" indent="0">
+              <a:lnSpc>
+                <a:spcPct val="150000"/>
+              </a:lnSpc>
+              <a:buNone/>
+            </a:pPr>
+            <a:r>
+              <a:rPr lang="en-US" sz="2400" b="0" dirty="0">
+                <a:solidFill>
+                  <a:srgbClr val="5583D1"/>
+                </a:solidFill>
+                <a:latin typeface="+mn-lt"/>
+              </a:rPr>
+              <a:t>Xia et al., 2024 – SPORTU Benchmark. Introduces a multimodal dataset to evaluate sports understanding in large language models using text, images, and video</a:t>
+            </a:r>
+            <a:endParaRPr lang="en-US" sz="2400" b="0" dirty="0">
+              <a:solidFill>
+                <a:srgbClr val="5583D1"/>
+              </a:solidFill>
+            </a:endParaRPr>
+          </a:p>
+        </p:txBody>
+      </p:sp>
+      <p:sp>
+        <p:nvSpPr>
+          <p:cNvPr id="3" name="TextBox 2">
+            <a:extLst>
+              <a:ext uri="{FF2B5EF4-FFF2-40B4-BE49-F238E27FC236}">
+                <a16:creationId xmlns:a16="http://schemas.microsoft.com/office/drawing/2014/main" id="{E07BD06F-0138-DB51-FBD6-CD47E148F392}"/>
+              </a:ext>
+            </a:extLst>
+          </p:cNvPr>
+          <p:cNvSpPr txBox="1"/>
+          <p:nvPr/>
+        </p:nvSpPr>
+        <p:spPr>
+          <a:xfrm>
+            <a:off x="255996" y="502545"/>
+            <a:ext cx="10624338" cy="646331"/>
+          </a:xfrm>
+          <a:prstGeom prst="rect">
+            <a:avLst/>
+          </a:prstGeom>
+          <a:noFill/>
+        </p:spPr>
+        <p:txBody>
+          <a:bodyPr wrap="square" rtlCol="0">
+            <a:spAutoFit/>
+          </a:bodyPr>
+          <a:lstStyle/>
+          <a:p>
+            <a:pPr lvl="0">
+              <a:defRPr/>
+            </a:pPr>
+            <a:r>
+              <a:rPr lang="fr-FR" sz="3600" b="1" dirty="0">
+                <a:solidFill>
+                  <a:srgbClr val="5B9BD5">
+                    <a:lumMod val="50000"/>
+                  </a:srgbClr>
+                </a:solidFill>
+              </a:rPr>
+              <a:t>Reference… </a:t>
+            </a:r>
+            <a:r>
+              <a:rPr kumimoji="0" lang="en-US" sz="3600" b="1" i="0" u="none" strike="noStrike" kern="1200" cap="none" spc="0" normalizeH="0" baseline="0" noProof="0" dirty="0">
+                <a:ln>
+                  <a:noFill/>
+                </a:ln>
+                <a:solidFill>
+                  <a:srgbClr val="5B9BD5">
+                    <a:lumMod val="50000"/>
+                  </a:srgbClr>
+                </a:solidFill>
+                <a:effectLst/>
+                <a:uLnTx/>
+                <a:uFillTx/>
+                <a:latin typeface="Calibri" panose="020F0502020204030204"/>
+                <a:ea typeface="+mn-ea"/>
+                <a:cs typeface="+mn-cs"/>
+              </a:rPr>
+              <a:t>Calibri body -36</a:t>
+            </a:r>
+          </a:p>
+        </p:txBody>
+      </p:sp>
+      <p:cxnSp>
+        <p:nvCxnSpPr>
+          <p:cNvPr id="5" name="Straight Connector 4">
+            <a:extLst>
+              <a:ext uri="{FF2B5EF4-FFF2-40B4-BE49-F238E27FC236}">
+                <a16:creationId xmlns:a16="http://schemas.microsoft.com/office/drawing/2014/main" id="{8FA5A259-8E64-664D-3068-4CA141D5242E}"/>
+              </a:ext>
+            </a:extLst>
+          </p:cNvPr>
+          <p:cNvCxnSpPr>
+            <a:cxnSpLocks/>
+          </p:cNvCxnSpPr>
+          <p:nvPr/>
+        </p:nvCxnSpPr>
+        <p:spPr>
+          <a:xfrm>
+            <a:off x="221274" y="1191756"/>
+            <a:ext cx="7305799" cy="0"/>
+          </a:xfrm>
+          <a:prstGeom prst="line">
+            <a:avLst/>
+          </a:prstGeom>
+          <a:ln w="28575">
+            <a:solidFill>
+              <a:schemeClr val="accent6"/>
+            </a:solidFill>
+          </a:ln>
+        </p:spPr>
+        <p:style>
+          <a:lnRef idx="1">
+            <a:schemeClr val="accent1"/>
+          </a:lnRef>
+          <a:fillRef idx="0">
+            <a:schemeClr val="accent1"/>
+          </a:fillRef>
+          <a:effectRef idx="0">
+            <a:schemeClr val="accent1"/>
+          </a:effectRef>
+          <a:fontRef idx="minor">
+            <a:schemeClr val="tx1"/>
+          </a:fontRef>
+        </p:style>
+      </p:cxnSp>
+      <p:sp>
+        <p:nvSpPr>
+          <p:cNvPr id="4" name="TextBox 3">
+            <a:extLst>
+              <a:ext uri="{FF2B5EF4-FFF2-40B4-BE49-F238E27FC236}">
+                <a16:creationId xmlns:a16="http://schemas.microsoft.com/office/drawing/2014/main" id="{A81BCD3D-260A-4C35-5C7A-B1F6CEA20C48}"/>
+              </a:ext>
+            </a:extLst>
+          </p:cNvPr>
+          <p:cNvSpPr txBox="1"/>
+          <p:nvPr/>
+        </p:nvSpPr>
+        <p:spPr>
+          <a:xfrm>
+            <a:off x="6093893" y="57036"/>
+            <a:ext cx="6098107" cy="646331"/>
+          </a:xfrm>
+          <a:prstGeom prst="rect">
+            <a:avLst/>
+          </a:prstGeom>
+          <a:noFill/>
+        </p:spPr>
+        <p:txBody>
+          <a:bodyPr wrap="square" rtlCol="0">
+            <a:spAutoFit/>
+          </a:bodyPr>
+          <a:lstStyle/>
+          <a:p>
+            <a:pPr algn="r"/>
+            <a:r>
+              <a:rPr lang="en-US" sz="1800" b="1" i="1" dirty="0">
+                <a:solidFill>
+                  <a:srgbClr val="FFFFFF"/>
+                </a:solidFill>
+              </a:rPr>
+              <a:t>Project Title -  Calibri body 18</a:t>
+            </a:r>
+          </a:p>
+          <a:p>
+            <a:pPr algn="r"/>
+            <a:endParaRPr lang="en-US" dirty="0"/>
+          </a:p>
+        </p:txBody>
+      </p:sp>
+    </p:spTree>
+    <p:extLst>
+      <p:ext uri="{BB962C8B-B14F-4D97-AF65-F5344CB8AC3E}">
+        <p14:creationId xmlns:p14="http://schemas.microsoft.com/office/powerpoint/2010/main" val="4082314285"/>
+      </p:ext>
+    </p:extLst>
+  </p:cSld>
+  <p:clrMapOvr>
+    <a:masterClrMapping/>
+  </p:clrMapOvr>
+  <mc:AlternateContent xmlns:mc="http://schemas.openxmlformats.org/markup-compatibility/2006" xmlns:p14="http://schemas.microsoft.com/office/powerpoint/2010/main">
+    <mc:Choice Requires="p14">
+      <p:transition spd="med" p14:dur="700">
+        <p:fade/>
+      </p:transition>
+    </mc:Choice>
+    <mc:Fallback xmlns="">
+      <p:transition spd="med">
+        <p:fade/>
+      </p:transition>
+    </mc:Fallback>
+  </mc:AlternateContent>
+  <p:timing>
+    <p:tnLst>
+      <p:par>
+        <p:cTn id="1" dur="indefinite" restart="never" nodeType="tmRoot">
+          <p:childTnLst>
+            <p:seq concurrent="1" nextAc="seek">
+              <p:cTn id="2" dur="indefinite" nodeType="mainSeq">
+                <p:childTnLst>
+                  <p:par>
+                    <p:cTn id="3" fill="hold">
+                      <p:stCondLst>
+                        <p:cond delay="indefinite"/>
+                      </p:stCondLst>
+                      <p:childTnLst>
+                        <p:par>
+                          <p:cTn id="4" fill="hold">
+                            <p:stCondLst>
+                              <p:cond delay="0"/>
+                            </p:stCondLst>
+                            <p:childTnLst>
+                              <p:par>
+                                <p:cTn id="5" presetID="1" presetClass="entr" presetSubtype="0" fill="hold" grpId="0" nodeType="clickEffect">
+                                  <p:stCondLst>
+                                    <p:cond delay="0"/>
+                                  </p:stCondLst>
+                                  <p:childTnLst>
+                                    <p:set>
+                                      <p:cBhvr>
+                                        <p:cTn id="6" dur="1" fill="hold">
+                                          <p:stCondLst>
+                                            <p:cond delay="0"/>
+                                          </p:stCondLst>
+                                        </p:cTn>
+                                        <p:tgtEl>
+                                          <p:spTgt spid="2">
+                                            <p:txEl>
+                                              <p:pRg st="0" end="0"/>
+                                            </p:txEl>
+                                          </p:spTgt>
+                                        </p:tgtEl>
+                                        <p:attrNameLst>
+                                          <p:attrName>style.visibility</p:attrName>
+                                        </p:attrNameLst>
+                                      </p:cBhvr>
+                                      <p:to>
+                                        <p:strVal val="visible"/>
+                                      </p:to>
+                                    </p:set>
+                                  </p:childTnLst>
+                                </p:cTn>
+                              </p:par>
+                            </p:childTnLst>
+                          </p:cTn>
+                        </p:par>
+                      </p:childTnLst>
+                    </p:cTn>
+                  </p:par>
+                  <p:par>
+                    <p:cTn id="7" fill="hold">
+                      <p:stCondLst>
+                        <p:cond delay="indefinite"/>
+                      </p:stCondLst>
+                      <p:childTnLst>
+                        <p:par>
+                          <p:cTn id="8" fill="hold">
+                            <p:stCondLst>
+                              <p:cond delay="0"/>
+                            </p:stCondLst>
+                            <p:childTnLst>
+                              <p:par>
+                                <p:cTn id="9" presetID="1" presetClass="entr" presetSubtype="0" fill="hold" grpId="0" nodeType="clickEffect">
+                                  <p:stCondLst>
+                                    <p:cond delay="0"/>
+                                  </p:stCondLst>
+                                  <p:childTnLst>
+                                    <p:set>
+                                      <p:cBhvr>
+                                        <p:cTn id="10" dur="1" fill="hold">
+                                          <p:stCondLst>
+                                            <p:cond delay="0"/>
+                                          </p:stCondLst>
+                                        </p:cTn>
+                                        <p:tgtEl>
+                                          <p:spTgt spid="2">
+                                            <p:txEl>
+                                              <p:pRg st="1" end="1"/>
+                                            </p:txEl>
+                                          </p:spTgt>
+                                        </p:tgtEl>
+                                        <p:attrNameLst>
+                                          <p:attrName>style.visibility</p:attrName>
+                                        </p:attrNameLst>
+                                      </p:cBhvr>
+                                      <p:to>
+                                        <p:strVal val="visible"/>
+                                      </p:to>
+                                    </p:set>
+                                  </p:childTnLst>
+                                </p:cTn>
+                              </p:par>
+                            </p:childTnLst>
+                          </p:cTn>
+                        </p:par>
+                      </p:childTnLst>
+                    </p:cTn>
+                  </p:par>
+                  <p:par>
+                    <p:cTn id="11" fill="hold">
+                      <p:stCondLst>
+                        <p:cond delay="indefinite"/>
+                      </p:stCondLst>
+                      <p:childTnLst>
+                        <p:par>
+                          <p:cTn id="12" fill="hold">
+                            <p:stCondLst>
+                              <p:cond delay="0"/>
+                            </p:stCondLst>
+                            <p:childTnLst>
+                              <p:par>
+                                <p:cTn id="13" presetID="1" presetClass="entr" presetSubtype="0" fill="hold" grpId="0" nodeType="clickEffect">
+                                  <p:stCondLst>
+                                    <p:cond delay="0"/>
+                                  </p:stCondLst>
+                                  <p:childTnLst>
+                                    <p:set>
+                                      <p:cBhvr>
+                                        <p:cTn id="14" dur="1" fill="hold">
+                                          <p:stCondLst>
+                                            <p:cond delay="0"/>
+                                          </p:stCondLst>
+                                        </p:cTn>
+                                        <p:tgtEl>
+                                          <p:spTgt spid="2">
+                                            <p:txEl>
+                                              <p:pRg st="2" end="2"/>
+                                            </p:txEl>
+                                          </p:spTgt>
+                                        </p:tgtEl>
+                                        <p:attrNameLst>
+                                          <p:attrName>style.visibility</p:attrName>
+                                        </p:attrNameLst>
+                                      </p:cBhvr>
+                                      <p:to>
+                                        <p:strVal val="visible"/>
+                                      </p:to>
+                                    </p:set>
+                                  </p:childTnLst>
+                                </p:cTn>
+                              </p:par>
+                            </p:childTnLst>
+                          </p:cTn>
+                        </p:par>
+                      </p:childTnLst>
+                    </p:cTn>
+                  </p:par>
+                </p:childTnLst>
+              </p:cTn>
+              <p:prevCondLst>
+                <p:cond evt="onPrev" delay="0">
+                  <p:tgtEl>
+                    <p:sldTgt/>
+                  </p:tgtEl>
+                </p:cond>
+              </p:prevCondLst>
+              <p:nextCondLst>
+                <p:cond evt="onNext" delay="0">
+                  <p:tgtEl>
+                    <p:sldTgt/>
+                  </p:tgtEl>
+                </p:cond>
+              </p:nextCondLst>
+            </p:seq>
+          </p:childTnLst>
+        </p:cTn>
+      </p:par>
+    </p:tnLst>
+    <p:bldLst>
+      <p:bldP spid="2" grpId="0" uiExpand="1" build="p"/>
+    </p:bldLst>
+  </p:timing>
+</p:sld>
+</file>
+
 <file path=ppt/slides/slide3.xml><?xml version="1.0" encoding="utf-8"?>
 <p:sld xmlns:a="http://schemas.openxmlformats.org/drawingml/2006/main" xmlns:r="http://schemas.openxmlformats.org/officeDocument/2006/relationships" xmlns:p="http://schemas.openxmlformats.org/presentationml/2006/main">
   <p:cSld>
@@ -11752,7 +12835,7 @@
         <p:spPr>
           <a:xfrm>
             <a:off x="255996" y="1271219"/>
-            <a:ext cx="10624338" cy="4748576"/>
+            <a:ext cx="10624338" cy="4142989"/>
           </a:xfrm>
         </p:spPr>
         <p:txBody>
@@ -11789,7 +12872,7 @@
                 </a:solidFill>
                 <a:latin typeface="+mn-lt"/>
               </a:rPr>
-              <a:t>A custom dataset was built comprising 7 distinct football event classes.</a:t>
+              <a:t>Football Image Segmentation dataset from Kaggle.</a:t>
             </a:r>
           </a:p>
           <a:p>
@@ -11806,24 +12889,7 @@
                 </a:solidFill>
                 <a:latin typeface="+mn-lt"/>
               </a:rPr>
-              <a:t>Images were sourced from multiple datasets.</a:t>
-            </a:r>
-          </a:p>
-          <a:p>
-            <a:pPr marL="0" indent="0">
-              <a:lnSpc>
-                <a:spcPct val="150000"/>
-              </a:lnSpc>
-              <a:buNone/>
-            </a:pPr>
-            <a:r>
-              <a:rPr lang="en-US" sz="2400" b="0" dirty="0">
-                <a:solidFill>
-                  <a:srgbClr val="5583D1"/>
-                </a:solidFill>
-                <a:latin typeface="+mn-lt"/>
-              </a:rPr>
-              <a:t>Each class contains approximately 500–600 images.</a:t>
+              <a:t>Images annotated with masks for players, ball, and field regions.</a:t>
             </a:r>
           </a:p>
           <a:p>
@@ -12038,6 +13104,675 @@
     <p:extLst>
       <p:ext uri="{BB962C8B-B14F-4D97-AF65-F5344CB8AC3E}">
         <p14:creationId xmlns:p14="http://schemas.microsoft.com/office/powerpoint/2010/main" val="3339909403"/>
+      </p:ext>
+    </p:extLst>
+  </p:cSld>
+  <p:clrMapOvr>
+    <a:masterClrMapping/>
+  </p:clrMapOvr>
+  <mc:AlternateContent xmlns:mc="http://schemas.openxmlformats.org/markup-compatibility/2006" xmlns:p14="http://schemas.microsoft.com/office/powerpoint/2010/main">
+    <mc:Choice Requires="p14">
+      <p:transition spd="med" p14:dur="700">
+        <p:fade/>
+      </p:transition>
+    </mc:Choice>
+    <mc:Fallback xmlns="">
+      <p:transition spd="med">
+        <p:fade/>
+      </p:transition>
+    </mc:Fallback>
+  </mc:AlternateContent>
+  <p:timing>
+    <p:tnLst>
+      <p:par>
+        <p:cTn id="1" dur="indefinite" restart="never" nodeType="tmRoot">
+          <p:childTnLst>
+            <p:seq concurrent="1" nextAc="seek">
+              <p:cTn id="2" dur="indefinite" nodeType="mainSeq">
+                <p:childTnLst>
+                  <p:par>
+                    <p:cTn id="3" fill="hold">
+                      <p:stCondLst>
+                        <p:cond delay="indefinite"/>
+                      </p:stCondLst>
+                      <p:childTnLst>
+                        <p:par>
+                          <p:cTn id="4" fill="hold">
+                            <p:stCondLst>
+                              <p:cond delay="0"/>
+                            </p:stCondLst>
+                            <p:childTnLst>
+                              <p:par>
+                                <p:cTn id="5" presetID="1" presetClass="entr" presetSubtype="0" fill="hold" grpId="0" nodeType="clickEffect">
+                                  <p:stCondLst>
+                                    <p:cond delay="0"/>
+                                  </p:stCondLst>
+                                  <p:childTnLst>
+                                    <p:set>
+                                      <p:cBhvr>
+                                        <p:cTn id="6" dur="1" fill="hold">
+                                          <p:stCondLst>
+                                            <p:cond delay="0"/>
+                                          </p:stCondLst>
+                                        </p:cTn>
+                                        <p:tgtEl>
+                                          <p:spTgt spid="2">
+                                            <p:txEl>
+                                              <p:pRg st="0" end="0"/>
+                                            </p:txEl>
+                                          </p:spTgt>
+                                        </p:tgtEl>
+                                        <p:attrNameLst>
+                                          <p:attrName>style.visibility</p:attrName>
+                                        </p:attrNameLst>
+                                      </p:cBhvr>
+                                      <p:to>
+                                        <p:strVal val="visible"/>
+                                      </p:to>
+                                    </p:set>
+                                  </p:childTnLst>
+                                </p:cTn>
+                              </p:par>
+                            </p:childTnLst>
+                          </p:cTn>
+                        </p:par>
+                      </p:childTnLst>
+                    </p:cTn>
+                  </p:par>
+                  <p:par>
+                    <p:cTn id="7" fill="hold">
+                      <p:stCondLst>
+                        <p:cond delay="indefinite"/>
+                      </p:stCondLst>
+                      <p:childTnLst>
+                        <p:par>
+                          <p:cTn id="8" fill="hold">
+                            <p:stCondLst>
+                              <p:cond delay="0"/>
+                            </p:stCondLst>
+                            <p:childTnLst>
+                              <p:par>
+                                <p:cTn id="9" presetID="1" presetClass="entr" presetSubtype="0" fill="hold" grpId="0" nodeType="clickEffect">
+                                  <p:stCondLst>
+                                    <p:cond delay="0"/>
+                                  </p:stCondLst>
+                                  <p:childTnLst>
+                                    <p:set>
+                                      <p:cBhvr>
+                                        <p:cTn id="10" dur="1" fill="hold">
+                                          <p:stCondLst>
+                                            <p:cond delay="0"/>
+                                          </p:stCondLst>
+                                        </p:cTn>
+                                        <p:tgtEl>
+                                          <p:spTgt spid="2">
+                                            <p:txEl>
+                                              <p:pRg st="1" end="1"/>
+                                            </p:txEl>
+                                          </p:spTgt>
+                                        </p:tgtEl>
+                                        <p:attrNameLst>
+                                          <p:attrName>style.visibility</p:attrName>
+                                        </p:attrNameLst>
+                                      </p:cBhvr>
+                                      <p:to>
+                                        <p:strVal val="visible"/>
+                                      </p:to>
+                                    </p:set>
+                                  </p:childTnLst>
+                                </p:cTn>
+                              </p:par>
+                            </p:childTnLst>
+                          </p:cTn>
+                        </p:par>
+                      </p:childTnLst>
+                    </p:cTn>
+                  </p:par>
+                  <p:par>
+                    <p:cTn id="11" fill="hold">
+                      <p:stCondLst>
+                        <p:cond delay="indefinite"/>
+                      </p:stCondLst>
+                      <p:childTnLst>
+                        <p:par>
+                          <p:cTn id="12" fill="hold">
+                            <p:stCondLst>
+                              <p:cond delay="0"/>
+                            </p:stCondLst>
+                            <p:childTnLst>
+                              <p:par>
+                                <p:cTn id="13" presetID="1" presetClass="entr" presetSubtype="0" fill="hold" grpId="0" nodeType="clickEffect">
+                                  <p:stCondLst>
+                                    <p:cond delay="0"/>
+                                  </p:stCondLst>
+                                  <p:childTnLst>
+                                    <p:set>
+                                      <p:cBhvr>
+                                        <p:cTn id="14" dur="1" fill="hold">
+                                          <p:stCondLst>
+                                            <p:cond delay="0"/>
+                                          </p:stCondLst>
+                                        </p:cTn>
+                                        <p:tgtEl>
+                                          <p:spTgt spid="2">
+                                            <p:txEl>
+                                              <p:pRg st="2" end="2"/>
+                                            </p:txEl>
+                                          </p:spTgt>
+                                        </p:tgtEl>
+                                        <p:attrNameLst>
+                                          <p:attrName>style.visibility</p:attrName>
+                                        </p:attrNameLst>
+                                      </p:cBhvr>
+                                      <p:to>
+                                        <p:strVal val="visible"/>
+                                      </p:to>
+                                    </p:set>
+                                  </p:childTnLst>
+                                </p:cTn>
+                              </p:par>
+                            </p:childTnLst>
+                          </p:cTn>
+                        </p:par>
+                      </p:childTnLst>
+                    </p:cTn>
+                  </p:par>
+                  <p:par>
+                    <p:cTn id="15" fill="hold">
+                      <p:stCondLst>
+                        <p:cond delay="indefinite"/>
+                      </p:stCondLst>
+                      <p:childTnLst>
+                        <p:par>
+                          <p:cTn id="16" fill="hold">
+                            <p:stCondLst>
+                              <p:cond delay="0"/>
+                            </p:stCondLst>
+                            <p:childTnLst>
+                              <p:par>
+                                <p:cTn id="17" presetID="1" presetClass="entr" presetSubtype="0" fill="hold" grpId="0" nodeType="clickEffect">
+                                  <p:stCondLst>
+                                    <p:cond delay="0"/>
+                                  </p:stCondLst>
+                                  <p:childTnLst>
+                                    <p:set>
+                                      <p:cBhvr>
+                                        <p:cTn id="18" dur="1" fill="hold">
+                                          <p:stCondLst>
+                                            <p:cond delay="0"/>
+                                          </p:stCondLst>
+                                        </p:cTn>
+                                        <p:tgtEl>
+                                          <p:spTgt spid="2">
+                                            <p:txEl>
+                                              <p:pRg st="3" end="3"/>
+                                            </p:txEl>
+                                          </p:spTgt>
+                                        </p:tgtEl>
+                                        <p:attrNameLst>
+                                          <p:attrName>style.visibility</p:attrName>
+                                        </p:attrNameLst>
+                                      </p:cBhvr>
+                                      <p:to>
+                                        <p:strVal val="visible"/>
+                                      </p:to>
+                                    </p:set>
+                                  </p:childTnLst>
+                                </p:cTn>
+                              </p:par>
+                            </p:childTnLst>
+                          </p:cTn>
+                        </p:par>
+                      </p:childTnLst>
+                    </p:cTn>
+                  </p:par>
+                  <p:par>
+                    <p:cTn id="19" fill="hold">
+                      <p:stCondLst>
+                        <p:cond delay="indefinite"/>
+                      </p:stCondLst>
+                      <p:childTnLst>
+                        <p:par>
+                          <p:cTn id="20" fill="hold">
+                            <p:stCondLst>
+                              <p:cond delay="0"/>
+                            </p:stCondLst>
+                            <p:childTnLst>
+                              <p:par>
+                                <p:cTn id="21" presetID="1" presetClass="entr" presetSubtype="0" fill="hold" grpId="0" nodeType="clickEffect">
+                                  <p:stCondLst>
+                                    <p:cond delay="0"/>
+                                  </p:stCondLst>
+                                  <p:childTnLst>
+                                    <p:set>
+                                      <p:cBhvr>
+                                        <p:cTn id="22" dur="1" fill="hold">
+                                          <p:stCondLst>
+                                            <p:cond delay="0"/>
+                                          </p:stCondLst>
+                                        </p:cTn>
+                                        <p:tgtEl>
+                                          <p:spTgt spid="2">
+                                            <p:txEl>
+                                              <p:pRg st="4" end="4"/>
+                                            </p:txEl>
+                                          </p:spTgt>
+                                        </p:tgtEl>
+                                        <p:attrNameLst>
+                                          <p:attrName>style.visibility</p:attrName>
+                                        </p:attrNameLst>
+                                      </p:cBhvr>
+                                      <p:to>
+                                        <p:strVal val="visible"/>
+                                      </p:to>
+                                    </p:set>
+                                  </p:childTnLst>
+                                </p:cTn>
+                              </p:par>
+                            </p:childTnLst>
+                          </p:cTn>
+                        </p:par>
+                      </p:childTnLst>
+                    </p:cTn>
+                  </p:par>
+                  <p:par>
+                    <p:cTn id="23" fill="hold">
+                      <p:stCondLst>
+                        <p:cond delay="indefinite"/>
+                      </p:stCondLst>
+                      <p:childTnLst>
+                        <p:par>
+                          <p:cTn id="24" fill="hold">
+                            <p:stCondLst>
+                              <p:cond delay="0"/>
+                            </p:stCondLst>
+                            <p:childTnLst>
+                              <p:par>
+                                <p:cTn id="25" presetID="1" presetClass="entr" presetSubtype="0" fill="hold" grpId="0" nodeType="clickEffect">
+                                  <p:stCondLst>
+                                    <p:cond delay="0"/>
+                                  </p:stCondLst>
+                                  <p:childTnLst>
+                                    <p:set>
+                                      <p:cBhvr>
+                                        <p:cTn id="26" dur="1" fill="hold">
+                                          <p:stCondLst>
+                                            <p:cond delay="0"/>
+                                          </p:stCondLst>
+                                        </p:cTn>
+                                        <p:tgtEl>
+                                          <p:spTgt spid="2">
+                                            <p:txEl>
+                                              <p:pRg st="5" end="5"/>
+                                            </p:txEl>
+                                          </p:spTgt>
+                                        </p:tgtEl>
+                                        <p:attrNameLst>
+                                          <p:attrName>style.visibility</p:attrName>
+                                        </p:attrNameLst>
+                                      </p:cBhvr>
+                                      <p:to>
+                                        <p:strVal val="visible"/>
+                                      </p:to>
+                                    </p:set>
+                                  </p:childTnLst>
+                                </p:cTn>
+                              </p:par>
+                            </p:childTnLst>
+                          </p:cTn>
+                        </p:par>
+                      </p:childTnLst>
+                    </p:cTn>
+                  </p:par>
+                </p:childTnLst>
+              </p:cTn>
+              <p:prevCondLst>
+                <p:cond evt="onPrev" delay="0">
+                  <p:tgtEl>
+                    <p:sldTgt/>
+                  </p:tgtEl>
+                </p:cond>
+              </p:prevCondLst>
+              <p:nextCondLst>
+                <p:cond evt="onNext" delay="0">
+                  <p:tgtEl>
+                    <p:sldTgt/>
+                  </p:tgtEl>
+                </p:cond>
+              </p:nextCondLst>
+            </p:seq>
+          </p:childTnLst>
+        </p:cTn>
+      </p:par>
+    </p:tnLst>
+    <p:bldLst>
+      <p:bldP spid="2" grpId="0" uiExpand="1" build="p"/>
+    </p:bldLst>
+  </p:timing>
+</p:sld>
+</file>
+
+<file path=ppt/slides/slide7.xml><?xml version="1.0" encoding="utf-8"?>
+<p:sld xmlns:a="http://schemas.openxmlformats.org/drawingml/2006/main" xmlns:r="http://schemas.openxmlformats.org/officeDocument/2006/relationships" xmlns:p="http://schemas.openxmlformats.org/presentationml/2006/main">
+  <p:cSld>
+    <p:spTree>
+      <p:nvGrpSpPr>
+        <p:cNvPr id="1" name="">
+          <a:extLst>
+            <a:ext uri="{FF2B5EF4-FFF2-40B4-BE49-F238E27FC236}">
+              <a16:creationId xmlns:a16="http://schemas.microsoft.com/office/drawing/2014/main" id="{64370637-64B7-8784-2291-CB3DADAB599A}"/>
+            </a:ext>
+          </a:extLst>
+        </p:cNvPr>
+        <p:cNvGrpSpPr/>
+        <p:nvPr/>
+      </p:nvGrpSpPr>
+      <p:grpSpPr>
+        <a:xfrm>
+          <a:off x="0" y="0"/>
+          <a:ext cx="0" cy="0"/>
+          <a:chOff x="0" y="0"/>
+          <a:chExt cx="0" cy="0"/>
+        </a:xfrm>
+      </p:grpSpPr>
+      <p:sp>
+        <p:nvSpPr>
+          <p:cNvPr id="2" name="Text Placeholder 1">
+            <a:extLst>
+              <a:ext uri="{FF2B5EF4-FFF2-40B4-BE49-F238E27FC236}">
+                <a16:creationId xmlns:a16="http://schemas.microsoft.com/office/drawing/2014/main" id="{D36EAE88-26D2-7E45-8994-936DBB9A70CC}"/>
+              </a:ext>
+            </a:extLst>
+          </p:cNvPr>
+          <p:cNvSpPr>
+            <a:spLocks noGrp="1"/>
+          </p:cNvSpPr>
+          <p:nvPr>
+            <p:ph type="body" sz="quarter" idx="13"/>
+          </p:nvPr>
+        </p:nvSpPr>
+        <p:spPr>
+          <a:xfrm>
+            <a:off x="255996" y="1271218"/>
+            <a:ext cx="10624338" cy="4722077"/>
+          </a:xfrm>
+        </p:spPr>
+        <p:txBody>
+          <a:bodyPr/>
+          <a:lstStyle/>
+          <a:p>
+            <a:pPr marL="0" indent="0">
+              <a:lnSpc>
+                <a:spcPct val="150000"/>
+              </a:lnSpc>
+              <a:buNone/>
+            </a:pPr>
+            <a:r>
+              <a:rPr lang="en-US" sz="2400" dirty="0">
+                <a:solidFill>
+                  <a:srgbClr val="5583D1"/>
+                </a:solidFill>
+              </a:rPr>
+              <a:t>Model Development</a:t>
+            </a:r>
+          </a:p>
+          <a:p>
+            <a:pPr marL="0" indent="0">
+              <a:lnSpc>
+                <a:spcPct val="150000"/>
+              </a:lnSpc>
+              <a:buNone/>
+            </a:pPr>
+            <a:r>
+              <a:rPr lang="en-US" sz="2400" b="0" dirty="0">
+                <a:solidFill>
+                  <a:srgbClr val="5583D1"/>
+                </a:solidFill>
+              </a:rPr>
+              <a:t>Baseline: CNN for initial event detection.</a:t>
+            </a:r>
+          </a:p>
+          <a:p>
+            <a:pPr marL="0" indent="0">
+              <a:lnSpc>
+                <a:spcPct val="150000"/>
+              </a:lnSpc>
+              <a:buNone/>
+            </a:pPr>
+            <a:r>
+              <a:rPr lang="en-US" sz="2400" b="0" dirty="0">
+                <a:solidFill>
+                  <a:srgbClr val="5583D1"/>
+                </a:solidFill>
+              </a:rPr>
+              <a:t>Advanced: CNN + Vision Transformer (ViT) hybrid → best accuracy.</a:t>
+            </a:r>
+          </a:p>
+          <a:p>
+            <a:pPr marL="0" indent="0">
+              <a:lnSpc>
+                <a:spcPct val="150000"/>
+              </a:lnSpc>
+              <a:buNone/>
+            </a:pPr>
+            <a:r>
+              <a:rPr lang="en-US" sz="2400" b="0" dirty="0">
+                <a:solidFill>
+                  <a:srgbClr val="5583D1"/>
+                </a:solidFill>
+              </a:rPr>
+              <a:t>Experimental: CNN + ViT + RNN for sequence-based event analysis.</a:t>
+            </a:r>
+          </a:p>
+          <a:p>
+            <a:pPr marL="0" indent="0">
+              <a:lnSpc>
+                <a:spcPct val="150000"/>
+              </a:lnSpc>
+              <a:buNone/>
+            </a:pPr>
+            <a:r>
+              <a:rPr lang="en-US" sz="2400" dirty="0">
+                <a:solidFill>
+                  <a:srgbClr val="5583D1"/>
+                </a:solidFill>
+              </a:rPr>
+              <a:t>Reporting &amp; Insights</a:t>
+            </a:r>
+          </a:p>
+          <a:p>
+            <a:pPr marL="0" indent="0">
+              <a:lnSpc>
+                <a:spcPct val="150000"/>
+              </a:lnSpc>
+              <a:buNone/>
+            </a:pPr>
+            <a:r>
+              <a:rPr lang="en-US" sz="2400" b="0" dirty="0">
+                <a:solidFill>
+                  <a:srgbClr val="5583D1"/>
+                </a:solidFill>
+              </a:rPr>
+              <a:t>Lightweight LLM integration to generate match summaries.</a:t>
+            </a:r>
+          </a:p>
+          <a:p>
+            <a:pPr marL="0" indent="0">
+              <a:lnSpc>
+                <a:spcPct val="150000"/>
+              </a:lnSpc>
+              <a:buNone/>
+            </a:pPr>
+            <a:r>
+              <a:rPr lang="en-US" sz="2400" b="0" dirty="0">
+                <a:solidFill>
+                  <a:srgbClr val="5583D1"/>
+                </a:solidFill>
+              </a:rPr>
+              <a:t>Highlight team strengths, weaknesses, and key match events.</a:t>
+            </a:r>
+          </a:p>
+        </p:txBody>
+      </p:sp>
+      <p:sp>
+        <p:nvSpPr>
+          <p:cNvPr id="3" name="TextBox 2">
+            <a:extLst>
+              <a:ext uri="{FF2B5EF4-FFF2-40B4-BE49-F238E27FC236}">
+                <a16:creationId xmlns:a16="http://schemas.microsoft.com/office/drawing/2014/main" id="{E4BB43C1-08F8-4679-7F2F-B0A9CB82451B}"/>
+              </a:ext>
+            </a:extLst>
+          </p:cNvPr>
+          <p:cNvSpPr txBox="1"/>
+          <p:nvPr/>
+        </p:nvSpPr>
+        <p:spPr>
+          <a:xfrm>
+            <a:off x="255996" y="502545"/>
+            <a:ext cx="10624338" cy="646331"/>
+          </a:xfrm>
+          <a:prstGeom prst="rect">
+            <a:avLst/>
+          </a:prstGeom>
+          <a:noFill/>
+        </p:spPr>
+        <p:txBody>
+          <a:bodyPr wrap="square" rtlCol="0">
+            <a:spAutoFit/>
+          </a:bodyPr>
+          <a:lstStyle/>
+          <a:p>
+            <a:pPr lvl="0">
+              <a:defRPr/>
+            </a:pPr>
+            <a:r>
+              <a:rPr lang="en-US" sz="3600" b="1" dirty="0">
+                <a:solidFill>
+                  <a:srgbClr val="5B9BD5">
+                    <a:lumMod val="50000"/>
+                  </a:srgbClr>
+                </a:solidFill>
+              </a:rPr>
+              <a:t>Methodology</a:t>
+            </a:r>
+            <a:endParaRPr kumimoji="0" lang="en-US" sz="3600" b="1" i="0" u="none" strike="noStrike" kern="1200" cap="none" spc="0" normalizeH="0" baseline="0" noProof="0" dirty="0">
+              <a:ln>
+                <a:noFill/>
+              </a:ln>
+              <a:solidFill>
+                <a:srgbClr val="5B9BD5">
+                  <a:lumMod val="50000"/>
+                </a:srgbClr>
+              </a:solidFill>
+              <a:effectLst/>
+              <a:uLnTx/>
+              <a:uFillTx/>
+              <a:latin typeface="Calibri" panose="020F0502020204030204"/>
+              <a:ea typeface="+mn-ea"/>
+              <a:cs typeface="+mn-cs"/>
+            </a:endParaRPr>
+          </a:p>
+        </p:txBody>
+      </p:sp>
+      <p:cxnSp>
+        <p:nvCxnSpPr>
+          <p:cNvPr id="5" name="Straight Connector 4">
+            <a:extLst>
+              <a:ext uri="{FF2B5EF4-FFF2-40B4-BE49-F238E27FC236}">
+                <a16:creationId xmlns:a16="http://schemas.microsoft.com/office/drawing/2014/main" id="{526DC2A4-EC31-D0E7-B2E0-5E020A19F735}"/>
+              </a:ext>
+            </a:extLst>
+          </p:cNvPr>
+          <p:cNvCxnSpPr>
+            <a:cxnSpLocks/>
+          </p:cNvCxnSpPr>
+          <p:nvPr/>
+        </p:nvCxnSpPr>
+        <p:spPr>
+          <a:xfrm>
+            <a:off x="221274" y="1191756"/>
+            <a:ext cx="7305799" cy="0"/>
+          </a:xfrm>
+          <a:prstGeom prst="line">
+            <a:avLst/>
+          </a:prstGeom>
+          <a:ln w="28575">
+            <a:solidFill>
+              <a:schemeClr val="accent6"/>
+            </a:solidFill>
+          </a:ln>
+        </p:spPr>
+        <p:style>
+          <a:lnRef idx="1">
+            <a:schemeClr val="accent1"/>
+          </a:lnRef>
+          <a:fillRef idx="0">
+            <a:schemeClr val="accent1"/>
+          </a:fillRef>
+          <a:effectRef idx="0">
+            <a:schemeClr val="accent1"/>
+          </a:effectRef>
+          <a:fontRef idx="minor">
+            <a:schemeClr val="tx1"/>
+          </a:fontRef>
+        </p:style>
+      </p:cxnSp>
+      <p:sp>
+        <p:nvSpPr>
+          <p:cNvPr id="4" name="TextBox 3">
+            <a:extLst>
+              <a:ext uri="{FF2B5EF4-FFF2-40B4-BE49-F238E27FC236}">
+                <a16:creationId xmlns:a16="http://schemas.microsoft.com/office/drawing/2014/main" id="{46DC9F4A-9FB4-5575-CD90-9BBD0E72CFAF}"/>
+              </a:ext>
+            </a:extLst>
+          </p:cNvPr>
+          <p:cNvSpPr txBox="1"/>
+          <p:nvPr/>
+        </p:nvSpPr>
+        <p:spPr>
+          <a:xfrm>
+            <a:off x="2196548" y="57036"/>
+            <a:ext cx="9995453" cy="646331"/>
+          </a:xfrm>
+          <a:prstGeom prst="rect">
+            <a:avLst/>
+          </a:prstGeom>
+          <a:noFill/>
+        </p:spPr>
+        <p:txBody>
+          <a:bodyPr wrap="square" rtlCol="0">
+            <a:spAutoFit/>
+          </a:bodyPr>
+          <a:lstStyle/>
+          <a:p>
+            <a:pPr algn="r"/>
+            <a:r>
+              <a:rPr lang="en-US" b="1" i="1" dirty="0">
+                <a:solidFill>
+                  <a:srgbClr val="FFFFFF"/>
+                </a:solidFill>
+              </a:rPr>
+              <a:t>V</a:t>
+            </a:r>
+            <a:r>
+              <a:rPr lang="en-US" sz="1800" b="1" i="1" dirty="0">
+                <a:solidFill>
+                  <a:srgbClr val="FFFFFF"/>
+                </a:solidFill>
+              </a:rPr>
+              <a:t>isual Intelligence for football: Deep learning based image analysis with automated reporting</a:t>
+            </a:r>
+          </a:p>
+          <a:p>
+            <a:pPr algn="r"/>
+            <a:endParaRPr lang="en-US" dirty="0"/>
+          </a:p>
+        </p:txBody>
+      </p:sp>
+    </p:spTree>
+    <p:extLst>
+      <p:ext uri="{BB962C8B-B14F-4D97-AF65-F5344CB8AC3E}">
+        <p14:creationId xmlns:p14="http://schemas.microsoft.com/office/powerpoint/2010/main" val="2027021559"/>
       </p:ext>
     </p:extLst>
   </p:cSld>
@@ -12435,691 +14170,6 @@
 </p:sld>
 </file>
 
-<file path=ppt/slides/slide7.xml><?xml version="1.0" encoding="utf-8"?>
-<p:sld xmlns:a="http://schemas.openxmlformats.org/drawingml/2006/main" xmlns:r="http://schemas.openxmlformats.org/officeDocument/2006/relationships" xmlns:p="http://schemas.openxmlformats.org/presentationml/2006/main">
-  <p:cSld>
-    <p:spTree>
-      <p:nvGrpSpPr>
-        <p:cNvPr id="1" name="">
-          <a:extLst>
-            <a:ext uri="{FF2B5EF4-FFF2-40B4-BE49-F238E27FC236}">
-              <a16:creationId xmlns:a16="http://schemas.microsoft.com/office/drawing/2014/main" id="{64370637-64B7-8784-2291-CB3DADAB599A}"/>
-            </a:ext>
-          </a:extLst>
-        </p:cNvPr>
-        <p:cNvGrpSpPr/>
-        <p:nvPr/>
-      </p:nvGrpSpPr>
-      <p:grpSpPr>
-        <a:xfrm>
-          <a:off x="0" y="0"/>
-          <a:ext cx="0" cy="0"/>
-          <a:chOff x="0" y="0"/>
-          <a:chExt cx="0" cy="0"/>
-        </a:xfrm>
-      </p:grpSpPr>
-      <p:sp>
-        <p:nvSpPr>
-          <p:cNvPr id="2" name="Text Placeholder 1">
-            <a:extLst>
-              <a:ext uri="{FF2B5EF4-FFF2-40B4-BE49-F238E27FC236}">
-                <a16:creationId xmlns:a16="http://schemas.microsoft.com/office/drawing/2014/main" id="{D36EAE88-26D2-7E45-8994-936DBB9A70CC}"/>
-              </a:ext>
-            </a:extLst>
-          </p:cNvPr>
-          <p:cNvSpPr>
-            <a:spLocks noGrp="1"/>
-          </p:cNvSpPr>
-          <p:nvPr>
-            <p:ph type="body" sz="quarter" idx="13"/>
-          </p:nvPr>
-        </p:nvSpPr>
-        <p:spPr>
-          <a:xfrm>
-            <a:off x="255996" y="1271218"/>
-            <a:ext cx="10624338" cy="4722077"/>
-          </a:xfrm>
-        </p:spPr>
-        <p:txBody>
-          <a:bodyPr/>
-          <a:lstStyle/>
-          <a:p>
-            <a:pPr marL="0" indent="0">
-              <a:lnSpc>
-                <a:spcPct val="150000"/>
-              </a:lnSpc>
-              <a:buNone/>
-            </a:pPr>
-            <a:r>
-              <a:rPr lang="en-US" sz="2400" dirty="0">
-                <a:solidFill>
-                  <a:srgbClr val="5583D1"/>
-                </a:solidFill>
-              </a:rPr>
-              <a:t>Model Development</a:t>
-            </a:r>
-          </a:p>
-          <a:p>
-            <a:pPr marL="0" indent="0">
-              <a:lnSpc>
-                <a:spcPct val="150000"/>
-              </a:lnSpc>
-              <a:buNone/>
-            </a:pPr>
-            <a:r>
-              <a:rPr lang="en-US" sz="2400" b="0" dirty="0">
-                <a:solidFill>
-                  <a:srgbClr val="5583D1"/>
-                </a:solidFill>
-              </a:rPr>
-              <a:t>A hybrid deep learning model was developed combining:</a:t>
-            </a:r>
-          </a:p>
-          <a:p>
-            <a:pPr marL="0" indent="0">
-              <a:lnSpc>
-                <a:spcPct val="150000"/>
-              </a:lnSpc>
-              <a:buNone/>
-            </a:pPr>
-            <a:r>
-              <a:rPr lang="en-US" sz="2400" dirty="0">
-                <a:solidFill>
-                  <a:srgbClr val="5583D1"/>
-                </a:solidFill>
-              </a:rPr>
-              <a:t>CNN</a:t>
-            </a:r>
-            <a:r>
-              <a:rPr lang="en-US" sz="2400" b="0" dirty="0">
-                <a:solidFill>
-                  <a:srgbClr val="5583D1"/>
-                </a:solidFill>
-              </a:rPr>
-              <a:t> (Convolutional Neural Network) for spatial feature extraction.</a:t>
-            </a:r>
-          </a:p>
-          <a:p>
-            <a:pPr marL="0" indent="0">
-              <a:lnSpc>
-                <a:spcPct val="150000"/>
-              </a:lnSpc>
-              <a:buNone/>
-            </a:pPr>
-            <a:r>
-              <a:rPr lang="en-US" sz="2400" dirty="0">
-                <a:solidFill>
-                  <a:srgbClr val="5583D1"/>
-                </a:solidFill>
-              </a:rPr>
-              <a:t> </a:t>
-            </a:r>
-            <a:r>
-              <a:rPr lang="en-US" sz="2400" dirty="0" err="1">
-                <a:solidFill>
-                  <a:srgbClr val="5583D1"/>
-                </a:solidFill>
-              </a:rPr>
-              <a:t>ViT</a:t>
-            </a:r>
-            <a:r>
-              <a:rPr lang="en-US" sz="2400" b="0" dirty="0">
-                <a:solidFill>
-                  <a:srgbClr val="5583D1"/>
-                </a:solidFill>
-              </a:rPr>
-              <a:t> (Vision Transformer) for capturing global context.</a:t>
-            </a:r>
-          </a:p>
-          <a:p>
-            <a:pPr marL="0" indent="0">
-              <a:lnSpc>
-                <a:spcPct val="150000"/>
-              </a:lnSpc>
-              <a:buNone/>
-            </a:pPr>
-            <a:r>
-              <a:rPr lang="en-US" sz="2400" dirty="0">
-                <a:solidFill>
-                  <a:srgbClr val="5583D1"/>
-                </a:solidFill>
-              </a:rPr>
-              <a:t>RNN </a:t>
-            </a:r>
-            <a:r>
-              <a:rPr lang="en-US" sz="2400" b="0" dirty="0">
-                <a:solidFill>
-                  <a:srgbClr val="5583D1"/>
-                </a:solidFill>
-              </a:rPr>
-              <a:t>(Recurrent Neural Network) for modeling temporal dependencies across image sequences.</a:t>
-            </a:r>
-          </a:p>
-          <a:p>
-            <a:pPr marL="0" indent="0">
-              <a:lnSpc>
-                <a:spcPct val="150000"/>
-              </a:lnSpc>
-              <a:buNone/>
-            </a:pPr>
-            <a:r>
-              <a:rPr lang="en-US" sz="2400" b="0" dirty="0">
-                <a:solidFill>
-                  <a:srgbClr val="5583D1"/>
-                </a:solidFill>
-              </a:rPr>
-              <a:t>Model weights were saved post-training for deployment.</a:t>
-            </a:r>
-          </a:p>
-        </p:txBody>
-      </p:sp>
-      <p:sp>
-        <p:nvSpPr>
-          <p:cNvPr id="3" name="TextBox 2">
-            <a:extLst>
-              <a:ext uri="{FF2B5EF4-FFF2-40B4-BE49-F238E27FC236}">
-                <a16:creationId xmlns:a16="http://schemas.microsoft.com/office/drawing/2014/main" id="{E4BB43C1-08F8-4679-7F2F-B0A9CB82451B}"/>
-              </a:ext>
-            </a:extLst>
-          </p:cNvPr>
-          <p:cNvSpPr txBox="1"/>
-          <p:nvPr/>
-        </p:nvSpPr>
-        <p:spPr>
-          <a:xfrm>
-            <a:off x="255996" y="502545"/>
-            <a:ext cx="10624338" cy="646331"/>
-          </a:xfrm>
-          <a:prstGeom prst="rect">
-            <a:avLst/>
-          </a:prstGeom>
-          <a:noFill/>
-        </p:spPr>
-        <p:txBody>
-          <a:bodyPr wrap="square" rtlCol="0">
-            <a:spAutoFit/>
-          </a:bodyPr>
-          <a:lstStyle/>
-          <a:p>
-            <a:pPr lvl="0">
-              <a:defRPr/>
-            </a:pPr>
-            <a:r>
-              <a:rPr lang="en-US" sz="3600" b="1" dirty="0">
-                <a:solidFill>
-                  <a:srgbClr val="5B9BD5">
-                    <a:lumMod val="50000"/>
-                  </a:srgbClr>
-                </a:solidFill>
-              </a:rPr>
-              <a:t>Methodology</a:t>
-            </a:r>
-            <a:endParaRPr kumimoji="0" lang="en-US" sz="3600" b="1" i="0" u="none" strike="noStrike" kern="1200" cap="none" spc="0" normalizeH="0" baseline="0" noProof="0" dirty="0">
-              <a:ln>
-                <a:noFill/>
-              </a:ln>
-              <a:solidFill>
-                <a:srgbClr val="5B9BD5">
-                  <a:lumMod val="50000"/>
-                </a:srgbClr>
-              </a:solidFill>
-              <a:effectLst/>
-              <a:uLnTx/>
-              <a:uFillTx/>
-              <a:latin typeface="Calibri" panose="020F0502020204030204"/>
-              <a:ea typeface="+mn-ea"/>
-              <a:cs typeface="+mn-cs"/>
-            </a:endParaRPr>
-          </a:p>
-        </p:txBody>
-      </p:sp>
-      <p:cxnSp>
-        <p:nvCxnSpPr>
-          <p:cNvPr id="5" name="Straight Connector 4">
-            <a:extLst>
-              <a:ext uri="{FF2B5EF4-FFF2-40B4-BE49-F238E27FC236}">
-                <a16:creationId xmlns:a16="http://schemas.microsoft.com/office/drawing/2014/main" id="{526DC2A4-EC31-D0E7-B2E0-5E020A19F735}"/>
-              </a:ext>
-            </a:extLst>
-          </p:cNvPr>
-          <p:cNvCxnSpPr>
-            <a:cxnSpLocks/>
-          </p:cNvCxnSpPr>
-          <p:nvPr/>
-        </p:nvCxnSpPr>
-        <p:spPr>
-          <a:xfrm>
-            <a:off x="221274" y="1191756"/>
-            <a:ext cx="7305799" cy="0"/>
-          </a:xfrm>
-          <a:prstGeom prst="line">
-            <a:avLst/>
-          </a:prstGeom>
-          <a:ln w="28575">
-            <a:solidFill>
-              <a:schemeClr val="accent6"/>
-            </a:solidFill>
-          </a:ln>
-        </p:spPr>
-        <p:style>
-          <a:lnRef idx="1">
-            <a:schemeClr val="accent1"/>
-          </a:lnRef>
-          <a:fillRef idx="0">
-            <a:schemeClr val="accent1"/>
-          </a:fillRef>
-          <a:effectRef idx="0">
-            <a:schemeClr val="accent1"/>
-          </a:effectRef>
-          <a:fontRef idx="minor">
-            <a:schemeClr val="tx1"/>
-          </a:fontRef>
-        </p:style>
-      </p:cxnSp>
-      <p:sp>
-        <p:nvSpPr>
-          <p:cNvPr id="4" name="TextBox 3">
-            <a:extLst>
-              <a:ext uri="{FF2B5EF4-FFF2-40B4-BE49-F238E27FC236}">
-                <a16:creationId xmlns:a16="http://schemas.microsoft.com/office/drawing/2014/main" id="{46DC9F4A-9FB4-5575-CD90-9BBD0E72CFAF}"/>
-              </a:ext>
-            </a:extLst>
-          </p:cNvPr>
-          <p:cNvSpPr txBox="1"/>
-          <p:nvPr/>
-        </p:nvSpPr>
-        <p:spPr>
-          <a:xfrm>
-            <a:off x="2196548" y="57036"/>
-            <a:ext cx="9995453" cy="646331"/>
-          </a:xfrm>
-          <a:prstGeom prst="rect">
-            <a:avLst/>
-          </a:prstGeom>
-          <a:noFill/>
-        </p:spPr>
-        <p:txBody>
-          <a:bodyPr wrap="square" rtlCol="0">
-            <a:spAutoFit/>
-          </a:bodyPr>
-          <a:lstStyle/>
-          <a:p>
-            <a:pPr algn="r"/>
-            <a:r>
-              <a:rPr lang="en-US" b="1" i="1" dirty="0">
-                <a:solidFill>
-                  <a:srgbClr val="FFFFFF"/>
-                </a:solidFill>
-              </a:rPr>
-              <a:t>V</a:t>
-            </a:r>
-            <a:r>
-              <a:rPr lang="en-US" sz="1800" b="1" i="1" dirty="0">
-                <a:solidFill>
-                  <a:srgbClr val="FFFFFF"/>
-                </a:solidFill>
-              </a:rPr>
-              <a:t>isual Intelligence for football: Deep learning based image analysis with automated reporting</a:t>
-            </a:r>
-          </a:p>
-          <a:p>
-            <a:pPr algn="r"/>
-            <a:endParaRPr lang="en-US" dirty="0"/>
-          </a:p>
-        </p:txBody>
-      </p:sp>
-    </p:spTree>
-    <p:extLst>
-      <p:ext uri="{BB962C8B-B14F-4D97-AF65-F5344CB8AC3E}">
-        <p14:creationId xmlns:p14="http://schemas.microsoft.com/office/powerpoint/2010/main" val="2027021559"/>
-      </p:ext>
-    </p:extLst>
-  </p:cSld>
-  <p:clrMapOvr>
-    <a:masterClrMapping/>
-  </p:clrMapOvr>
-  <mc:AlternateContent xmlns:mc="http://schemas.openxmlformats.org/markup-compatibility/2006" xmlns:p14="http://schemas.microsoft.com/office/powerpoint/2010/main">
-    <mc:Choice Requires="p14">
-      <p:transition spd="med" p14:dur="700">
-        <p:fade/>
-      </p:transition>
-    </mc:Choice>
-    <mc:Fallback xmlns="">
-      <p:transition spd="med">
-        <p:fade/>
-      </p:transition>
-    </mc:Fallback>
-  </mc:AlternateContent>
-  <p:timing>
-    <p:tnLst>
-      <p:par>
-        <p:cTn id="1" dur="indefinite" restart="never" nodeType="tmRoot">
-          <p:childTnLst>
-            <p:seq concurrent="1" nextAc="seek">
-              <p:cTn id="2" dur="indefinite" nodeType="mainSeq">
-                <p:childTnLst>
-                  <p:par>
-                    <p:cTn id="3" fill="hold">
-                      <p:stCondLst>
-                        <p:cond delay="indefinite"/>
-                      </p:stCondLst>
-                      <p:childTnLst>
-                        <p:par>
-                          <p:cTn id="4" fill="hold">
-                            <p:stCondLst>
-                              <p:cond delay="0"/>
-                            </p:stCondLst>
-                            <p:childTnLst>
-                              <p:par>
-                                <p:cTn id="5" presetID="1" presetClass="entr" presetSubtype="0" fill="hold" grpId="0" nodeType="clickEffect">
-                                  <p:stCondLst>
-                                    <p:cond delay="0"/>
-                                  </p:stCondLst>
-                                  <p:childTnLst>
-                                    <p:set>
-                                      <p:cBhvr>
-                                        <p:cTn id="6" dur="1" fill="hold">
-                                          <p:stCondLst>
-                                            <p:cond delay="0"/>
-                                          </p:stCondLst>
-                                        </p:cTn>
-                                        <p:tgtEl>
-                                          <p:spTgt spid="2">
-                                            <p:txEl>
-                                              <p:pRg st="0" end="0"/>
-                                            </p:txEl>
-                                          </p:spTgt>
-                                        </p:tgtEl>
-                                        <p:attrNameLst>
-                                          <p:attrName>style.visibility</p:attrName>
-                                        </p:attrNameLst>
-                                      </p:cBhvr>
-                                      <p:to>
-                                        <p:strVal val="visible"/>
-                                      </p:to>
-                                    </p:set>
-                                  </p:childTnLst>
-                                </p:cTn>
-                              </p:par>
-                            </p:childTnLst>
-                          </p:cTn>
-                        </p:par>
-                      </p:childTnLst>
-                    </p:cTn>
-                  </p:par>
-                  <p:par>
-                    <p:cTn id="7" fill="hold">
-                      <p:stCondLst>
-                        <p:cond delay="indefinite"/>
-                      </p:stCondLst>
-                      <p:childTnLst>
-                        <p:par>
-                          <p:cTn id="8" fill="hold">
-                            <p:stCondLst>
-                              <p:cond delay="0"/>
-                            </p:stCondLst>
-                            <p:childTnLst>
-                              <p:par>
-                                <p:cTn id="9" presetID="1" presetClass="entr" presetSubtype="0" fill="hold" grpId="0" nodeType="clickEffect">
-                                  <p:stCondLst>
-                                    <p:cond delay="0"/>
-                                  </p:stCondLst>
-                                  <p:childTnLst>
-                                    <p:set>
-                                      <p:cBhvr>
-                                        <p:cTn id="10" dur="1" fill="hold">
-                                          <p:stCondLst>
-                                            <p:cond delay="0"/>
-                                          </p:stCondLst>
-                                        </p:cTn>
-                                        <p:tgtEl>
-                                          <p:spTgt spid="2">
-                                            <p:txEl>
-                                              <p:pRg st="1" end="1"/>
-                                            </p:txEl>
-                                          </p:spTgt>
-                                        </p:tgtEl>
-                                        <p:attrNameLst>
-                                          <p:attrName>style.visibility</p:attrName>
-                                        </p:attrNameLst>
-                                      </p:cBhvr>
-                                      <p:to>
-                                        <p:strVal val="visible"/>
-                                      </p:to>
-                                    </p:set>
-                                  </p:childTnLst>
-                                </p:cTn>
-                              </p:par>
-                            </p:childTnLst>
-                          </p:cTn>
-                        </p:par>
-                      </p:childTnLst>
-                    </p:cTn>
-                  </p:par>
-                  <p:par>
-                    <p:cTn id="11" fill="hold">
-                      <p:stCondLst>
-                        <p:cond delay="indefinite"/>
-                      </p:stCondLst>
-                      <p:childTnLst>
-                        <p:par>
-                          <p:cTn id="12" fill="hold">
-                            <p:stCondLst>
-                              <p:cond delay="0"/>
-                            </p:stCondLst>
-                            <p:childTnLst>
-                              <p:par>
-                                <p:cTn id="13" presetID="1" presetClass="entr" presetSubtype="0" fill="hold" grpId="0" nodeType="clickEffect">
-                                  <p:stCondLst>
-                                    <p:cond delay="0"/>
-                                  </p:stCondLst>
-                                  <p:childTnLst>
-                                    <p:set>
-                                      <p:cBhvr>
-                                        <p:cTn id="14" dur="1" fill="hold">
-                                          <p:stCondLst>
-                                            <p:cond delay="0"/>
-                                          </p:stCondLst>
-                                        </p:cTn>
-                                        <p:tgtEl>
-                                          <p:spTgt spid="2">
-                                            <p:txEl>
-                                              <p:pRg st="2" end="2"/>
-                                            </p:txEl>
-                                          </p:spTgt>
-                                        </p:tgtEl>
-                                        <p:attrNameLst>
-                                          <p:attrName>style.visibility</p:attrName>
-                                        </p:attrNameLst>
-                                      </p:cBhvr>
-                                      <p:to>
-                                        <p:strVal val="visible"/>
-                                      </p:to>
-                                    </p:set>
-                                  </p:childTnLst>
-                                </p:cTn>
-                              </p:par>
-                            </p:childTnLst>
-                          </p:cTn>
-                        </p:par>
-                      </p:childTnLst>
-                    </p:cTn>
-                  </p:par>
-                  <p:par>
-                    <p:cTn id="15" fill="hold">
-                      <p:stCondLst>
-                        <p:cond delay="indefinite"/>
-                      </p:stCondLst>
-                      <p:childTnLst>
-                        <p:par>
-                          <p:cTn id="16" fill="hold">
-                            <p:stCondLst>
-                              <p:cond delay="0"/>
-                            </p:stCondLst>
-                            <p:childTnLst>
-                              <p:par>
-                                <p:cTn id="17" presetID="1" presetClass="entr" presetSubtype="0" fill="hold" grpId="0" nodeType="clickEffect">
-                                  <p:stCondLst>
-                                    <p:cond delay="0"/>
-                                  </p:stCondLst>
-                                  <p:childTnLst>
-                                    <p:set>
-                                      <p:cBhvr>
-                                        <p:cTn id="18" dur="1" fill="hold">
-                                          <p:stCondLst>
-                                            <p:cond delay="0"/>
-                                          </p:stCondLst>
-                                        </p:cTn>
-                                        <p:tgtEl>
-                                          <p:spTgt spid="2">
-                                            <p:txEl>
-                                              <p:pRg st="3" end="3"/>
-                                            </p:txEl>
-                                          </p:spTgt>
-                                        </p:tgtEl>
-                                        <p:attrNameLst>
-                                          <p:attrName>style.visibility</p:attrName>
-                                        </p:attrNameLst>
-                                      </p:cBhvr>
-                                      <p:to>
-                                        <p:strVal val="visible"/>
-                                      </p:to>
-                                    </p:set>
-                                  </p:childTnLst>
-                                </p:cTn>
-                              </p:par>
-                            </p:childTnLst>
-                          </p:cTn>
-                        </p:par>
-                      </p:childTnLst>
-                    </p:cTn>
-                  </p:par>
-                  <p:par>
-                    <p:cTn id="19" fill="hold">
-                      <p:stCondLst>
-                        <p:cond delay="indefinite"/>
-                      </p:stCondLst>
-                      <p:childTnLst>
-                        <p:par>
-                          <p:cTn id="20" fill="hold">
-                            <p:stCondLst>
-                              <p:cond delay="0"/>
-                            </p:stCondLst>
-                            <p:childTnLst>
-                              <p:par>
-                                <p:cTn id="21" presetID="1" presetClass="entr" presetSubtype="0" fill="hold" grpId="0" nodeType="clickEffect">
-                                  <p:stCondLst>
-                                    <p:cond delay="0"/>
-                                  </p:stCondLst>
-                                  <p:childTnLst>
-                                    <p:set>
-                                      <p:cBhvr>
-                                        <p:cTn id="22" dur="1" fill="hold">
-                                          <p:stCondLst>
-                                            <p:cond delay="0"/>
-                                          </p:stCondLst>
-                                        </p:cTn>
-                                        <p:tgtEl>
-                                          <p:spTgt spid="2">
-                                            <p:txEl>
-                                              <p:pRg st="4" end="4"/>
-                                            </p:txEl>
-                                          </p:spTgt>
-                                        </p:tgtEl>
-                                        <p:attrNameLst>
-                                          <p:attrName>style.visibility</p:attrName>
-                                        </p:attrNameLst>
-                                      </p:cBhvr>
-                                      <p:to>
-                                        <p:strVal val="visible"/>
-                                      </p:to>
-                                    </p:set>
-                                  </p:childTnLst>
-                                </p:cTn>
-                              </p:par>
-                            </p:childTnLst>
-                          </p:cTn>
-                        </p:par>
-                      </p:childTnLst>
-                    </p:cTn>
-                  </p:par>
-                  <p:par>
-                    <p:cTn id="23" fill="hold">
-                      <p:stCondLst>
-                        <p:cond delay="indefinite"/>
-                      </p:stCondLst>
-                      <p:childTnLst>
-                        <p:par>
-                          <p:cTn id="24" fill="hold">
-                            <p:stCondLst>
-                              <p:cond delay="0"/>
-                            </p:stCondLst>
-                            <p:childTnLst>
-                              <p:par>
-                                <p:cTn id="25" presetID="1" presetClass="entr" presetSubtype="0" fill="hold" grpId="0" nodeType="clickEffect">
-                                  <p:stCondLst>
-                                    <p:cond delay="0"/>
-                                  </p:stCondLst>
-                                  <p:childTnLst>
-                                    <p:set>
-                                      <p:cBhvr>
-                                        <p:cTn id="26" dur="1" fill="hold">
-                                          <p:stCondLst>
-                                            <p:cond delay="0"/>
-                                          </p:stCondLst>
-                                        </p:cTn>
-                                        <p:tgtEl>
-                                          <p:spTgt spid="2">
-                                            <p:txEl>
-                                              <p:pRg st="5" end="5"/>
-                                            </p:txEl>
-                                          </p:spTgt>
-                                        </p:tgtEl>
-                                        <p:attrNameLst>
-                                          <p:attrName>style.visibility</p:attrName>
-                                        </p:attrNameLst>
-                                      </p:cBhvr>
-                                      <p:to>
-                                        <p:strVal val="visible"/>
-                                      </p:to>
-                                    </p:set>
-                                  </p:childTnLst>
-                                </p:cTn>
-                              </p:par>
-                            </p:childTnLst>
-                          </p:cTn>
-                        </p:par>
-                      </p:childTnLst>
-                    </p:cTn>
-                  </p:par>
-                </p:childTnLst>
-              </p:cTn>
-              <p:prevCondLst>
-                <p:cond evt="onPrev" delay="0">
-                  <p:tgtEl>
-                    <p:sldTgt/>
-                  </p:tgtEl>
-                </p:cond>
-              </p:prevCondLst>
-              <p:nextCondLst>
-                <p:cond evt="onNext" delay="0">
-                  <p:tgtEl>
-                    <p:sldTgt/>
-                  </p:tgtEl>
-                </p:cond>
-              </p:nextCondLst>
-            </p:seq>
-          </p:childTnLst>
-        </p:cTn>
-      </p:par>
-    </p:tnLst>
-    <p:bldLst>
-      <p:bldP spid="2" grpId="0" uiExpand="1" build="p"/>
-    </p:bldLst>
-  </p:timing>
-</p:sld>
-</file>
-
 <file path=ppt/slides/slide8.xml><?xml version="1.0" encoding="utf-8"?>
 <p:sld xmlns:a="http://schemas.openxmlformats.org/drawingml/2006/main" xmlns:r="http://schemas.openxmlformats.org/officeDocument/2006/relationships" xmlns:p="http://schemas.openxmlformats.org/presentationml/2006/main">
   <p:cSld>
@@ -13162,60 +14212,12 @@
         <p:spPr>
           <a:xfrm>
             <a:off x="265936" y="1281157"/>
-            <a:ext cx="10772178" cy="4672381"/>
+            <a:ext cx="10624338" cy="4672381"/>
           </a:xfrm>
         </p:spPr>
         <p:txBody>
           <a:bodyPr/>
           <a:lstStyle/>
-          <a:p>
-            <a:pPr marL="0" indent="0">
-              <a:lnSpc>
-                <a:spcPct val="150000"/>
-              </a:lnSpc>
-              <a:buNone/>
-            </a:pPr>
-            <a:r>
-              <a:rPr lang="en-US" sz="2400" dirty="0">
-                <a:solidFill>
-                  <a:srgbClr val="5583D1"/>
-                </a:solidFill>
-              </a:rPr>
-              <a:t>Reporting &amp; Insights</a:t>
-            </a:r>
-          </a:p>
-          <a:p>
-            <a:pPr marL="0" indent="0">
-              <a:lnSpc>
-                <a:spcPct val="150000"/>
-              </a:lnSpc>
-              <a:buNone/>
-            </a:pPr>
-            <a:r>
-              <a:rPr lang="en-US" sz="2400" b="0" dirty="0">
-                <a:solidFill>
-                  <a:srgbClr val="5583D1"/>
-                </a:solidFill>
-              </a:rPr>
-              <a:t>The output class from the trained model is passed to Gemini, a large language model.</a:t>
-            </a:r>
-          </a:p>
-          <a:p>
-            <a:pPr marL="0" indent="0">
-              <a:lnSpc>
-                <a:spcPct val="150000"/>
-              </a:lnSpc>
-              <a:buNone/>
-            </a:pPr>
-            <a:r>
-              <a:rPr lang="en-US" sz="2400" b="0" dirty="0">
-                <a:solidFill>
-                  <a:srgbClr val="5583D1"/>
-                </a:solidFill>
-              </a:rPr>
-              <a:t>Gemini generates human-readable match reports based on the detected event class.</a:t>
-            </a:r>
-          </a:p>
           <a:p>
             <a:pPr marL="0" indent="0">
               <a:lnSpc>
@@ -13628,153 +14630,6 @@
                       </p:childTnLst>
                     </p:cTn>
                   </p:par>
-                  <p:par>
-                    <p:cTn id="15" fill="hold">
-                      <p:stCondLst>
-                        <p:cond delay="indefinite"/>
-                      </p:stCondLst>
-                      <p:childTnLst>
-                        <p:par>
-                          <p:cTn id="16" fill="hold">
-                            <p:stCondLst>
-                              <p:cond delay="0"/>
-                            </p:stCondLst>
-                            <p:childTnLst>
-                              <p:par>
-                                <p:cTn id="17" presetID="1" presetClass="entr" presetSubtype="0" fill="hold" grpId="0" nodeType="clickEffect">
-                                  <p:stCondLst>
-                                    <p:cond delay="0"/>
-                                  </p:stCondLst>
-                                  <p:childTnLst>
-                                    <p:set>
-                                      <p:cBhvr>
-                                        <p:cTn id="18" dur="1" fill="hold">
-                                          <p:stCondLst>
-                                            <p:cond delay="0"/>
-                                          </p:stCondLst>
-                                        </p:cTn>
-                                        <p:tgtEl>
-                                          <p:spTgt spid="2">
-                                            <p:txEl>
-                                              <p:pRg st="3" end="3"/>
-                                            </p:txEl>
-                                          </p:spTgt>
-                                        </p:tgtEl>
-                                        <p:attrNameLst>
-                                          <p:attrName>style.visibility</p:attrName>
-                                        </p:attrNameLst>
-                                      </p:cBhvr>
-                                      <p:to>
-                                        <p:strVal val="visible"/>
-                                      </p:to>
-                                    </p:set>
-                                  </p:childTnLst>
-                                </p:cTn>
-                              </p:par>
-                            </p:childTnLst>
-                          </p:cTn>
-                        </p:par>
-                      </p:childTnLst>
-                    </p:cTn>
-                  </p:par>
-                  <p:par>
-                    <p:cTn id="19" fill="hold">
-                      <p:stCondLst>
-                        <p:cond delay="indefinite"/>
-                      </p:stCondLst>
-                      <p:childTnLst>
-                        <p:par>
-                          <p:cTn id="20" fill="hold">
-                            <p:stCondLst>
-                              <p:cond delay="0"/>
-                            </p:stCondLst>
-                            <p:childTnLst>
-                              <p:par>
-                                <p:cTn id="21" presetID="1" presetClass="entr" presetSubtype="0" fill="hold" grpId="0" nodeType="clickEffect">
-                                  <p:stCondLst>
-                                    <p:cond delay="0"/>
-                                  </p:stCondLst>
-                                  <p:childTnLst>
-                                    <p:set>
-                                      <p:cBhvr>
-                                        <p:cTn id="22" dur="1" fill="hold">
-                                          <p:stCondLst>
-                                            <p:cond delay="0"/>
-                                          </p:stCondLst>
-                                        </p:cTn>
-                                        <p:tgtEl>
-                                          <p:spTgt spid="2">
-                                            <p:txEl>
-                                              <p:pRg st="4" end="4"/>
-                                            </p:txEl>
-                                          </p:spTgt>
-                                        </p:tgtEl>
-                                        <p:attrNameLst>
-                                          <p:attrName>style.visibility</p:attrName>
-                                        </p:attrNameLst>
-                                      </p:cBhvr>
-                                      <p:to>
-                                        <p:strVal val="visible"/>
-                                      </p:to>
-                                    </p:set>
-                                  </p:childTnLst>
-                                </p:cTn>
-                              </p:par>
-                            </p:childTnLst>
-                          </p:cTn>
-                        </p:par>
-                      </p:childTnLst>
-                    </p:cTn>
-                  </p:par>
-                  <p:par>
-                    <p:cTn id="23" fill="hold">
-                      <p:stCondLst>
-                        <p:cond delay="indefinite"/>
-                      </p:stCondLst>
-                      <p:childTnLst>
-                        <p:par>
-                          <p:cTn id="24" fill="hold">
-                            <p:stCondLst>
-                              <p:cond delay="0"/>
-                            </p:stCondLst>
-                            <p:childTnLst>
-                              <p:par>
-                                <p:cTn id="25" presetID="1" presetClass="entr" presetSubtype="0" fill="hold" grpId="0" nodeType="clickEffect">
-                                  <p:stCondLst>
-                                    <p:cond delay="0"/>
-                                  </p:stCondLst>
-                                  <p:childTnLst>
-                                    <p:set>
-                                      <p:cBhvr>
-                                        <p:cTn id="26" dur="1" fill="hold">
-                                          <p:stCondLst>
-                                            <p:cond delay="0"/>
-                                          </p:stCondLst>
-                                        </p:cTn>
-                                        <p:tgtEl>
-                                          <p:spTgt spid="2">
-                                            <p:txEl>
-                                              <p:pRg st="5" end="5"/>
-                                            </p:txEl>
-                                          </p:spTgt>
-                                        </p:tgtEl>
-                                        <p:attrNameLst>
-                                          <p:attrName>style.visibility</p:attrName>
-                                        </p:attrNameLst>
-                                      </p:cBhvr>
-                                      <p:to>
-                                        <p:strVal val="visible"/>
-                                      </p:to>
-                                    </p:set>
-                                  </p:childTnLst>
-                                </p:cTn>
-                              </p:par>
-                            </p:childTnLst>
-                          </p:cTn>
-                        </p:par>
-                      </p:childTnLst>
-                    </p:cTn>
-                  </p:par>
                 </p:childTnLst>
               </p:cTn>
               <p:prevCondLst>
@@ -13862,29 +14717,36 @@
                 </a:solidFill>
                 <a:latin typeface="+mn-lt"/>
               </a:rPr>
-              <a:t> </a:t>
-            </a:r>
-            <a:r>
-              <a:rPr lang="en-US" sz="2400" dirty="0">
-                <a:solidFill>
-                  <a:srgbClr val="5583D1"/>
-                </a:solidFill>
-                <a:latin typeface="+mn-lt"/>
-              </a:rPr>
-              <a:t>Algorithms: </a:t>
+              <a:t> Algorithms: </a:t>
             </a:r>
             <a:endParaRPr lang="en-IN" sz="2400" dirty="0"/>
           </a:p>
           <a:p>
             <a:r>
               <a:rPr lang="en-IN" sz="2400" b="0" dirty="0"/>
-              <a:t>CNN (ResNet): Extract spatial features from images</a:t>
-            </a:r>
-          </a:p>
-          <a:p>
+              <a:t>CNN (</a:t>
+            </a:r>
+            <a:r>
+              <a:rPr lang="en-IN" sz="2400" b="0" dirty="0" err="1"/>
+              <a:t>ResNet</a:t>
+            </a:r>
             <a:r>
               <a:rPr lang="en-IN" sz="2400" b="0" dirty="0"/>
-              <a:t>Vision Transformer (VIT): Capture global context</a:t>
+              <a:t>): Extract spatial features from images</a:t>
+            </a:r>
+          </a:p>
+          <a:p>
+            <a:r>
+              <a:rPr lang="en-IN" sz="2400" b="0" dirty="0"/>
+              <a:t>Vision Transformer (</a:t>
+            </a:r>
+            <a:r>
+              <a:rPr lang="en-IN" sz="2400" b="0" dirty="0" err="1"/>
+              <a:t>ViT</a:t>
+            </a:r>
+            <a:r>
+              <a:rPr lang="en-IN" sz="2400" b="0" dirty="0"/>
+              <a:t>): Capture global context</a:t>
             </a:r>
           </a:p>
           <a:p>
@@ -13901,7 +14763,7 @@
               <a:buNone/>
             </a:pPr>
             <a:r>
-              <a:rPr lang="en-US" sz="2400" dirty="0">
+              <a:rPr lang="en-US" sz="2400" b="0" dirty="0">
                 <a:solidFill>
                   <a:srgbClr val="5583D1"/>
                 </a:solidFill>
@@ -13912,14 +14774,30 @@
           </a:p>
           <a:p>
             <a:r>
+              <a:rPr lang="en-IN" sz="2400" b="0" dirty="0" err="1"/>
+              <a:t>Streamlit</a:t>
+            </a:r>
+            <a:r>
               <a:rPr lang="en-IN" sz="2400" b="0" dirty="0"/>
-              <a:t>Streamlit: Interactive UI for uploading images &amp; reports</a:t>
-            </a:r>
-          </a:p>
-          <a:p>
+              <a:t>: Interactive UI for uploading images &amp; reports</a:t>
+            </a:r>
+          </a:p>
+          <a:p>
+            <a:r>
+              <a:rPr lang="en-IN" sz="2400" b="0" dirty="0" err="1"/>
+              <a:t>PyTorch</a:t>
+            </a:r>
             <a:r>
               <a:rPr lang="en-IN" sz="2400" b="0" dirty="0"/>
-              <a:t>PyTorch / Torch vision: Model training</a:t>
+              <a:t> / </a:t>
+            </a:r>
+            <a:r>
+              <a:rPr lang="en-IN" sz="2400" b="0" dirty="0" err="1"/>
+              <a:t>Torchvision</a:t>
+            </a:r>
+            <a:r>
+              <a:rPr lang="en-IN" sz="2400" b="0" dirty="0"/>
+              <a:t>: Model training</a:t>
             </a:r>
           </a:p>
           <a:p>
@@ -13931,8 +14809,13 @@
           <a:p>
             <a:r>
               <a:rPr lang="en-IN" sz="2400" b="0" dirty="0"/>
-              <a:t>NumPy, Pandas: Data handling &amp; preprocessing</a:t>
-            </a:r>
+              <a:t>NumPy, Pandas: Data handling &amp; </a:t>
+            </a:r>
+            <a:r>
+              <a:rPr lang="en-IN" sz="2400" b="0" dirty="0" err="1"/>
+              <a:t>preprocessinng</a:t>
+            </a:r>
+            <a:endParaRPr lang="en-IN" sz="2400" b="0" dirty="0"/>
           </a:p>
         </p:txBody>
       </p:sp>
